--- a/Images/Remote Sensing Slides (for editing graphics).pptx
+++ b/Images/Remote Sensing Slides (for editing graphics).pptx
@@ -880,9 +880,16 @@
       <dgm:spPr>
         <a:solidFill>
           <a:schemeClr val="accent2">
-            <a:lumMod val="75000"/>
+            <a:lumMod val="50000"/>
           </a:schemeClr>
         </a:solidFill>
+        <a:effectLst>
+          <a:outerShdw blurRad="50800" dist="38100" dir="2700000" algn="tl" rotWithShape="0">
+            <a:prstClr val="black">
+              <a:alpha val="40000"/>
+            </a:prstClr>
+          </a:outerShdw>
+        </a:effectLst>
       </dgm:spPr>
       <dgm:t>
         <a:bodyPr/>
@@ -919,7 +926,15 @@
     </dgm:pt>
     <dgm:pt modelId="{0C9DE810-3BF7-40A2-AC0D-51FCF9177BF1}">
       <dgm:prSet phldrT="[Text]"/>
-      <dgm:spPr/>
+      <dgm:spPr>
+        <a:effectLst>
+          <a:outerShdw blurRad="50800" dist="38100" dir="5400000" algn="t" rotWithShape="0">
+            <a:prstClr val="black">
+              <a:alpha val="40000"/>
+            </a:prstClr>
+          </a:outerShdw>
+        </a:effectLst>
+      </dgm:spPr>
       <dgm:t>
         <a:bodyPr/>
         <a:lstStyle/>
@@ -961,6 +976,13 @@
             <a:lumMod val="50000"/>
           </a:schemeClr>
         </a:solidFill>
+        <a:effectLst>
+          <a:outerShdw blurRad="50800" dist="38100" dir="5400000" algn="t" rotWithShape="0">
+            <a:prstClr val="black">
+              <a:alpha val="40000"/>
+            </a:prstClr>
+          </a:outerShdw>
+        </a:effectLst>
       </dgm:spPr>
       <dgm:t>
         <a:bodyPr/>
@@ -968,7 +990,7 @@
         <a:p>
           <a:r>
             <a:rPr lang="en-SG" dirty="0"/>
-            <a:t>Consult on plant species that will benefit community and GGW</a:t>
+            <a:t>Consult with expert botanists to diversify crop and tree species for GGW planting</a:t>
           </a:r>
         </a:p>
       </dgm:t>
@@ -1003,6 +1025,13 @@
             <a:lumMod val="75000"/>
           </a:schemeClr>
         </a:solidFill>
+        <a:effectLst>
+          <a:outerShdw blurRad="50800" dist="38100" dir="5400000" algn="t" rotWithShape="0">
+            <a:prstClr val="black">
+              <a:alpha val="40000"/>
+            </a:prstClr>
+          </a:outerShdw>
+        </a:effectLst>
       </dgm:spPr>
       <dgm:t>
         <a:bodyPr/>
@@ -1010,7 +1039,7 @@
         <a:p>
           <a:r>
             <a:rPr lang="en-SG" dirty="0"/>
-            <a:t>Coordinate tree planting efforts</a:t>
+            <a:t>Confer with local herders and farmer communities to reconcile GGW planting areas</a:t>
           </a:r>
         </a:p>
       </dgm:t>
@@ -1045,6 +1074,13 @@
             <a:lumMod val="50000"/>
           </a:schemeClr>
         </a:solidFill>
+        <a:effectLst>
+          <a:outerShdw blurRad="50800" dist="38100" dir="5400000" algn="t" rotWithShape="0">
+            <a:prstClr val="black">
+              <a:alpha val="40000"/>
+            </a:prstClr>
+          </a:outerShdw>
+        </a:effectLst>
       </dgm:spPr>
       <dgm:t>
         <a:bodyPr/>
@@ -1052,7 +1088,7 @@
         <a:p>
           <a:r>
             <a:rPr lang="en-SG" dirty="0"/>
-            <a:t>Provide access to dashboard to relevant government bodies</a:t>
+            <a:t>Present findings and provide dashboard access to relevant government bodies</a:t>
           </a:r>
         </a:p>
       </dgm:t>
@@ -1083,8 +1119,15 @@
       <dgm:prSet phldrT="[Text]"/>
       <dgm:spPr>
         <a:solidFill>
-          <a:srgbClr val="C00000"/>
+          <a:schemeClr val="accent6"/>
         </a:solidFill>
+        <a:effectLst>
+          <a:outerShdw blurRad="50800" dist="38100" dir="2700000" algn="tl" rotWithShape="0">
+            <a:prstClr val="black">
+              <a:alpha val="40000"/>
+            </a:prstClr>
+          </a:outerShdw>
+        </a:effectLst>
       </dgm:spPr>
       <dgm:t>
         <a:bodyPr/>
@@ -1346,8 +1389,8 @@
       </dsp:nvSpPr>
       <dsp:spPr>
         <a:xfrm>
-          <a:off x="2116" y="2482188"/>
-          <a:ext cx="2137833" cy="1068916"/>
+          <a:off x="556" y="2422591"/>
+          <a:ext cx="2698750" cy="1349375"/>
         </a:xfrm>
         <a:prstGeom prst="roundRect">
           <a:avLst>
@@ -1356,7 +1399,7 @@
         </a:prstGeom>
         <a:solidFill>
           <a:schemeClr val="accent2">
-            <a:lumMod val="75000"/>
+            <a:lumMod val="50000"/>
           </a:schemeClr>
         </a:solidFill>
         <a:ln w="12700" cap="flat" cmpd="sng" algn="ctr">
@@ -1371,7 +1414,13 @@
           <a:prstDash val="solid"/>
           <a:miter lim="800000"/>
         </a:ln>
-        <a:effectLst/>
+        <a:effectLst>
+          <a:outerShdw blurRad="50800" dist="38100" dir="2700000" algn="tl" rotWithShape="0">
+            <a:prstClr val="black">
+              <a:alpha val="40000"/>
+            </a:prstClr>
+          </a:outerShdw>
+        </a:effectLst>
       </dsp:spPr>
       <dsp:style>
         <a:lnRef idx="2">
@@ -1388,12 +1437,12 @@
         </a:fontRef>
       </dsp:style>
       <dsp:txBody>
-        <a:bodyPr spcFirstLastPara="0" vert="horz" wrap="square" lIns="10795" tIns="10795" rIns="10795" bIns="10795" numCol="1" spcCol="1270" anchor="ctr" anchorCtr="0">
+        <a:bodyPr spcFirstLastPara="0" vert="horz" wrap="square" lIns="12700" tIns="12700" rIns="12700" bIns="12700" numCol="1" spcCol="1270" anchor="ctr" anchorCtr="0">
           <a:noAutofit/>
         </a:bodyPr>
         <a:lstStyle/>
         <a:p>
-          <a:pPr marL="0" lvl="0" indent="0" algn="ctr" defTabSz="755650">
+          <a:pPr marL="0" lvl="0" indent="0" algn="ctr" defTabSz="889000">
             <a:lnSpc>
               <a:spcPct val="90000"/>
             </a:lnSpc>
@@ -1406,14 +1455,14 @@
             <a:buNone/>
           </a:pPr>
           <a:r>
-            <a:rPr lang="en-SG" sz="1700" kern="1200" dirty="0"/>
+            <a:rPr lang="en-SG" sz="2000" kern="1200" dirty="0"/>
             <a:t>Desertification Dashboard</a:t>
           </a:r>
         </a:p>
       </dsp:txBody>
       <dsp:txXfrm>
-        <a:off x="33423" y="2513495"/>
-        <a:ext cx="2075219" cy="1006302"/>
+        <a:off x="40078" y="2462113"/>
+        <a:ext cx="2619706" cy="1270331"/>
       </dsp:txXfrm>
     </dsp:sp>
     <dsp:sp modelId="{C42A2F9C-DE0B-4B4E-A82C-F0BDDD683A91}">
@@ -1423,8 +1472,8 @@
       </dsp:nvSpPr>
       <dsp:spPr>
         <a:xfrm rot="18770822">
-          <a:off x="1938782" y="2537922"/>
-          <a:ext cx="1257468" cy="35507"/>
+          <a:off x="2445357" y="2492948"/>
+          <a:ext cx="1587398" cy="44824"/>
         </a:xfrm>
         <a:custGeom>
           <a:avLst/>
@@ -1435,10 +1484,10 @@
           <a:pathLst>
             <a:path>
               <a:moveTo>
-                <a:pt x="0" y="17753"/>
+                <a:pt x="0" y="22412"/>
               </a:moveTo>
               <a:lnTo>
-                <a:pt x="1257468" y="17753"/>
+                <a:pt x="1587398" y="22412"/>
               </a:lnTo>
             </a:path>
           </a:pathLst>
@@ -1493,8 +1542,8 @@
         </a:p>
       </dsp:txBody>
       <dsp:txXfrm>
-        <a:off x="2536079" y="2524240"/>
-        <a:ext cx="62873" cy="62873"/>
+        <a:off x="3199371" y="2475675"/>
+        <a:ext cx="79369" cy="79369"/>
       </dsp:txXfrm>
     </dsp:sp>
     <dsp:sp modelId="{09DE9B1B-93C3-4EF7-ABA3-0B9D661AE017}">
@@ -1504,8 +1553,8 @@
       </dsp:nvSpPr>
       <dsp:spPr>
         <a:xfrm>
-          <a:off x="2995083" y="1560248"/>
-          <a:ext cx="2137833" cy="1068916"/>
+          <a:off x="3778806" y="1258755"/>
+          <a:ext cx="2698750" cy="1349375"/>
         </a:xfrm>
         <a:prstGeom prst="roundRect">
           <a:avLst>
@@ -1532,7 +1581,13 @@
           <a:prstDash val="solid"/>
           <a:miter lim="800000"/>
         </a:ln>
-        <a:effectLst/>
+        <a:effectLst>
+          <a:outerShdw blurRad="50800" dist="38100" dir="5400000" algn="t" rotWithShape="0">
+            <a:prstClr val="black">
+              <a:alpha val="40000"/>
+            </a:prstClr>
+          </a:outerShdw>
+        </a:effectLst>
       </dsp:spPr>
       <dsp:style>
         <a:lnRef idx="2">
@@ -1549,12 +1604,12 @@
         </a:fontRef>
       </dsp:style>
       <dsp:txBody>
-        <a:bodyPr spcFirstLastPara="0" vert="horz" wrap="square" lIns="10795" tIns="10795" rIns="10795" bIns="10795" numCol="1" spcCol="1270" anchor="ctr" anchorCtr="0">
+        <a:bodyPr spcFirstLastPara="0" vert="horz" wrap="square" lIns="12700" tIns="12700" rIns="12700" bIns="12700" numCol="1" spcCol="1270" anchor="ctr" anchorCtr="0">
           <a:noAutofit/>
         </a:bodyPr>
         <a:lstStyle/>
         <a:p>
-          <a:pPr marL="0" lvl="0" indent="0" algn="ctr" defTabSz="755650">
+          <a:pPr marL="0" lvl="0" indent="0" algn="ctr" defTabSz="889000">
             <a:lnSpc>
               <a:spcPct val="90000"/>
             </a:lnSpc>
@@ -1567,14 +1622,14 @@
             <a:buNone/>
           </a:pPr>
           <a:r>
-            <a:rPr lang="en-SG" sz="1700" kern="1200" dirty="0"/>
+            <a:rPr lang="en-SG" sz="2000" kern="1200" dirty="0"/>
             <a:t>Share maps with relevant stakeholders (e.g. NGOs and local communities)</a:t>
           </a:r>
         </a:p>
       </dsp:txBody>
       <dsp:txXfrm>
-        <a:off x="3026390" y="1591555"/>
-        <a:ext cx="2075219" cy="1006302"/>
+        <a:off x="3818328" y="1298277"/>
+        <a:ext cx="2619706" cy="1270331"/>
       </dsp:txXfrm>
     </dsp:sp>
     <dsp:sp modelId="{3C7ACE55-2B62-453A-AF8A-6455B26A1FEF}">
@@ -1584,8 +1639,8 @@
       </dsp:nvSpPr>
       <dsp:spPr>
         <a:xfrm rot="19457599">
-          <a:off x="5033933" y="1769638"/>
-          <a:ext cx="1053099" cy="35507"/>
+          <a:off x="6352602" y="1523085"/>
+          <a:ext cx="1329408" cy="44824"/>
         </a:xfrm>
         <a:custGeom>
           <a:avLst/>
@@ -1596,10 +1651,10 @@
           <a:pathLst>
             <a:path>
               <a:moveTo>
-                <a:pt x="0" y="17753"/>
+                <a:pt x="0" y="22412"/>
               </a:moveTo>
               <a:lnTo>
-                <a:pt x="1053099" y="17753"/>
+                <a:pt x="1329408" y="22412"/>
               </a:lnTo>
             </a:path>
           </a:pathLst>
@@ -1654,8 +1709,8 @@
         </a:p>
       </dsp:txBody>
       <dsp:txXfrm>
-        <a:off x="5534155" y="1761065"/>
-        <a:ext cx="52654" cy="52654"/>
+        <a:off x="6984071" y="1512262"/>
+        <a:ext cx="66470" cy="66470"/>
       </dsp:txXfrm>
     </dsp:sp>
     <dsp:sp modelId="{52CB8101-35BE-440F-BB4B-F46F8CE28B01}">
@@ -1665,8 +1720,8 @@
       </dsp:nvSpPr>
       <dsp:spPr>
         <a:xfrm>
-          <a:off x="5988050" y="945620"/>
-          <a:ext cx="2137833" cy="1068916"/>
+          <a:off x="7557056" y="482864"/>
+          <a:ext cx="2698750" cy="1349375"/>
         </a:xfrm>
         <a:prstGeom prst="roundRect">
           <a:avLst>
@@ -1690,7 +1745,13 @@
           <a:prstDash val="solid"/>
           <a:miter lim="800000"/>
         </a:ln>
-        <a:effectLst/>
+        <a:effectLst>
+          <a:outerShdw blurRad="50800" dist="38100" dir="5400000" algn="t" rotWithShape="0">
+            <a:prstClr val="black">
+              <a:alpha val="40000"/>
+            </a:prstClr>
+          </a:outerShdw>
+        </a:effectLst>
       </dsp:spPr>
       <dsp:style>
         <a:lnRef idx="2">
@@ -1707,12 +1768,12 @@
         </a:fontRef>
       </dsp:style>
       <dsp:txBody>
-        <a:bodyPr spcFirstLastPara="0" vert="horz" wrap="square" lIns="10795" tIns="10795" rIns="10795" bIns="10795" numCol="1" spcCol="1270" anchor="ctr" anchorCtr="0">
+        <a:bodyPr spcFirstLastPara="0" vert="horz" wrap="square" lIns="12700" tIns="12700" rIns="12700" bIns="12700" numCol="1" spcCol="1270" anchor="ctr" anchorCtr="0">
           <a:noAutofit/>
         </a:bodyPr>
         <a:lstStyle/>
         <a:p>
-          <a:pPr marL="0" lvl="0" indent="0" algn="ctr" defTabSz="755650">
+          <a:pPr marL="0" lvl="0" indent="0" algn="ctr" defTabSz="889000">
             <a:lnSpc>
               <a:spcPct val="90000"/>
             </a:lnSpc>
@@ -1725,14 +1786,14 @@
             <a:buNone/>
           </a:pPr>
           <a:r>
-            <a:rPr lang="en-SG" sz="1700" kern="1200" dirty="0"/>
-            <a:t>Consult on plant species that will benefit community and GGW</a:t>
+            <a:rPr lang="en-SG" sz="2000" kern="1200" dirty="0"/>
+            <a:t>Consult with expert botanists to diversify crop and tree species for GGW planting</a:t>
           </a:r>
         </a:p>
       </dsp:txBody>
       <dsp:txXfrm>
-        <a:off x="6019357" y="976927"/>
-        <a:ext cx="2075219" cy="1006302"/>
+        <a:off x="7596578" y="522386"/>
+        <a:ext cx="2619706" cy="1270331"/>
       </dsp:txXfrm>
     </dsp:sp>
     <dsp:sp modelId="{46EF980D-A418-4101-B0CC-9F922539CA7B}">
@@ -1742,8 +1803,8 @@
       </dsp:nvSpPr>
       <dsp:spPr>
         <a:xfrm rot="2142401">
-          <a:off x="5033933" y="2384266"/>
-          <a:ext cx="1053099" cy="35507"/>
+          <a:off x="6352602" y="2298976"/>
+          <a:ext cx="1329408" cy="44824"/>
         </a:xfrm>
         <a:custGeom>
           <a:avLst/>
@@ -1754,10 +1815,10 @@
           <a:pathLst>
             <a:path>
               <a:moveTo>
-                <a:pt x="0" y="17753"/>
+                <a:pt x="0" y="22412"/>
               </a:moveTo>
               <a:lnTo>
-                <a:pt x="1053099" y="17753"/>
+                <a:pt x="1329408" y="22412"/>
               </a:lnTo>
             </a:path>
           </a:pathLst>
@@ -1812,8 +1873,8 @@
         </a:p>
       </dsp:txBody>
       <dsp:txXfrm>
-        <a:off x="5534155" y="2375692"/>
-        <a:ext cx="52654" cy="52654"/>
+        <a:off x="6984071" y="2288152"/>
+        <a:ext cx="66470" cy="66470"/>
       </dsp:txXfrm>
     </dsp:sp>
     <dsp:sp modelId="{C561DF01-6981-4FEE-82D0-F26EB910869E}">
@@ -1823,8 +1884,8 @@
       </dsp:nvSpPr>
       <dsp:spPr>
         <a:xfrm>
-          <a:off x="5988050" y="2174875"/>
-          <a:ext cx="2137833" cy="1068916"/>
+          <a:off x="7557056" y="2034645"/>
+          <a:ext cx="2698750" cy="1349375"/>
         </a:xfrm>
         <a:prstGeom prst="roundRect">
           <a:avLst>
@@ -1848,7 +1909,13 @@
           <a:prstDash val="solid"/>
           <a:miter lim="800000"/>
         </a:ln>
-        <a:effectLst/>
+        <a:effectLst>
+          <a:outerShdw blurRad="50800" dist="38100" dir="5400000" algn="t" rotWithShape="0">
+            <a:prstClr val="black">
+              <a:alpha val="40000"/>
+            </a:prstClr>
+          </a:outerShdw>
+        </a:effectLst>
       </dsp:spPr>
       <dsp:style>
         <a:lnRef idx="2">
@@ -1865,12 +1932,12 @@
         </a:fontRef>
       </dsp:style>
       <dsp:txBody>
-        <a:bodyPr spcFirstLastPara="0" vert="horz" wrap="square" lIns="10795" tIns="10795" rIns="10795" bIns="10795" numCol="1" spcCol="1270" anchor="ctr" anchorCtr="0">
+        <a:bodyPr spcFirstLastPara="0" vert="horz" wrap="square" lIns="12700" tIns="12700" rIns="12700" bIns="12700" numCol="1" spcCol="1270" anchor="ctr" anchorCtr="0">
           <a:noAutofit/>
         </a:bodyPr>
         <a:lstStyle/>
         <a:p>
-          <a:pPr marL="0" lvl="0" indent="0" algn="ctr" defTabSz="755650">
+          <a:pPr marL="0" lvl="0" indent="0" algn="ctr" defTabSz="889000">
             <a:lnSpc>
               <a:spcPct val="90000"/>
             </a:lnSpc>
@@ -1883,14 +1950,14 @@
             <a:buNone/>
           </a:pPr>
           <a:r>
-            <a:rPr lang="en-SG" sz="1700" kern="1200" dirty="0"/>
-            <a:t>Coordinate tree planting efforts</a:t>
+            <a:rPr lang="en-SG" sz="2000" kern="1200" dirty="0"/>
+            <a:t>Confer with local herders and farmer communities to reconcile GGW planting areas</a:t>
           </a:r>
         </a:p>
       </dsp:txBody>
       <dsp:txXfrm>
-        <a:off x="6019357" y="2206182"/>
-        <a:ext cx="2075219" cy="1006302"/>
+        <a:off x="7596578" y="2074167"/>
+        <a:ext cx="2619706" cy="1270331"/>
       </dsp:txXfrm>
     </dsp:sp>
     <dsp:sp modelId="{D623AC1F-ED2A-4C85-B953-9D86F924584D}">
@@ -1900,8 +1967,8 @@
       </dsp:nvSpPr>
       <dsp:spPr>
         <a:xfrm rot="2829178">
-          <a:off x="1938782" y="3459863"/>
-          <a:ext cx="1257468" cy="35507"/>
+          <a:off x="2445357" y="3656784"/>
+          <a:ext cx="1587398" cy="44824"/>
         </a:xfrm>
         <a:custGeom>
           <a:avLst/>
@@ -1912,10 +1979,10 @@
           <a:pathLst>
             <a:path>
               <a:moveTo>
-                <a:pt x="0" y="17753"/>
+                <a:pt x="0" y="22412"/>
               </a:moveTo>
               <a:lnTo>
-                <a:pt x="1257468" y="17753"/>
+                <a:pt x="1587398" y="22412"/>
               </a:lnTo>
             </a:path>
           </a:pathLst>
@@ -1970,8 +2037,8 @@
         </a:p>
       </dsp:txBody>
       <dsp:txXfrm>
-        <a:off x="2536079" y="3446180"/>
-        <a:ext cx="62873" cy="62873"/>
+        <a:off x="3199371" y="3639511"/>
+        <a:ext cx="79369" cy="79369"/>
       </dsp:txXfrm>
     </dsp:sp>
     <dsp:sp modelId="{9511FD1D-8126-4D01-A228-D335DD391A63}">
@@ -1981,8 +2048,8 @@
       </dsp:nvSpPr>
       <dsp:spPr>
         <a:xfrm>
-          <a:off x="2995083" y="3404129"/>
-          <a:ext cx="2137833" cy="1068916"/>
+          <a:off x="3778806" y="3586427"/>
+          <a:ext cx="2698750" cy="1349375"/>
         </a:xfrm>
         <a:prstGeom prst="roundRect">
           <a:avLst>
@@ -2006,7 +2073,13 @@
           <a:prstDash val="solid"/>
           <a:miter lim="800000"/>
         </a:ln>
-        <a:effectLst/>
+        <a:effectLst>
+          <a:outerShdw blurRad="50800" dist="38100" dir="5400000" algn="t" rotWithShape="0">
+            <a:prstClr val="black">
+              <a:alpha val="40000"/>
+            </a:prstClr>
+          </a:outerShdw>
+        </a:effectLst>
       </dsp:spPr>
       <dsp:style>
         <a:lnRef idx="2">
@@ -2023,12 +2096,12 @@
         </a:fontRef>
       </dsp:style>
       <dsp:txBody>
-        <a:bodyPr spcFirstLastPara="0" vert="horz" wrap="square" lIns="10795" tIns="10795" rIns="10795" bIns="10795" numCol="1" spcCol="1270" anchor="ctr" anchorCtr="0">
+        <a:bodyPr spcFirstLastPara="0" vert="horz" wrap="square" lIns="12700" tIns="12700" rIns="12700" bIns="12700" numCol="1" spcCol="1270" anchor="ctr" anchorCtr="0">
           <a:noAutofit/>
         </a:bodyPr>
         <a:lstStyle/>
         <a:p>
-          <a:pPr marL="0" lvl="0" indent="0" algn="ctr" defTabSz="755650">
+          <a:pPr marL="0" lvl="0" indent="0" algn="ctr" defTabSz="889000">
             <a:lnSpc>
               <a:spcPct val="90000"/>
             </a:lnSpc>
@@ -2041,14 +2114,14 @@
             <a:buNone/>
           </a:pPr>
           <a:r>
-            <a:rPr lang="en-SG" sz="1700" kern="1200" dirty="0"/>
-            <a:t>Provide access to dashboard to relevant government bodies</a:t>
+            <a:rPr lang="en-SG" sz="2000" kern="1200" dirty="0"/>
+            <a:t>Present findings and provide dashboard access to relevant government bodies</a:t>
           </a:r>
         </a:p>
       </dsp:txBody>
       <dsp:txXfrm>
-        <a:off x="3026390" y="3435436"/>
-        <a:ext cx="2075219" cy="1006302"/>
+        <a:off x="3818328" y="3625949"/>
+        <a:ext cx="2619706" cy="1270331"/>
       </dsp:txXfrm>
     </dsp:sp>
     <dsp:sp modelId="{AF6DF47A-F06C-44B3-A2FD-9C9D0740D29D}">
@@ -2058,8 +2131,8 @@
       </dsp:nvSpPr>
       <dsp:spPr>
         <a:xfrm>
-          <a:off x="5132916" y="3920833"/>
-          <a:ext cx="855133" cy="35507"/>
+          <a:off x="6477556" y="4238702"/>
+          <a:ext cx="1079500" cy="44824"/>
         </a:xfrm>
         <a:custGeom>
           <a:avLst/>
@@ -2070,10 +2143,10 @@
           <a:pathLst>
             <a:path>
               <a:moveTo>
-                <a:pt x="0" y="17753"/>
+                <a:pt x="0" y="22412"/>
               </a:moveTo>
               <a:lnTo>
-                <a:pt x="855133" y="17753"/>
+                <a:pt x="1079500" y="22412"/>
               </a:lnTo>
             </a:path>
           </a:pathLst>
@@ -2128,8 +2201,8 @@
         </a:p>
       </dsp:txBody>
       <dsp:txXfrm>
-        <a:off x="5539105" y="3917209"/>
-        <a:ext cx="42756" cy="42756"/>
+        <a:off x="6990319" y="4234127"/>
+        <a:ext cx="53975" cy="53975"/>
       </dsp:txXfrm>
     </dsp:sp>
     <dsp:sp modelId="{D9073FCA-D0EE-4B4F-906C-5B6B21EF1C29}">
@@ -2139,8 +2212,8 @@
       </dsp:nvSpPr>
       <dsp:spPr>
         <a:xfrm>
-          <a:off x="5988050" y="3404129"/>
-          <a:ext cx="2137833" cy="1068916"/>
+          <a:off x="7557056" y="3586427"/>
+          <a:ext cx="2698750" cy="1349375"/>
         </a:xfrm>
         <a:prstGeom prst="roundRect">
           <a:avLst>
@@ -2148,7 +2221,7 @@
           </a:avLst>
         </a:prstGeom>
         <a:solidFill>
-          <a:srgbClr val="C00000"/>
+          <a:schemeClr val="accent6"/>
         </a:solidFill>
         <a:ln w="12700" cap="flat" cmpd="sng" algn="ctr">
           <a:solidFill>
@@ -2162,7 +2235,13 @@
           <a:prstDash val="solid"/>
           <a:miter lim="800000"/>
         </a:ln>
-        <a:effectLst/>
+        <a:effectLst>
+          <a:outerShdw blurRad="50800" dist="38100" dir="2700000" algn="tl" rotWithShape="0">
+            <a:prstClr val="black">
+              <a:alpha val="40000"/>
+            </a:prstClr>
+          </a:outerShdw>
+        </a:effectLst>
       </dsp:spPr>
       <dsp:style>
         <a:lnRef idx="2">
@@ -2179,12 +2258,12 @@
         </a:fontRef>
       </dsp:style>
       <dsp:txBody>
-        <a:bodyPr spcFirstLastPara="0" vert="horz" wrap="square" lIns="10795" tIns="10795" rIns="10795" bIns="10795" numCol="1" spcCol="1270" anchor="ctr" anchorCtr="0">
+        <a:bodyPr spcFirstLastPara="0" vert="horz" wrap="square" lIns="12700" tIns="12700" rIns="12700" bIns="12700" numCol="1" spcCol="1270" anchor="ctr" anchorCtr="0">
           <a:noAutofit/>
         </a:bodyPr>
         <a:lstStyle/>
         <a:p>
-          <a:pPr marL="0" lvl="0" indent="0" algn="ctr" defTabSz="755650">
+          <a:pPr marL="0" lvl="0" indent="0" algn="ctr" defTabSz="889000">
             <a:lnSpc>
               <a:spcPct val="90000"/>
             </a:lnSpc>
@@ -2197,14 +2276,14 @@
             <a:buNone/>
           </a:pPr>
           <a:r>
-            <a:rPr lang="en-SG" sz="1700" kern="1200" dirty="0"/>
+            <a:rPr lang="en-SG" sz="2000" kern="1200" dirty="0"/>
             <a:t>Show severity of the situation to allocate more resources</a:t>
           </a:r>
         </a:p>
       </dsp:txBody>
       <dsp:txXfrm>
-        <a:off x="6019357" y="3435436"/>
-        <a:ext cx="2075219" cy="1006302"/>
+        <a:off x="7596578" y="3625949"/>
+        <a:ext cx="2619706" cy="1270331"/>
       </dsp:txXfrm>
     </dsp:sp>
   </dsp:spTree>
@@ -3714,7 +3793,7 @@
           <a:p>
             <a:fld id="{ECB04A3A-ED3D-4812-8823-412B2F206050}" type="datetimeFigureOut">
               <a:rPr lang="en-SG" smtClean="0"/>
-              <a:t>12/3/2024</a:t>
+              <a:t>14/3/2024</a:t>
             </a:fld>
             <a:endParaRPr lang="en-SG"/>
           </a:p>
@@ -3914,7 +3993,7 @@
           <a:p>
             <a:fld id="{ECB04A3A-ED3D-4812-8823-412B2F206050}" type="datetimeFigureOut">
               <a:rPr lang="en-SG" smtClean="0"/>
-              <a:t>12/3/2024</a:t>
+              <a:t>14/3/2024</a:t>
             </a:fld>
             <a:endParaRPr lang="en-SG"/>
           </a:p>
@@ -4124,7 +4203,7 @@
           <a:p>
             <a:fld id="{ECB04A3A-ED3D-4812-8823-412B2F206050}" type="datetimeFigureOut">
               <a:rPr lang="en-SG" smtClean="0"/>
-              <a:t>12/3/2024</a:t>
+              <a:t>14/3/2024</a:t>
             </a:fld>
             <a:endParaRPr lang="en-SG"/>
           </a:p>
@@ -4324,7 +4403,7 @@
           <a:p>
             <a:fld id="{ECB04A3A-ED3D-4812-8823-412B2F206050}" type="datetimeFigureOut">
               <a:rPr lang="en-SG" smtClean="0"/>
-              <a:t>12/3/2024</a:t>
+              <a:t>14/3/2024</a:t>
             </a:fld>
             <a:endParaRPr lang="en-SG"/>
           </a:p>
@@ -4600,7 +4679,7 @@
           <a:p>
             <a:fld id="{ECB04A3A-ED3D-4812-8823-412B2F206050}" type="datetimeFigureOut">
               <a:rPr lang="en-SG" smtClean="0"/>
-              <a:t>12/3/2024</a:t>
+              <a:t>14/3/2024</a:t>
             </a:fld>
             <a:endParaRPr lang="en-SG"/>
           </a:p>
@@ -4868,7 +4947,7 @@
           <a:p>
             <a:fld id="{ECB04A3A-ED3D-4812-8823-412B2F206050}" type="datetimeFigureOut">
               <a:rPr lang="en-SG" smtClean="0"/>
-              <a:t>12/3/2024</a:t>
+              <a:t>14/3/2024</a:t>
             </a:fld>
             <a:endParaRPr lang="en-SG"/>
           </a:p>
@@ -5283,7 +5362,7 @@
           <a:p>
             <a:fld id="{ECB04A3A-ED3D-4812-8823-412B2F206050}" type="datetimeFigureOut">
               <a:rPr lang="en-SG" smtClean="0"/>
-              <a:t>12/3/2024</a:t>
+              <a:t>14/3/2024</a:t>
             </a:fld>
             <a:endParaRPr lang="en-SG"/>
           </a:p>
@@ -5425,7 +5504,7 @@
           <a:p>
             <a:fld id="{ECB04A3A-ED3D-4812-8823-412B2F206050}" type="datetimeFigureOut">
               <a:rPr lang="en-SG" smtClean="0"/>
-              <a:t>12/3/2024</a:t>
+              <a:t>14/3/2024</a:t>
             </a:fld>
             <a:endParaRPr lang="en-SG"/>
           </a:p>
@@ -5538,7 +5617,7 @@
           <a:p>
             <a:fld id="{ECB04A3A-ED3D-4812-8823-412B2F206050}" type="datetimeFigureOut">
               <a:rPr lang="en-SG" smtClean="0"/>
-              <a:t>12/3/2024</a:t>
+              <a:t>14/3/2024</a:t>
             </a:fld>
             <a:endParaRPr lang="en-SG"/>
           </a:p>
@@ -5851,7 +5930,7 @@
           <a:p>
             <a:fld id="{ECB04A3A-ED3D-4812-8823-412B2F206050}" type="datetimeFigureOut">
               <a:rPr lang="en-SG" smtClean="0"/>
-              <a:t>12/3/2024</a:t>
+              <a:t>14/3/2024</a:t>
             </a:fld>
             <a:endParaRPr lang="en-SG"/>
           </a:p>
@@ -6140,7 +6219,7 @@
           <a:p>
             <a:fld id="{ECB04A3A-ED3D-4812-8823-412B2F206050}" type="datetimeFigureOut">
               <a:rPr lang="en-SG" smtClean="0"/>
-              <a:t>12/3/2024</a:t>
+              <a:t>14/3/2024</a:t>
             </a:fld>
             <a:endParaRPr lang="en-SG"/>
           </a:p>
@@ -6383,7 +6462,7 @@
           <a:p>
             <a:fld id="{ECB04A3A-ED3D-4812-8823-412B2F206050}" type="datetimeFigureOut">
               <a:rPr lang="en-SG" smtClean="0"/>
-              <a:t>12/3/2024</a:t>
+              <a:t>14/3/2024</a:t>
             </a:fld>
             <a:endParaRPr lang="en-SG"/>
           </a:p>
@@ -9162,10 +9241,10 @@
       </p:grpSpPr>
       <p:grpSp>
         <p:nvGrpSpPr>
-          <p:cNvPr id="8" name="Group 7">
+          <p:cNvPr id="9" name="Group 8">
             <a:extLst>
               <a:ext uri="{FF2B5EF4-FFF2-40B4-BE49-F238E27FC236}">
-                <a16:creationId xmlns:a16="http://schemas.microsoft.com/office/drawing/2014/main" id="{0F1AE372-6027-D7F8-292E-28BCC06E1CF9}"/>
+                <a16:creationId xmlns:a16="http://schemas.microsoft.com/office/drawing/2014/main" id="{C9D1F8FB-38CD-97DB-4D41-8402D9D2A57A}"/>
               </a:ext>
             </a:extLst>
           </p:cNvPr>
@@ -9174,10 +9253,10 @@
         </p:nvGrpSpPr>
         <p:grpSpPr>
           <a:xfrm>
-            <a:off x="2032000" y="719666"/>
-            <a:ext cx="8128000" cy="5418667"/>
-            <a:chOff x="2032000" y="719666"/>
-            <a:chExt cx="8128000" cy="5418667"/>
+            <a:off x="952107" y="191765"/>
+            <a:ext cx="10256363" cy="5603333"/>
+            <a:chOff x="952107" y="191765"/>
+            <a:chExt cx="10256363" cy="5603333"/>
           </a:xfrm>
         </p:grpSpPr>
         <p:graphicFrame>
@@ -9193,14 +9272,14 @@
             <p:nvPr>
               <p:extLst>
                 <p:ext uri="{D42A27DB-BD31-4B8C-83A1-F6EECF244321}">
-                  <p14:modId xmlns:p14="http://schemas.microsoft.com/office/powerpoint/2010/main" val="1387755400"/>
+                  <p14:modId xmlns:p14="http://schemas.microsoft.com/office/powerpoint/2010/main" val="4239792647"/>
                 </p:ext>
               </p:extLst>
             </p:nvPr>
           </p:nvGraphicFramePr>
           <p:xfrm>
-            <a:off x="2032000" y="719666"/>
-            <a:ext cx="8128000" cy="5418667"/>
+            <a:off x="952107" y="191765"/>
+            <a:ext cx="10256363" cy="5418667"/>
           </p:xfrm>
           <a:graphic>
             <a:graphicData uri="http://schemas.openxmlformats.org/drawingml/2006/diagram">
@@ -9210,10 +9289,10 @@
         </p:graphicFrame>
         <p:sp>
           <p:nvSpPr>
-            <p:cNvPr id="5" name="TextBox 4">
+            <p:cNvPr id="3" name="TextBox 2">
               <a:extLst>
                 <a:ext uri="{FF2B5EF4-FFF2-40B4-BE49-F238E27FC236}">
-                  <a16:creationId xmlns:a16="http://schemas.microsoft.com/office/drawing/2014/main" id="{80717E2A-71A8-F98E-BE88-3712CDA8DC40}"/>
+                  <a16:creationId xmlns:a16="http://schemas.microsoft.com/office/drawing/2014/main" id="{DD920F0B-CE90-C388-0F34-BD6C12FDA011}"/>
                 </a:ext>
               </a:extLst>
             </p:cNvPr>
@@ -9222,8 +9301,8 @@
           </p:nvSpPr>
           <p:spPr>
             <a:xfrm>
-              <a:off x="2220536" y="810705"/>
-              <a:ext cx="1600503" cy="369332"/>
+              <a:off x="1562628" y="5425766"/>
+              <a:ext cx="9066743" cy="369332"/>
             </a:xfrm>
             <a:prstGeom prst="rect">
               <a:avLst/>
@@ -9231,84 +9310,32 @@
             <a:noFill/>
           </p:spPr>
           <p:txBody>
-            <a:bodyPr wrap="none" rtlCol="0">
+            <a:bodyPr wrap="square">
               <a:spAutoFit/>
             </a:bodyPr>
             <a:lstStyle/>
             <a:p>
+              <a:pPr rtl="0" fontAlgn="base">
+                <a:spcBef>
+                  <a:spcPts val="0"/>
+                </a:spcBef>
+                <a:spcAft>
+                  <a:spcPts val="0"/>
+                </a:spcAft>
+              </a:pPr>
               <a:r>
-                <a:rPr lang="en-SG" b="1" dirty="0"/>
-                <a:t>Project Output</a:t>
+                <a:rPr lang="en-US" b="1" i="0" u="none" strike="noStrike" dirty="0">
+                  <a:effectLst/>
+                  <a:latin typeface="Arial" panose="020B0604020202020204" pitchFamily="34" charset="0"/>
+                </a:rPr>
+                <a:t>Disclaimer: </a:t>
               </a:r>
-            </a:p>
-          </p:txBody>
-        </p:sp>
-        <p:sp>
-          <p:nvSpPr>
-            <p:cNvPr id="6" name="TextBox 5">
-              <a:extLst>
-                <a:ext uri="{FF2B5EF4-FFF2-40B4-BE49-F238E27FC236}">
-                  <a16:creationId xmlns:a16="http://schemas.microsoft.com/office/drawing/2014/main" id="{E305544E-92BD-BA15-5BA0-3270680E5C05}"/>
-                </a:ext>
-              </a:extLst>
-            </p:cNvPr>
-            <p:cNvSpPr txBox="1"/>
-            <p:nvPr/>
-          </p:nvSpPr>
-          <p:spPr>
-            <a:xfrm>
-              <a:off x="5459447" y="810705"/>
-              <a:ext cx="1273105" cy="369332"/>
-            </a:xfrm>
-            <a:prstGeom prst="rect">
-              <a:avLst/>
-            </a:prstGeom>
-            <a:noFill/>
-          </p:spPr>
-          <p:txBody>
-            <a:bodyPr wrap="none" rtlCol="0">
-              <a:spAutoFit/>
-            </a:bodyPr>
-            <a:lstStyle/>
-            <a:p>
               <a:r>
-                <a:rPr lang="en-SG" b="1" dirty="0"/>
-                <a:t>Action Plan</a:t>
-              </a:r>
-            </a:p>
-          </p:txBody>
-        </p:sp>
-        <p:sp>
-          <p:nvSpPr>
-            <p:cNvPr id="7" name="TextBox 6">
-              <a:extLst>
-                <a:ext uri="{FF2B5EF4-FFF2-40B4-BE49-F238E27FC236}">
-                  <a16:creationId xmlns:a16="http://schemas.microsoft.com/office/drawing/2014/main" id="{4DB061F6-F74D-4EA1-8CD2-525E8C057E4C}"/>
-                </a:ext>
-              </a:extLst>
-            </p:cNvPr>
-            <p:cNvSpPr txBox="1"/>
-            <p:nvPr/>
-          </p:nvSpPr>
-          <p:spPr>
-            <a:xfrm>
-              <a:off x="8550069" y="810705"/>
-              <a:ext cx="1094659" cy="369332"/>
-            </a:xfrm>
-            <a:prstGeom prst="rect">
-              <a:avLst/>
-            </a:prstGeom>
-            <a:noFill/>
-          </p:spPr>
-          <p:txBody>
-            <a:bodyPr wrap="none" rtlCol="0">
-              <a:spAutoFit/>
-            </a:bodyPr>
-            <a:lstStyle/>
-            <a:p>
-              <a:r>
-                <a:rPr lang="en-SG" b="1" dirty="0"/>
-                <a:t>Rationale</a:t>
+                <a:rPr lang="en-US" b="0" i="0" u="none" strike="noStrike" dirty="0">
+                  <a:effectLst/>
+                  <a:latin typeface="Arial" panose="020B0604020202020204" pitchFamily="34" charset="0"/>
+                </a:rPr>
+                <a:t>Engage this data only in conjunction with local intel on insurgence activities</a:t>
               </a:r>
             </a:p>
           </p:txBody>

--- a/Images/Remote Sensing Slides (for editing graphics).pptx
+++ b/Images/Remote Sensing Slides (for editing graphics).pptx
@@ -8,6 +8,8 @@
     <p:sldId id="259" r:id="rId2"/>
     <p:sldId id="258" r:id="rId3"/>
     <p:sldId id="260" r:id="rId4"/>
+    <p:sldId id="261" r:id="rId5"/>
+    <p:sldId id="262" r:id="rId6"/>
   </p:sldIdLst>
   <p:sldSz cx="12192000" cy="6858000"/>
   <p:notesSz cx="6858000" cy="9144000"/>
@@ -9354,6 +9356,4094 @@
 </p:sld>
 </file>
 
+<file path=ppt/slides/slide4.xml><?xml version="1.0" encoding="utf-8"?>
+<p:sld xmlns:a="http://schemas.openxmlformats.org/drawingml/2006/main" xmlns:r="http://schemas.openxmlformats.org/officeDocument/2006/relationships" xmlns:p="http://schemas.openxmlformats.org/presentationml/2006/main">
+  <p:cSld>
+    <p:spTree>
+      <p:nvGrpSpPr>
+        <p:cNvPr id="1" name=""/>
+        <p:cNvGrpSpPr/>
+        <p:nvPr/>
+      </p:nvGrpSpPr>
+      <p:grpSpPr>
+        <a:xfrm>
+          <a:off x="0" y="0"/>
+          <a:ext cx="0" cy="0"/>
+          <a:chOff x="0" y="0"/>
+          <a:chExt cx="0" cy="0"/>
+        </a:xfrm>
+      </p:grpSpPr>
+      <p:graphicFrame>
+        <p:nvGraphicFramePr>
+          <p:cNvPr id="4" name="Content Placeholder 3">
+            <a:extLst>
+              <a:ext uri="{FF2B5EF4-FFF2-40B4-BE49-F238E27FC236}">
+                <a16:creationId xmlns:a16="http://schemas.microsoft.com/office/drawing/2014/main" id="{6B2243F5-E035-3217-0B4F-CD95B386E332}"/>
+              </a:ext>
+            </a:extLst>
+          </p:cNvPr>
+          <p:cNvGraphicFramePr>
+            <a:graphicFrameLocks noGrp="1"/>
+          </p:cNvGraphicFramePr>
+          <p:nvPr>
+            <p:ph idx="1"/>
+            <p:extLst>
+              <p:ext uri="{D42A27DB-BD31-4B8C-83A1-F6EECF244321}">
+                <p14:modId xmlns:p14="http://schemas.microsoft.com/office/powerpoint/2010/main" val="1953022973"/>
+              </p:ext>
+            </p:extLst>
+          </p:nvPr>
+        </p:nvGraphicFramePr>
+        <p:xfrm>
+          <a:off x="1342271" y="1019712"/>
+          <a:ext cx="9699256" cy="4465911"/>
+        </p:xfrm>
+        <a:graphic>
+          <a:graphicData uri="http://schemas.openxmlformats.org/drawingml/2006/table">
+            <a:tbl>
+              <a:tblPr>
+                <a:tableStyleId>{5C22544A-7EE6-4342-B048-85BDC9FD1C3A}</a:tableStyleId>
+              </a:tblPr>
+              <a:tblGrid>
+                <a:gridCol w="3058996">
+                  <a:extLst>
+                    <a:ext uri="{9D8B030D-6E8A-4147-A177-3AD203B41FA5}">
+                      <a16:colId xmlns:a16="http://schemas.microsoft.com/office/drawing/2014/main" val="1341415904"/>
+                    </a:ext>
+                  </a:extLst>
+                </a:gridCol>
+                <a:gridCol w="1380279">
+                  <a:extLst>
+                    <a:ext uri="{9D8B030D-6E8A-4147-A177-3AD203B41FA5}">
+                      <a16:colId xmlns:a16="http://schemas.microsoft.com/office/drawing/2014/main" val="1335735888"/>
+                    </a:ext>
+                  </a:extLst>
+                </a:gridCol>
+                <a:gridCol w="1753327">
+                  <a:extLst>
+                    <a:ext uri="{9D8B030D-6E8A-4147-A177-3AD203B41FA5}">
+                      <a16:colId xmlns:a16="http://schemas.microsoft.com/office/drawing/2014/main" val="4103278927"/>
+                    </a:ext>
+                  </a:extLst>
+                </a:gridCol>
+                <a:gridCol w="1753327">
+                  <a:extLst>
+                    <a:ext uri="{9D8B030D-6E8A-4147-A177-3AD203B41FA5}">
+                      <a16:colId xmlns:a16="http://schemas.microsoft.com/office/drawing/2014/main" val="2521190952"/>
+                    </a:ext>
+                  </a:extLst>
+                </a:gridCol>
+                <a:gridCol w="1753327">
+                  <a:extLst>
+                    <a:ext uri="{9D8B030D-6E8A-4147-A177-3AD203B41FA5}">
+                      <a16:colId xmlns:a16="http://schemas.microsoft.com/office/drawing/2014/main" val="3512952144"/>
+                    </a:ext>
+                  </a:extLst>
+                </a:gridCol>
+              </a:tblGrid>
+              <a:tr h="503615">
+                <a:tc>
+                  <a:txBody>
+                    <a:bodyPr/>
+                    <a:lstStyle/>
+                    <a:p>
+                      <a:pPr algn="ctr" fontAlgn="ctr"/>
+                      <a:r>
+                        <a:rPr lang="en-SG" sz="1800" b="1" u="none" strike="noStrike" dirty="0">
+                          <a:effectLst/>
+                        </a:rPr>
+                        <a:t>Item</a:t>
+                      </a:r>
+                      <a:endParaRPr lang="en-SG" sz="1800" b="1" i="0" u="none" strike="noStrike" dirty="0">
+                        <a:solidFill>
+                          <a:srgbClr val="000000"/>
+                        </a:solidFill>
+                        <a:effectLst/>
+                        <a:latin typeface="Calibri" panose="020F0502020204030204" pitchFamily="34" charset="0"/>
+                      </a:endParaRPr>
+                    </a:p>
+                  </a:txBody>
+                  <a:tcPr marL="11191" marR="11191" marT="11191" marB="0" anchor="ctr">
+                    <a:lnL w="12700" cap="flat" cmpd="sng" algn="ctr">
+                      <a:solidFill>
+                        <a:schemeClr val="tx1"/>
+                      </a:solidFill>
+                      <a:prstDash val="solid"/>
+                      <a:round/>
+                      <a:headEnd type="none" w="med" len="med"/>
+                      <a:tailEnd type="none" w="med" len="med"/>
+                    </a:lnL>
+                    <a:lnR w="12700" cap="flat" cmpd="sng" algn="ctr">
+                      <a:solidFill>
+                        <a:schemeClr val="tx1"/>
+                      </a:solidFill>
+                      <a:prstDash val="solid"/>
+                      <a:round/>
+                      <a:headEnd type="none" w="med" len="med"/>
+                      <a:tailEnd type="none" w="med" len="med"/>
+                    </a:lnR>
+                    <a:lnT w="12700" cap="flat" cmpd="sng" algn="ctr">
+                      <a:solidFill>
+                        <a:schemeClr val="tx1"/>
+                      </a:solidFill>
+                      <a:prstDash val="solid"/>
+                      <a:round/>
+                      <a:headEnd type="none" w="med" len="med"/>
+                      <a:tailEnd type="none" w="med" len="med"/>
+                    </a:lnT>
+                    <a:lnB w="12700" cap="flat" cmpd="sng" algn="ctr">
+                      <a:solidFill>
+                        <a:schemeClr val="tx1"/>
+                      </a:solidFill>
+                      <a:prstDash val="solid"/>
+                      <a:round/>
+                      <a:headEnd type="none" w="med" len="med"/>
+                      <a:tailEnd type="none" w="med" len="med"/>
+                    </a:lnB>
+                    <a:noFill/>
+                  </a:tcPr>
+                </a:tc>
+                <a:tc>
+                  <a:txBody>
+                    <a:bodyPr/>
+                    <a:lstStyle/>
+                    <a:p>
+                      <a:pPr algn="ctr" fontAlgn="ctr"/>
+                      <a:r>
+                        <a:rPr lang="en-SG" sz="1800" b="1" u="none" strike="noStrike">
+                          <a:effectLst/>
+                        </a:rPr>
+                        <a:t>Quantity</a:t>
+                      </a:r>
+                      <a:endParaRPr lang="en-SG" sz="1800" b="1" i="0" u="none" strike="noStrike">
+                        <a:solidFill>
+                          <a:srgbClr val="000000"/>
+                        </a:solidFill>
+                        <a:effectLst/>
+                        <a:latin typeface="Calibri" panose="020F0502020204030204" pitchFamily="34" charset="0"/>
+                      </a:endParaRPr>
+                    </a:p>
+                  </a:txBody>
+                  <a:tcPr marL="11191" marR="11191" marT="11191" marB="0" anchor="ctr">
+                    <a:lnL w="12700" cap="flat" cmpd="sng" algn="ctr">
+                      <a:solidFill>
+                        <a:schemeClr val="tx1"/>
+                      </a:solidFill>
+                      <a:prstDash val="solid"/>
+                      <a:round/>
+                      <a:headEnd type="none" w="med" len="med"/>
+                      <a:tailEnd type="none" w="med" len="med"/>
+                    </a:lnL>
+                    <a:lnR w="12700" cap="flat" cmpd="sng" algn="ctr">
+                      <a:solidFill>
+                        <a:schemeClr val="tx1"/>
+                      </a:solidFill>
+                      <a:prstDash val="solid"/>
+                      <a:round/>
+                      <a:headEnd type="none" w="med" len="med"/>
+                      <a:tailEnd type="none" w="med" len="med"/>
+                    </a:lnR>
+                    <a:lnT w="12700" cap="flat" cmpd="sng" algn="ctr">
+                      <a:solidFill>
+                        <a:schemeClr val="tx1"/>
+                      </a:solidFill>
+                      <a:prstDash val="solid"/>
+                      <a:round/>
+                      <a:headEnd type="none" w="med" len="med"/>
+                      <a:tailEnd type="none" w="med" len="med"/>
+                    </a:lnT>
+                    <a:lnB w="12700" cap="flat" cmpd="sng" algn="ctr">
+                      <a:solidFill>
+                        <a:schemeClr val="tx1"/>
+                      </a:solidFill>
+                      <a:prstDash val="solid"/>
+                      <a:round/>
+                      <a:headEnd type="none" w="med" len="med"/>
+                      <a:tailEnd type="none" w="med" len="med"/>
+                    </a:lnB>
+                    <a:noFill/>
+                  </a:tcPr>
+                </a:tc>
+                <a:tc>
+                  <a:txBody>
+                    <a:bodyPr/>
+                    <a:lstStyle/>
+                    <a:p>
+                      <a:pPr algn="ctr" fontAlgn="ctr"/>
+                      <a:r>
+                        <a:rPr lang="en-SG" sz="1800" b="1" u="none" strike="noStrike">
+                          <a:effectLst/>
+                        </a:rPr>
+                        <a:t>Day Rate (￡)</a:t>
+                      </a:r>
+                      <a:endParaRPr lang="en-SG" sz="1800" b="1" i="0" u="none" strike="noStrike">
+                        <a:solidFill>
+                          <a:srgbClr val="000000"/>
+                        </a:solidFill>
+                        <a:effectLst/>
+                        <a:latin typeface="Calibri" panose="020F0502020204030204" pitchFamily="34" charset="0"/>
+                      </a:endParaRPr>
+                    </a:p>
+                  </a:txBody>
+                  <a:tcPr marL="11191" marR="11191" marT="11191" marB="0" anchor="ctr">
+                    <a:lnL w="12700" cap="flat" cmpd="sng" algn="ctr">
+                      <a:solidFill>
+                        <a:schemeClr val="tx1"/>
+                      </a:solidFill>
+                      <a:prstDash val="solid"/>
+                      <a:round/>
+                      <a:headEnd type="none" w="med" len="med"/>
+                      <a:tailEnd type="none" w="med" len="med"/>
+                    </a:lnL>
+                    <a:lnR w="12700" cap="flat" cmpd="sng" algn="ctr">
+                      <a:solidFill>
+                        <a:schemeClr val="tx1"/>
+                      </a:solidFill>
+                      <a:prstDash val="solid"/>
+                      <a:round/>
+                      <a:headEnd type="none" w="med" len="med"/>
+                      <a:tailEnd type="none" w="med" len="med"/>
+                    </a:lnR>
+                    <a:lnT w="12700" cap="flat" cmpd="sng" algn="ctr">
+                      <a:solidFill>
+                        <a:schemeClr val="tx1"/>
+                      </a:solidFill>
+                      <a:prstDash val="solid"/>
+                      <a:round/>
+                      <a:headEnd type="none" w="med" len="med"/>
+                      <a:tailEnd type="none" w="med" len="med"/>
+                    </a:lnT>
+                    <a:lnB w="12700" cap="flat" cmpd="sng" algn="ctr">
+                      <a:solidFill>
+                        <a:schemeClr val="tx1"/>
+                      </a:solidFill>
+                      <a:prstDash val="solid"/>
+                      <a:round/>
+                      <a:headEnd type="none" w="med" len="med"/>
+                      <a:tailEnd type="none" w="med" len="med"/>
+                    </a:lnB>
+                    <a:noFill/>
+                  </a:tcPr>
+                </a:tc>
+                <a:tc>
+                  <a:txBody>
+                    <a:bodyPr/>
+                    <a:lstStyle/>
+                    <a:p>
+                      <a:pPr algn="ctr" fontAlgn="ctr"/>
+                      <a:r>
+                        <a:rPr lang="en-SG" sz="1800" b="1" u="none" strike="noStrike">
+                          <a:effectLst/>
+                        </a:rPr>
+                        <a:t>No. of Days</a:t>
+                      </a:r>
+                      <a:endParaRPr lang="en-SG" sz="1800" b="1" i="0" u="none" strike="noStrike">
+                        <a:solidFill>
+                          <a:srgbClr val="000000"/>
+                        </a:solidFill>
+                        <a:effectLst/>
+                        <a:latin typeface="Calibri" panose="020F0502020204030204" pitchFamily="34" charset="0"/>
+                      </a:endParaRPr>
+                    </a:p>
+                  </a:txBody>
+                  <a:tcPr marL="11191" marR="11191" marT="11191" marB="0" anchor="ctr">
+                    <a:lnL w="12700" cap="flat" cmpd="sng" algn="ctr">
+                      <a:solidFill>
+                        <a:schemeClr val="tx1"/>
+                      </a:solidFill>
+                      <a:prstDash val="solid"/>
+                      <a:round/>
+                      <a:headEnd type="none" w="med" len="med"/>
+                      <a:tailEnd type="none" w="med" len="med"/>
+                    </a:lnL>
+                    <a:lnR w="12700" cap="flat" cmpd="sng" algn="ctr">
+                      <a:solidFill>
+                        <a:schemeClr val="tx1"/>
+                      </a:solidFill>
+                      <a:prstDash val="solid"/>
+                      <a:round/>
+                      <a:headEnd type="none" w="med" len="med"/>
+                      <a:tailEnd type="none" w="med" len="med"/>
+                    </a:lnR>
+                    <a:lnT w="12700" cap="flat" cmpd="sng" algn="ctr">
+                      <a:solidFill>
+                        <a:schemeClr val="tx1"/>
+                      </a:solidFill>
+                      <a:prstDash val="solid"/>
+                      <a:round/>
+                      <a:headEnd type="none" w="med" len="med"/>
+                      <a:tailEnd type="none" w="med" len="med"/>
+                    </a:lnT>
+                    <a:lnB w="12700" cap="flat" cmpd="sng" algn="ctr">
+                      <a:solidFill>
+                        <a:schemeClr val="tx1"/>
+                      </a:solidFill>
+                      <a:prstDash val="solid"/>
+                      <a:round/>
+                      <a:headEnd type="none" w="med" len="med"/>
+                      <a:tailEnd type="none" w="med" len="med"/>
+                    </a:lnB>
+                    <a:noFill/>
+                  </a:tcPr>
+                </a:tc>
+                <a:tc>
+                  <a:txBody>
+                    <a:bodyPr/>
+                    <a:lstStyle/>
+                    <a:p>
+                      <a:pPr algn="ctr" fontAlgn="ctr"/>
+                      <a:r>
+                        <a:rPr lang="en-SG" sz="1800" b="1" u="none" strike="noStrike" dirty="0">
+                          <a:effectLst/>
+                        </a:rPr>
+                        <a:t>Total Cost (￡)</a:t>
+                      </a:r>
+                      <a:endParaRPr lang="en-SG" sz="1800" b="1" i="0" u="none" strike="noStrike" dirty="0">
+                        <a:solidFill>
+                          <a:srgbClr val="000000"/>
+                        </a:solidFill>
+                        <a:effectLst/>
+                        <a:latin typeface="Calibri" panose="020F0502020204030204" pitchFamily="34" charset="0"/>
+                      </a:endParaRPr>
+                    </a:p>
+                  </a:txBody>
+                  <a:tcPr marL="11191" marR="11191" marT="11191" marB="0" anchor="ctr">
+                    <a:lnL w="12700" cap="flat" cmpd="sng" algn="ctr">
+                      <a:solidFill>
+                        <a:schemeClr val="tx1"/>
+                      </a:solidFill>
+                      <a:prstDash val="solid"/>
+                      <a:round/>
+                      <a:headEnd type="none" w="med" len="med"/>
+                      <a:tailEnd type="none" w="med" len="med"/>
+                    </a:lnL>
+                    <a:lnR w="12700" cap="flat" cmpd="sng" algn="ctr">
+                      <a:solidFill>
+                        <a:schemeClr val="tx1"/>
+                      </a:solidFill>
+                      <a:prstDash val="solid"/>
+                      <a:round/>
+                      <a:headEnd type="none" w="med" len="med"/>
+                      <a:tailEnd type="none" w="med" len="med"/>
+                    </a:lnR>
+                    <a:lnT w="12700" cap="flat" cmpd="sng" algn="ctr">
+                      <a:solidFill>
+                        <a:schemeClr val="tx1"/>
+                      </a:solidFill>
+                      <a:prstDash val="solid"/>
+                      <a:round/>
+                      <a:headEnd type="none" w="med" len="med"/>
+                      <a:tailEnd type="none" w="med" len="med"/>
+                    </a:lnT>
+                    <a:lnB w="12700" cap="flat" cmpd="sng" algn="ctr">
+                      <a:solidFill>
+                        <a:schemeClr val="tx1"/>
+                      </a:solidFill>
+                      <a:prstDash val="solid"/>
+                      <a:round/>
+                      <a:headEnd type="none" w="med" len="med"/>
+                      <a:tailEnd type="none" w="med" len="med"/>
+                    </a:lnB>
+                    <a:noFill/>
+                  </a:tcPr>
+                </a:tc>
+                <a:extLst>
+                  <a:ext uri="{0D108BD9-81ED-4DB2-BD59-A6C34878D82A}">
+                    <a16:rowId xmlns:a16="http://schemas.microsoft.com/office/drawing/2014/main" val="2203156797"/>
+                  </a:ext>
+                </a:extLst>
+              </a:tr>
+              <a:tr h="290978">
+                <a:tc>
+                  <a:txBody>
+                    <a:bodyPr/>
+                    <a:lstStyle/>
+                    <a:p>
+                      <a:pPr algn="l" fontAlgn="b"/>
+                      <a:r>
+                        <a:rPr lang="en-SG" sz="1800" u="none" strike="noStrike" dirty="0">
+                          <a:effectLst/>
+                        </a:rPr>
+                        <a:t>Project Manager</a:t>
+                      </a:r>
+                      <a:endParaRPr lang="en-SG" sz="1800" b="0" i="0" u="none" strike="noStrike" dirty="0">
+                        <a:solidFill>
+                          <a:srgbClr val="000000"/>
+                        </a:solidFill>
+                        <a:effectLst/>
+                        <a:latin typeface="Calibri" panose="020F0502020204030204" pitchFamily="34" charset="0"/>
+                      </a:endParaRPr>
+                    </a:p>
+                  </a:txBody>
+                  <a:tcPr marL="11191" marR="11191" marT="11191" marB="0" anchor="b">
+                    <a:lnL w="12700" cap="flat" cmpd="sng" algn="ctr">
+                      <a:solidFill>
+                        <a:schemeClr val="tx1"/>
+                      </a:solidFill>
+                      <a:prstDash val="solid"/>
+                      <a:round/>
+                      <a:headEnd type="none" w="med" len="med"/>
+                      <a:tailEnd type="none" w="med" len="med"/>
+                    </a:lnL>
+                    <a:lnR w="12700" cap="flat" cmpd="sng" algn="ctr">
+                      <a:solidFill>
+                        <a:schemeClr val="tx1"/>
+                      </a:solidFill>
+                      <a:prstDash val="solid"/>
+                      <a:round/>
+                      <a:headEnd type="none" w="med" len="med"/>
+                      <a:tailEnd type="none" w="med" len="med"/>
+                    </a:lnR>
+                    <a:lnT w="12700" cap="flat" cmpd="sng" algn="ctr">
+                      <a:solidFill>
+                        <a:schemeClr val="tx1"/>
+                      </a:solidFill>
+                      <a:prstDash val="solid"/>
+                      <a:round/>
+                      <a:headEnd type="none" w="med" len="med"/>
+                      <a:tailEnd type="none" w="med" len="med"/>
+                    </a:lnT>
+                    <a:lnB w="12700" cap="flat" cmpd="sng" algn="ctr">
+                      <a:solidFill>
+                        <a:schemeClr val="tx1"/>
+                      </a:solidFill>
+                      <a:prstDash val="solid"/>
+                      <a:round/>
+                      <a:headEnd type="none" w="med" len="med"/>
+                      <a:tailEnd type="none" w="med" len="med"/>
+                    </a:lnB>
+                    <a:noFill/>
+                  </a:tcPr>
+                </a:tc>
+                <a:tc>
+                  <a:txBody>
+                    <a:bodyPr/>
+                    <a:lstStyle/>
+                    <a:p>
+                      <a:pPr algn="r" fontAlgn="b"/>
+                      <a:r>
+                        <a:rPr lang="en-SG" sz="1800" u="none" strike="noStrike">
+                          <a:effectLst/>
+                        </a:rPr>
+                        <a:t>1</a:t>
+                      </a:r>
+                      <a:endParaRPr lang="en-SG" sz="1800" b="0" i="0" u="none" strike="noStrike">
+                        <a:solidFill>
+                          <a:srgbClr val="000000"/>
+                        </a:solidFill>
+                        <a:effectLst/>
+                        <a:latin typeface="Calibri" panose="020F0502020204030204" pitchFamily="34" charset="0"/>
+                      </a:endParaRPr>
+                    </a:p>
+                  </a:txBody>
+                  <a:tcPr marL="11191" marR="11191" marT="11191" marB="0" anchor="b">
+                    <a:lnL w="12700" cap="flat" cmpd="sng" algn="ctr">
+                      <a:solidFill>
+                        <a:schemeClr val="tx1"/>
+                      </a:solidFill>
+                      <a:prstDash val="solid"/>
+                      <a:round/>
+                      <a:headEnd type="none" w="med" len="med"/>
+                      <a:tailEnd type="none" w="med" len="med"/>
+                    </a:lnL>
+                    <a:lnR w="12700" cap="flat" cmpd="sng" algn="ctr">
+                      <a:solidFill>
+                        <a:schemeClr val="tx1"/>
+                      </a:solidFill>
+                      <a:prstDash val="solid"/>
+                      <a:round/>
+                      <a:headEnd type="none" w="med" len="med"/>
+                      <a:tailEnd type="none" w="med" len="med"/>
+                    </a:lnR>
+                    <a:lnT w="12700" cap="flat" cmpd="sng" algn="ctr">
+                      <a:solidFill>
+                        <a:schemeClr val="tx1"/>
+                      </a:solidFill>
+                      <a:prstDash val="solid"/>
+                      <a:round/>
+                      <a:headEnd type="none" w="med" len="med"/>
+                      <a:tailEnd type="none" w="med" len="med"/>
+                    </a:lnT>
+                    <a:lnB w="12700" cap="flat" cmpd="sng" algn="ctr">
+                      <a:solidFill>
+                        <a:schemeClr val="tx1"/>
+                      </a:solidFill>
+                      <a:prstDash val="solid"/>
+                      <a:round/>
+                      <a:headEnd type="none" w="med" len="med"/>
+                      <a:tailEnd type="none" w="med" len="med"/>
+                    </a:lnB>
+                    <a:noFill/>
+                  </a:tcPr>
+                </a:tc>
+                <a:tc>
+                  <a:txBody>
+                    <a:bodyPr/>
+                    <a:lstStyle/>
+                    <a:p>
+                      <a:pPr algn="r" fontAlgn="b"/>
+                      <a:r>
+                        <a:rPr lang="en-SG" sz="1800" u="none" strike="noStrike">
+                          <a:effectLst/>
+                        </a:rPr>
+                        <a:t>300</a:t>
+                      </a:r>
+                      <a:endParaRPr lang="en-SG" sz="1800" b="0" i="0" u="none" strike="noStrike">
+                        <a:solidFill>
+                          <a:srgbClr val="000000"/>
+                        </a:solidFill>
+                        <a:effectLst/>
+                        <a:latin typeface="Calibri" panose="020F0502020204030204" pitchFamily="34" charset="0"/>
+                      </a:endParaRPr>
+                    </a:p>
+                  </a:txBody>
+                  <a:tcPr marL="11191" marR="11191" marT="11191" marB="0" anchor="b">
+                    <a:lnL w="12700" cap="flat" cmpd="sng" algn="ctr">
+                      <a:solidFill>
+                        <a:schemeClr val="tx1"/>
+                      </a:solidFill>
+                      <a:prstDash val="solid"/>
+                      <a:round/>
+                      <a:headEnd type="none" w="med" len="med"/>
+                      <a:tailEnd type="none" w="med" len="med"/>
+                    </a:lnL>
+                    <a:lnR w="12700" cap="flat" cmpd="sng" algn="ctr">
+                      <a:solidFill>
+                        <a:schemeClr val="tx1"/>
+                      </a:solidFill>
+                      <a:prstDash val="solid"/>
+                      <a:round/>
+                      <a:headEnd type="none" w="med" len="med"/>
+                      <a:tailEnd type="none" w="med" len="med"/>
+                    </a:lnR>
+                    <a:lnT w="12700" cap="flat" cmpd="sng" algn="ctr">
+                      <a:solidFill>
+                        <a:schemeClr val="tx1"/>
+                      </a:solidFill>
+                      <a:prstDash val="solid"/>
+                      <a:round/>
+                      <a:headEnd type="none" w="med" len="med"/>
+                      <a:tailEnd type="none" w="med" len="med"/>
+                    </a:lnT>
+                    <a:lnB w="12700" cap="flat" cmpd="sng" algn="ctr">
+                      <a:solidFill>
+                        <a:schemeClr val="tx1"/>
+                      </a:solidFill>
+                      <a:prstDash val="solid"/>
+                      <a:round/>
+                      <a:headEnd type="none" w="med" len="med"/>
+                      <a:tailEnd type="none" w="med" len="med"/>
+                    </a:lnB>
+                    <a:noFill/>
+                  </a:tcPr>
+                </a:tc>
+                <a:tc>
+                  <a:txBody>
+                    <a:bodyPr/>
+                    <a:lstStyle/>
+                    <a:p>
+                      <a:pPr algn="r" fontAlgn="b"/>
+                      <a:r>
+                        <a:rPr lang="en-SG" sz="1800" u="none" strike="noStrike">
+                          <a:effectLst/>
+                        </a:rPr>
+                        <a:t>120</a:t>
+                      </a:r>
+                      <a:endParaRPr lang="en-SG" sz="1800" b="0" i="0" u="none" strike="noStrike">
+                        <a:solidFill>
+                          <a:srgbClr val="000000"/>
+                        </a:solidFill>
+                        <a:effectLst/>
+                        <a:latin typeface="Calibri" panose="020F0502020204030204" pitchFamily="34" charset="0"/>
+                      </a:endParaRPr>
+                    </a:p>
+                  </a:txBody>
+                  <a:tcPr marL="11191" marR="11191" marT="11191" marB="0" anchor="b">
+                    <a:lnL w="12700" cap="flat" cmpd="sng" algn="ctr">
+                      <a:solidFill>
+                        <a:schemeClr val="tx1"/>
+                      </a:solidFill>
+                      <a:prstDash val="solid"/>
+                      <a:round/>
+                      <a:headEnd type="none" w="med" len="med"/>
+                      <a:tailEnd type="none" w="med" len="med"/>
+                    </a:lnL>
+                    <a:lnR w="12700" cap="flat" cmpd="sng" algn="ctr">
+                      <a:solidFill>
+                        <a:schemeClr val="tx1"/>
+                      </a:solidFill>
+                      <a:prstDash val="solid"/>
+                      <a:round/>
+                      <a:headEnd type="none" w="med" len="med"/>
+                      <a:tailEnd type="none" w="med" len="med"/>
+                    </a:lnR>
+                    <a:lnT w="12700" cap="flat" cmpd="sng" algn="ctr">
+                      <a:solidFill>
+                        <a:schemeClr val="tx1"/>
+                      </a:solidFill>
+                      <a:prstDash val="solid"/>
+                      <a:round/>
+                      <a:headEnd type="none" w="med" len="med"/>
+                      <a:tailEnd type="none" w="med" len="med"/>
+                    </a:lnT>
+                    <a:lnB w="12700" cap="flat" cmpd="sng" algn="ctr">
+                      <a:solidFill>
+                        <a:schemeClr val="tx1"/>
+                      </a:solidFill>
+                      <a:prstDash val="solid"/>
+                      <a:round/>
+                      <a:headEnd type="none" w="med" len="med"/>
+                      <a:tailEnd type="none" w="med" len="med"/>
+                    </a:lnB>
+                    <a:noFill/>
+                  </a:tcPr>
+                </a:tc>
+                <a:tc>
+                  <a:txBody>
+                    <a:bodyPr/>
+                    <a:lstStyle/>
+                    <a:p>
+                      <a:pPr algn="r" fontAlgn="b"/>
+                      <a:r>
+                        <a:rPr lang="en-SG" sz="1800" u="none" strike="noStrike">
+                          <a:effectLst/>
+                        </a:rPr>
+                        <a:t>36000</a:t>
+                      </a:r>
+                      <a:endParaRPr lang="en-SG" sz="1800" b="0" i="0" u="none" strike="noStrike">
+                        <a:solidFill>
+                          <a:srgbClr val="000000"/>
+                        </a:solidFill>
+                        <a:effectLst/>
+                        <a:latin typeface="Calibri" panose="020F0502020204030204" pitchFamily="34" charset="0"/>
+                      </a:endParaRPr>
+                    </a:p>
+                  </a:txBody>
+                  <a:tcPr marL="11191" marR="11191" marT="11191" marB="0" anchor="b">
+                    <a:lnL w="12700" cap="flat" cmpd="sng" algn="ctr">
+                      <a:solidFill>
+                        <a:schemeClr val="tx1"/>
+                      </a:solidFill>
+                      <a:prstDash val="solid"/>
+                      <a:round/>
+                      <a:headEnd type="none" w="med" len="med"/>
+                      <a:tailEnd type="none" w="med" len="med"/>
+                    </a:lnL>
+                    <a:lnR w="12700" cap="flat" cmpd="sng" algn="ctr">
+                      <a:solidFill>
+                        <a:schemeClr val="tx1"/>
+                      </a:solidFill>
+                      <a:prstDash val="solid"/>
+                      <a:round/>
+                      <a:headEnd type="none" w="med" len="med"/>
+                      <a:tailEnd type="none" w="med" len="med"/>
+                    </a:lnR>
+                    <a:lnT w="12700" cap="flat" cmpd="sng" algn="ctr">
+                      <a:solidFill>
+                        <a:schemeClr val="tx1"/>
+                      </a:solidFill>
+                      <a:prstDash val="solid"/>
+                      <a:round/>
+                      <a:headEnd type="none" w="med" len="med"/>
+                      <a:tailEnd type="none" w="med" len="med"/>
+                    </a:lnT>
+                    <a:lnB w="12700" cap="flat" cmpd="sng" algn="ctr">
+                      <a:solidFill>
+                        <a:schemeClr val="tx1"/>
+                      </a:solidFill>
+                      <a:prstDash val="solid"/>
+                      <a:round/>
+                      <a:headEnd type="none" w="med" len="med"/>
+                      <a:tailEnd type="none" w="med" len="med"/>
+                    </a:lnB>
+                    <a:noFill/>
+                  </a:tcPr>
+                </a:tc>
+                <a:extLst>
+                  <a:ext uri="{0D108BD9-81ED-4DB2-BD59-A6C34878D82A}">
+                    <a16:rowId xmlns:a16="http://schemas.microsoft.com/office/drawing/2014/main" val="4041681687"/>
+                  </a:ext>
+                </a:extLst>
+              </a:tr>
+              <a:tr h="290978">
+                <a:tc>
+                  <a:txBody>
+                    <a:bodyPr/>
+                    <a:lstStyle/>
+                    <a:p>
+                      <a:pPr algn="l" fontAlgn="b"/>
+                      <a:r>
+                        <a:rPr lang="en-SG" sz="1800" u="none" strike="noStrike" dirty="0">
+                          <a:effectLst/>
+                        </a:rPr>
+                        <a:t>Data Engineer</a:t>
+                      </a:r>
+                      <a:endParaRPr lang="en-SG" sz="1800" b="0" i="0" u="none" strike="noStrike" dirty="0">
+                        <a:solidFill>
+                          <a:srgbClr val="000000"/>
+                        </a:solidFill>
+                        <a:effectLst/>
+                        <a:latin typeface="Calibri" panose="020F0502020204030204" pitchFamily="34" charset="0"/>
+                      </a:endParaRPr>
+                    </a:p>
+                  </a:txBody>
+                  <a:tcPr marL="11191" marR="11191" marT="11191" marB="0" anchor="b">
+                    <a:lnL w="12700" cap="flat" cmpd="sng" algn="ctr">
+                      <a:solidFill>
+                        <a:schemeClr val="tx1"/>
+                      </a:solidFill>
+                      <a:prstDash val="solid"/>
+                      <a:round/>
+                      <a:headEnd type="none" w="med" len="med"/>
+                      <a:tailEnd type="none" w="med" len="med"/>
+                    </a:lnL>
+                    <a:lnR w="12700" cap="flat" cmpd="sng" algn="ctr">
+                      <a:solidFill>
+                        <a:schemeClr val="tx1"/>
+                      </a:solidFill>
+                      <a:prstDash val="solid"/>
+                      <a:round/>
+                      <a:headEnd type="none" w="med" len="med"/>
+                      <a:tailEnd type="none" w="med" len="med"/>
+                    </a:lnR>
+                    <a:lnT w="12700" cap="flat" cmpd="sng" algn="ctr">
+                      <a:solidFill>
+                        <a:schemeClr val="tx1"/>
+                      </a:solidFill>
+                      <a:prstDash val="solid"/>
+                      <a:round/>
+                      <a:headEnd type="none" w="med" len="med"/>
+                      <a:tailEnd type="none" w="med" len="med"/>
+                    </a:lnT>
+                    <a:lnB w="12700" cap="flat" cmpd="sng" algn="ctr">
+                      <a:solidFill>
+                        <a:schemeClr val="tx1"/>
+                      </a:solidFill>
+                      <a:prstDash val="solid"/>
+                      <a:round/>
+                      <a:headEnd type="none" w="med" len="med"/>
+                      <a:tailEnd type="none" w="med" len="med"/>
+                    </a:lnB>
+                    <a:noFill/>
+                  </a:tcPr>
+                </a:tc>
+                <a:tc>
+                  <a:txBody>
+                    <a:bodyPr/>
+                    <a:lstStyle/>
+                    <a:p>
+                      <a:pPr algn="r" fontAlgn="b"/>
+                      <a:r>
+                        <a:rPr lang="en-SG" sz="1800" u="none" strike="noStrike" dirty="0">
+                          <a:effectLst/>
+                        </a:rPr>
+                        <a:t>1</a:t>
+                      </a:r>
+                      <a:endParaRPr lang="en-SG" sz="1800" b="0" i="0" u="none" strike="noStrike" dirty="0">
+                        <a:solidFill>
+                          <a:srgbClr val="000000"/>
+                        </a:solidFill>
+                        <a:effectLst/>
+                        <a:latin typeface="Calibri" panose="020F0502020204030204" pitchFamily="34" charset="0"/>
+                      </a:endParaRPr>
+                    </a:p>
+                  </a:txBody>
+                  <a:tcPr marL="11191" marR="11191" marT="11191" marB="0" anchor="b">
+                    <a:lnL w="12700" cap="flat" cmpd="sng" algn="ctr">
+                      <a:solidFill>
+                        <a:schemeClr val="tx1"/>
+                      </a:solidFill>
+                      <a:prstDash val="solid"/>
+                      <a:round/>
+                      <a:headEnd type="none" w="med" len="med"/>
+                      <a:tailEnd type="none" w="med" len="med"/>
+                    </a:lnL>
+                    <a:lnR w="12700" cap="flat" cmpd="sng" algn="ctr">
+                      <a:solidFill>
+                        <a:schemeClr val="tx1"/>
+                      </a:solidFill>
+                      <a:prstDash val="solid"/>
+                      <a:round/>
+                      <a:headEnd type="none" w="med" len="med"/>
+                      <a:tailEnd type="none" w="med" len="med"/>
+                    </a:lnR>
+                    <a:lnT w="12700" cap="flat" cmpd="sng" algn="ctr">
+                      <a:solidFill>
+                        <a:schemeClr val="tx1"/>
+                      </a:solidFill>
+                      <a:prstDash val="solid"/>
+                      <a:round/>
+                      <a:headEnd type="none" w="med" len="med"/>
+                      <a:tailEnd type="none" w="med" len="med"/>
+                    </a:lnT>
+                    <a:lnB w="12700" cap="flat" cmpd="sng" algn="ctr">
+                      <a:solidFill>
+                        <a:schemeClr val="tx1"/>
+                      </a:solidFill>
+                      <a:prstDash val="solid"/>
+                      <a:round/>
+                      <a:headEnd type="none" w="med" len="med"/>
+                      <a:tailEnd type="none" w="med" len="med"/>
+                    </a:lnB>
+                    <a:noFill/>
+                  </a:tcPr>
+                </a:tc>
+                <a:tc>
+                  <a:txBody>
+                    <a:bodyPr/>
+                    <a:lstStyle/>
+                    <a:p>
+                      <a:pPr algn="r" fontAlgn="b"/>
+                      <a:r>
+                        <a:rPr lang="en-SG" sz="1800" u="none" strike="noStrike">
+                          <a:effectLst/>
+                        </a:rPr>
+                        <a:t>250</a:t>
+                      </a:r>
+                      <a:endParaRPr lang="en-SG" sz="1800" b="0" i="0" u="none" strike="noStrike">
+                        <a:solidFill>
+                          <a:srgbClr val="000000"/>
+                        </a:solidFill>
+                        <a:effectLst/>
+                        <a:latin typeface="Calibri" panose="020F0502020204030204" pitchFamily="34" charset="0"/>
+                      </a:endParaRPr>
+                    </a:p>
+                  </a:txBody>
+                  <a:tcPr marL="11191" marR="11191" marT="11191" marB="0" anchor="b">
+                    <a:lnL w="12700" cap="flat" cmpd="sng" algn="ctr">
+                      <a:solidFill>
+                        <a:schemeClr val="tx1"/>
+                      </a:solidFill>
+                      <a:prstDash val="solid"/>
+                      <a:round/>
+                      <a:headEnd type="none" w="med" len="med"/>
+                      <a:tailEnd type="none" w="med" len="med"/>
+                    </a:lnL>
+                    <a:lnR w="12700" cap="flat" cmpd="sng" algn="ctr">
+                      <a:solidFill>
+                        <a:schemeClr val="tx1"/>
+                      </a:solidFill>
+                      <a:prstDash val="solid"/>
+                      <a:round/>
+                      <a:headEnd type="none" w="med" len="med"/>
+                      <a:tailEnd type="none" w="med" len="med"/>
+                    </a:lnR>
+                    <a:lnT w="12700" cap="flat" cmpd="sng" algn="ctr">
+                      <a:solidFill>
+                        <a:schemeClr val="tx1"/>
+                      </a:solidFill>
+                      <a:prstDash val="solid"/>
+                      <a:round/>
+                      <a:headEnd type="none" w="med" len="med"/>
+                      <a:tailEnd type="none" w="med" len="med"/>
+                    </a:lnT>
+                    <a:lnB w="12700" cap="flat" cmpd="sng" algn="ctr">
+                      <a:solidFill>
+                        <a:schemeClr val="tx1"/>
+                      </a:solidFill>
+                      <a:prstDash val="solid"/>
+                      <a:round/>
+                      <a:headEnd type="none" w="med" len="med"/>
+                      <a:tailEnd type="none" w="med" len="med"/>
+                    </a:lnB>
+                    <a:noFill/>
+                  </a:tcPr>
+                </a:tc>
+                <a:tc>
+                  <a:txBody>
+                    <a:bodyPr/>
+                    <a:lstStyle/>
+                    <a:p>
+                      <a:pPr algn="r" fontAlgn="b"/>
+                      <a:r>
+                        <a:rPr lang="en-SG" sz="1800" u="none" strike="noStrike">
+                          <a:effectLst/>
+                        </a:rPr>
+                        <a:t>90</a:t>
+                      </a:r>
+                      <a:endParaRPr lang="en-SG" sz="1800" b="0" i="0" u="none" strike="noStrike">
+                        <a:solidFill>
+                          <a:srgbClr val="000000"/>
+                        </a:solidFill>
+                        <a:effectLst/>
+                        <a:latin typeface="Calibri" panose="020F0502020204030204" pitchFamily="34" charset="0"/>
+                      </a:endParaRPr>
+                    </a:p>
+                  </a:txBody>
+                  <a:tcPr marL="11191" marR="11191" marT="11191" marB="0" anchor="b">
+                    <a:lnL w="12700" cap="flat" cmpd="sng" algn="ctr">
+                      <a:solidFill>
+                        <a:schemeClr val="tx1"/>
+                      </a:solidFill>
+                      <a:prstDash val="solid"/>
+                      <a:round/>
+                      <a:headEnd type="none" w="med" len="med"/>
+                      <a:tailEnd type="none" w="med" len="med"/>
+                    </a:lnL>
+                    <a:lnR w="12700" cap="flat" cmpd="sng" algn="ctr">
+                      <a:solidFill>
+                        <a:schemeClr val="tx1"/>
+                      </a:solidFill>
+                      <a:prstDash val="solid"/>
+                      <a:round/>
+                      <a:headEnd type="none" w="med" len="med"/>
+                      <a:tailEnd type="none" w="med" len="med"/>
+                    </a:lnR>
+                    <a:lnT w="12700" cap="flat" cmpd="sng" algn="ctr">
+                      <a:solidFill>
+                        <a:schemeClr val="tx1"/>
+                      </a:solidFill>
+                      <a:prstDash val="solid"/>
+                      <a:round/>
+                      <a:headEnd type="none" w="med" len="med"/>
+                      <a:tailEnd type="none" w="med" len="med"/>
+                    </a:lnT>
+                    <a:lnB w="12700" cap="flat" cmpd="sng" algn="ctr">
+                      <a:solidFill>
+                        <a:schemeClr val="tx1"/>
+                      </a:solidFill>
+                      <a:prstDash val="solid"/>
+                      <a:round/>
+                      <a:headEnd type="none" w="med" len="med"/>
+                      <a:tailEnd type="none" w="med" len="med"/>
+                    </a:lnB>
+                    <a:noFill/>
+                  </a:tcPr>
+                </a:tc>
+                <a:tc>
+                  <a:txBody>
+                    <a:bodyPr/>
+                    <a:lstStyle/>
+                    <a:p>
+                      <a:pPr algn="r" fontAlgn="b"/>
+                      <a:r>
+                        <a:rPr lang="en-SG" sz="1800" u="none" strike="noStrike">
+                          <a:effectLst/>
+                        </a:rPr>
+                        <a:t>22500</a:t>
+                      </a:r>
+                      <a:endParaRPr lang="en-SG" sz="1800" b="0" i="0" u="none" strike="noStrike">
+                        <a:solidFill>
+                          <a:srgbClr val="000000"/>
+                        </a:solidFill>
+                        <a:effectLst/>
+                        <a:latin typeface="Calibri" panose="020F0502020204030204" pitchFamily="34" charset="0"/>
+                      </a:endParaRPr>
+                    </a:p>
+                  </a:txBody>
+                  <a:tcPr marL="11191" marR="11191" marT="11191" marB="0" anchor="b">
+                    <a:lnL w="12700" cap="flat" cmpd="sng" algn="ctr">
+                      <a:solidFill>
+                        <a:schemeClr val="tx1"/>
+                      </a:solidFill>
+                      <a:prstDash val="solid"/>
+                      <a:round/>
+                      <a:headEnd type="none" w="med" len="med"/>
+                      <a:tailEnd type="none" w="med" len="med"/>
+                    </a:lnL>
+                    <a:lnR w="12700" cap="flat" cmpd="sng" algn="ctr">
+                      <a:solidFill>
+                        <a:schemeClr val="tx1"/>
+                      </a:solidFill>
+                      <a:prstDash val="solid"/>
+                      <a:round/>
+                      <a:headEnd type="none" w="med" len="med"/>
+                      <a:tailEnd type="none" w="med" len="med"/>
+                    </a:lnR>
+                    <a:lnT w="12700" cap="flat" cmpd="sng" algn="ctr">
+                      <a:solidFill>
+                        <a:schemeClr val="tx1"/>
+                      </a:solidFill>
+                      <a:prstDash val="solid"/>
+                      <a:round/>
+                      <a:headEnd type="none" w="med" len="med"/>
+                      <a:tailEnd type="none" w="med" len="med"/>
+                    </a:lnT>
+                    <a:lnB w="12700" cap="flat" cmpd="sng" algn="ctr">
+                      <a:solidFill>
+                        <a:schemeClr val="tx1"/>
+                      </a:solidFill>
+                      <a:prstDash val="solid"/>
+                      <a:round/>
+                      <a:headEnd type="none" w="med" len="med"/>
+                      <a:tailEnd type="none" w="med" len="med"/>
+                    </a:lnB>
+                    <a:noFill/>
+                  </a:tcPr>
+                </a:tc>
+                <a:extLst>
+                  <a:ext uri="{0D108BD9-81ED-4DB2-BD59-A6C34878D82A}">
+                    <a16:rowId xmlns:a16="http://schemas.microsoft.com/office/drawing/2014/main" val="2905166694"/>
+                  </a:ext>
+                </a:extLst>
+              </a:tr>
+              <a:tr h="290978">
+                <a:tc>
+                  <a:txBody>
+                    <a:bodyPr/>
+                    <a:lstStyle/>
+                    <a:p>
+                      <a:pPr algn="l" fontAlgn="b"/>
+                      <a:r>
+                        <a:rPr lang="en-SG" sz="1800" u="none" strike="noStrike">
+                          <a:effectLst/>
+                        </a:rPr>
+                        <a:t>Geospatial Data Analyst</a:t>
+                      </a:r>
+                      <a:endParaRPr lang="en-SG" sz="1800" b="0" i="0" u="none" strike="noStrike">
+                        <a:solidFill>
+                          <a:srgbClr val="000000"/>
+                        </a:solidFill>
+                        <a:effectLst/>
+                        <a:latin typeface="Calibri" panose="020F0502020204030204" pitchFamily="34" charset="0"/>
+                      </a:endParaRPr>
+                    </a:p>
+                  </a:txBody>
+                  <a:tcPr marL="11191" marR="11191" marT="11191" marB="0" anchor="b">
+                    <a:lnL w="12700" cap="flat" cmpd="sng" algn="ctr">
+                      <a:solidFill>
+                        <a:schemeClr val="tx1"/>
+                      </a:solidFill>
+                      <a:prstDash val="solid"/>
+                      <a:round/>
+                      <a:headEnd type="none" w="med" len="med"/>
+                      <a:tailEnd type="none" w="med" len="med"/>
+                    </a:lnL>
+                    <a:lnR w="12700" cap="flat" cmpd="sng" algn="ctr">
+                      <a:solidFill>
+                        <a:schemeClr val="tx1"/>
+                      </a:solidFill>
+                      <a:prstDash val="solid"/>
+                      <a:round/>
+                      <a:headEnd type="none" w="med" len="med"/>
+                      <a:tailEnd type="none" w="med" len="med"/>
+                    </a:lnR>
+                    <a:lnT w="12700" cap="flat" cmpd="sng" algn="ctr">
+                      <a:solidFill>
+                        <a:schemeClr val="tx1"/>
+                      </a:solidFill>
+                      <a:prstDash val="solid"/>
+                      <a:round/>
+                      <a:headEnd type="none" w="med" len="med"/>
+                      <a:tailEnd type="none" w="med" len="med"/>
+                    </a:lnT>
+                    <a:lnB w="12700" cap="flat" cmpd="sng" algn="ctr">
+                      <a:solidFill>
+                        <a:schemeClr val="tx1"/>
+                      </a:solidFill>
+                      <a:prstDash val="solid"/>
+                      <a:round/>
+                      <a:headEnd type="none" w="med" len="med"/>
+                      <a:tailEnd type="none" w="med" len="med"/>
+                    </a:lnB>
+                    <a:noFill/>
+                  </a:tcPr>
+                </a:tc>
+                <a:tc>
+                  <a:txBody>
+                    <a:bodyPr/>
+                    <a:lstStyle/>
+                    <a:p>
+                      <a:pPr algn="r" fontAlgn="b"/>
+                      <a:r>
+                        <a:rPr lang="en-SG" sz="1800" u="none" strike="noStrike">
+                          <a:effectLst/>
+                        </a:rPr>
+                        <a:t>2</a:t>
+                      </a:r>
+                      <a:endParaRPr lang="en-SG" sz="1800" b="0" i="0" u="none" strike="noStrike">
+                        <a:solidFill>
+                          <a:srgbClr val="000000"/>
+                        </a:solidFill>
+                        <a:effectLst/>
+                        <a:latin typeface="Calibri" panose="020F0502020204030204" pitchFamily="34" charset="0"/>
+                      </a:endParaRPr>
+                    </a:p>
+                  </a:txBody>
+                  <a:tcPr marL="11191" marR="11191" marT="11191" marB="0" anchor="b">
+                    <a:lnL w="12700" cap="flat" cmpd="sng" algn="ctr">
+                      <a:solidFill>
+                        <a:schemeClr val="tx1"/>
+                      </a:solidFill>
+                      <a:prstDash val="solid"/>
+                      <a:round/>
+                      <a:headEnd type="none" w="med" len="med"/>
+                      <a:tailEnd type="none" w="med" len="med"/>
+                    </a:lnL>
+                    <a:lnR w="12700" cap="flat" cmpd="sng" algn="ctr">
+                      <a:solidFill>
+                        <a:schemeClr val="tx1"/>
+                      </a:solidFill>
+                      <a:prstDash val="solid"/>
+                      <a:round/>
+                      <a:headEnd type="none" w="med" len="med"/>
+                      <a:tailEnd type="none" w="med" len="med"/>
+                    </a:lnR>
+                    <a:lnT w="12700" cap="flat" cmpd="sng" algn="ctr">
+                      <a:solidFill>
+                        <a:schemeClr val="tx1"/>
+                      </a:solidFill>
+                      <a:prstDash val="solid"/>
+                      <a:round/>
+                      <a:headEnd type="none" w="med" len="med"/>
+                      <a:tailEnd type="none" w="med" len="med"/>
+                    </a:lnT>
+                    <a:lnB w="12700" cap="flat" cmpd="sng" algn="ctr">
+                      <a:solidFill>
+                        <a:schemeClr val="tx1"/>
+                      </a:solidFill>
+                      <a:prstDash val="solid"/>
+                      <a:round/>
+                      <a:headEnd type="none" w="med" len="med"/>
+                      <a:tailEnd type="none" w="med" len="med"/>
+                    </a:lnB>
+                    <a:noFill/>
+                  </a:tcPr>
+                </a:tc>
+                <a:tc>
+                  <a:txBody>
+                    <a:bodyPr/>
+                    <a:lstStyle/>
+                    <a:p>
+                      <a:pPr algn="r" fontAlgn="b"/>
+                      <a:r>
+                        <a:rPr lang="en-SG" sz="1800" u="none" strike="noStrike">
+                          <a:effectLst/>
+                        </a:rPr>
+                        <a:t>225</a:t>
+                      </a:r>
+                      <a:endParaRPr lang="en-SG" sz="1800" b="0" i="0" u="none" strike="noStrike">
+                        <a:solidFill>
+                          <a:srgbClr val="000000"/>
+                        </a:solidFill>
+                        <a:effectLst/>
+                        <a:latin typeface="Calibri" panose="020F0502020204030204" pitchFamily="34" charset="0"/>
+                      </a:endParaRPr>
+                    </a:p>
+                  </a:txBody>
+                  <a:tcPr marL="11191" marR="11191" marT="11191" marB="0" anchor="b">
+                    <a:lnL w="12700" cap="flat" cmpd="sng" algn="ctr">
+                      <a:solidFill>
+                        <a:schemeClr val="tx1"/>
+                      </a:solidFill>
+                      <a:prstDash val="solid"/>
+                      <a:round/>
+                      <a:headEnd type="none" w="med" len="med"/>
+                      <a:tailEnd type="none" w="med" len="med"/>
+                    </a:lnL>
+                    <a:lnR w="12700" cap="flat" cmpd="sng" algn="ctr">
+                      <a:solidFill>
+                        <a:schemeClr val="tx1"/>
+                      </a:solidFill>
+                      <a:prstDash val="solid"/>
+                      <a:round/>
+                      <a:headEnd type="none" w="med" len="med"/>
+                      <a:tailEnd type="none" w="med" len="med"/>
+                    </a:lnR>
+                    <a:lnT w="12700" cap="flat" cmpd="sng" algn="ctr">
+                      <a:solidFill>
+                        <a:schemeClr val="tx1"/>
+                      </a:solidFill>
+                      <a:prstDash val="solid"/>
+                      <a:round/>
+                      <a:headEnd type="none" w="med" len="med"/>
+                      <a:tailEnd type="none" w="med" len="med"/>
+                    </a:lnT>
+                    <a:lnB w="12700" cap="flat" cmpd="sng" algn="ctr">
+                      <a:solidFill>
+                        <a:schemeClr val="tx1"/>
+                      </a:solidFill>
+                      <a:prstDash val="solid"/>
+                      <a:round/>
+                      <a:headEnd type="none" w="med" len="med"/>
+                      <a:tailEnd type="none" w="med" len="med"/>
+                    </a:lnB>
+                    <a:noFill/>
+                  </a:tcPr>
+                </a:tc>
+                <a:tc>
+                  <a:txBody>
+                    <a:bodyPr/>
+                    <a:lstStyle/>
+                    <a:p>
+                      <a:pPr algn="r" fontAlgn="b"/>
+                      <a:r>
+                        <a:rPr lang="en-SG" sz="1800" u="none" strike="noStrike">
+                          <a:effectLst/>
+                        </a:rPr>
+                        <a:t>90</a:t>
+                      </a:r>
+                      <a:endParaRPr lang="en-SG" sz="1800" b="0" i="0" u="none" strike="noStrike">
+                        <a:solidFill>
+                          <a:srgbClr val="000000"/>
+                        </a:solidFill>
+                        <a:effectLst/>
+                        <a:latin typeface="Calibri" panose="020F0502020204030204" pitchFamily="34" charset="0"/>
+                      </a:endParaRPr>
+                    </a:p>
+                  </a:txBody>
+                  <a:tcPr marL="11191" marR="11191" marT="11191" marB="0" anchor="b">
+                    <a:lnL w="12700" cap="flat" cmpd="sng" algn="ctr">
+                      <a:solidFill>
+                        <a:schemeClr val="tx1"/>
+                      </a:solidFill>
+                      <a:prstDash val="solid"/>
+                      <a:round/>
+                      <a:headEnd type="none" w="med" len="med"/>
+                      <a:tailEnd type="none" w="med" len="med"/>
+                    </a:lnL>
+                    <a:lnR w="12700" cap="flat" cmpd="sng" algn="ctr">
+                      <a:solidFill>
+                        <a:schemeClr val="tx1"/>
+                      </a:solidFill>
+                      <a:prstDash val="solid"/>
+                      <a:round/>
+                      <a:headEnd type="none" w="med" len="med"/>
+                      <a:tailEnd type="none" w="med" len="med"/>
+                    </a:lnR>
+                    <a:lnT w="12700" cap="flat" cmpd="sng" algn="ctr">
+                      <a:solidFill>
+                        <a:schemeClr val="tx1"/>
+                      </a:solidFill>
+                      <a:prstDash val="solid"/>
+                      <a:round/>
+                      <a:headEnd type="none" w="med" len="med"/>
+                      <a:tailEnd type="none" w="med" len="med"/>
+                    </a:lnT>
+                    <a:lnB w="12700" cap="flat" cmpd="sng" algn="ctr">
+                      <a:solidFill>
+                        <a:schemeClr val="tx1"/>
+                      </a:solidFill>
+                      <a:prstDash val="solid"/>
+                      <a:round/>
+                      <a:headEnd type="none" w="med" len="med"/>
+                      <a:tailEnd type="none" w="med" len="med"/>
+                    </a:lnB>
+                    <a:noFill/>
+                  </a:tcPr>
+                </a:tc>
+                <a:tc>
+                  <a:txBody>
+                    <a:bodyPr/>
+                    <a:lstStyle/>
+                    <a:p>
+                      <a:pPr algn="r" fontAlgn="b"/>
+                      <a:r>
+                        <a:rPr lang="en-SG" sz="1800" u="none" strike="noStrike">
+                          <a:effectLst/>
+                        </a:rPr>
+                        <a:t>40500</a:t>
+                      </a:r>
+                      <a:endParaRPr lang="en-SG" sz="1800" b="0" i="0" u="none" strike="noStrike">
+                        <a:solidFill>
+                          <a:srgbClr val="000000"/>
+                        </a:solidFill>
+                        <a:effectLst/>
+                        <a:latin typeface="Calibri" panose="020F0502020204030204" pitchFamily="34" charset="0"/>
+                      </a:endParaRPr>
+                    </a:p>
+                  </a:txBody>
+                  <a:tcPr marL="11191" marR="11191" marT="11191" marB="0" anchor="b">
+                    <a:lnL w="12700" cap="flat" cmpd="sng" algn="ctr">
+                      <a:solidFill>
+                        <a:schemeClr val="tx1"/>
+                      </a:solidFill>
+                      <a:prstDash val="solid"/>
+                      <a:round/>
+                      <a:headEnd type="none" w="med" len="med"/>
+                      <a:tailEnd type="none" w="med" len="med"/>
+                    </a:lnL>
+                    <a:lnR w="12700" cap="flat" cmpd="sng" algn="ctr">
+                      <a:solidFill>
+                        <a:schemeClr val="tx1"/>
+                      </a:solidFill>
+                      <a:prstDash val="solid"/>
+                      <a:round/>
+                      <a:headEnd type="none" w="med" len="med"/>
+                      <a:tailEnd type="none" w="med" len="med"/>
+                    </a:lnR>
+                    <a:lnT w="12700" cap="flat" cmpd="sng" algn="ctr">
+                      <a:solidFill>
+                        <a:schemeClr val="tx1"/>
+                      </a:solidFill>
+                      <a:prstDash val="solid"/>
+                      <a:round/>
+                      <a:headEnd type="none" w="med" len="med"/>
+                      <a:tailEnd type="none" w="med" len="med"/>
+                    </a:lnT>
+                    <a:lnB w="12700" cap="flat" cmpd="sng" algn="ctr">
+                      <a:solidFill>
+                        <a:schemeClr val="tx1"/>
+                      </a:solidFill>
+                      <a:prstDash val="solid"/>
+                      <a:round/>
+                      <a:headEnd type="none" w="med" len="med"/>
+                      <a:tailEnd type="none" w="med" len="med"/>
+                    </a:lnB>
+                    <a:noFill/>
+                  </a:tcPr>
+                </a:tc>
+                <a:extLst>
+                  <a:ext uri="{0D108BD9-81ED-4DB2-BD59-A6C34878D82A}">
+                    <a16:rowId xmlns:a16="http://schemas.microsoft.com/office/drawing/2014/main" val="3294696368"/>
+                  </a:ext>
+                </a:extLst>
+              </a:tr>
+              <a:tr h="290978">
+                <a:tc>
+                  <a:txBody>
+                    <a:bodyPr/>
+                    <a:lstStyle/>
+                    <a:p>
+                      <a:pPr algn="l" fontAlgn="b"/>
+                      <a:r>
+                        <a:rPr lang="en-SG" sz="1800" u="none" strike="noStrike">
+                          <a:effectLst/>
+                        </a:rPr>
+                        <a:t>Environmental Scientist</a:t>
+                      </a:r>
+                      <a:endParaRPr lang="en-SG" sz="1800" b="0" i="0" u="none" strike="noStrike">
+                        <a:solidFill>
+                          <a:srgbClr val="000000"/>
+                        </a:solidFill>
+                        <a:effectLst/>
+                        <a:latin typeface="Calibri" panose="020F0502020204030204" pitchFamily="34" charset="0"/>
+                      </a:endParaRPr>
+                    </a:p>
+                  </a:txBody>
+                  <a:tcPr marL="11191" marR="11191" marT="11191" marB="0" anchor="b">
+                    <a:lnL w="12700" cap="flat" cmpd="sng" algn="ctr">
+                      <a:solidFill>
+                        <a:schemeClr val="tx1"/>
+                      </a:solidFill>
+                      <a:prstDash val="solid"/>
+                      <a:round/>
+                      <a:headEnd type="none" w="med" len="med"/>
+                      <a:tailEnd type="none" w="med" len="med"/>
+                    </a:lnL>
+                    <a:lnR w="12700" cap="flat" cmpd="sng" algn="ctr">
+                      <a:solidFill>
+                        <a:schemeClr val="tx1"/>
+                      </a:solidFill>
+                      <a:prstDash val="solid"/>
+                      <a:round/>
+                      <a:headEnd type="none" w="med" len="med"/>
+                      <a:tailEnd type="none" w="med" len="med"/>
+                    </a:lnR>
+                    <a:lnT w="12700" cap="flat" cmpd="sng" algn="ctr">
+                      <a:solidFill>
+                        <a:schemeClr val="tx1"/>
+                      </a:solidFill>
+                      <a:prstDash val="solid"/>
+                      <a:round/>
+                      <a:headEnd type="none" w="med" len="med"/>
+                      <a:tailEnd type="none" w="med" len="med"/>
+                    </a:lnT>
+                    <a:lnB w="12700" cap="flat" cmpd="sng" algn="ctr">
+                      <a:solidFill>
+                        <a:schemeClr val="tx1"/>
+                      </a:solidFill>
+                      <a:prstDash val="solid"/>
+                      <a:round/>
+                      <a:headEnd type="none" w="med" len="med"/>
+                      <a:tailEnd type="none" w="med" len="med"/>
+                    </a:lnB>
+                    <a:noFill/>
+                  </a:tcPr>
+                </a:tc>
+                <a:tc>
+                  <a:txBody>
+                    <a:bodyPr/>
+                    <a:lstStyle/>
+                    <a:p>
+                      <a:pPr algn="r" fontAlgn="b"/>
+                      <a:r>
+                        <a:rPr lang="en-SG" sz="1800" u="none" strike="noStrike">
+                          <a:effectLst/>
+                        </a:rPr>
+                        <a:t>1</a:t>
+                      </a:r>
+                      <a:endParaRPr lang="en-SG" sz="1800" b="0" i="0" u="none" strike="noStrike">
+                        <a:solidFill>
+                          <a:srgbClr val="000000"/>
+                        </a:solidFill>
+                        <a:effectLst/>
+                        <a:latin typeface="Calibri" panose="020F0502020204030204" pitchFamily="34" charset="0"/>
+                      </a:endParaRPr>
+                    </a:p>
+                  </a:txBody>
+                  <a:tcPr marL="11191" marR="11191" marT="11191" marB="0" anchor="b">
+                    <a:lnL w="12700" cap="flat" cmpd="sng" algn="ctr">
+                      <a:solidFill>
+                        <a:schemeClr val="tx1"/>
+                      </a:solidFill>
+                      <a:prstDash val="solid"/>
+                      <a:round/>
+                      <a:headEnd type="none" w="med" len="med"/>
+                      <a:tailEnd type="none" w="med" len="med"/>
+                    </a:lnL>
+                    <a:lnR w="12700" cap="flat" cmpd="sng" algn="ctr">
+                      <a:solidFill>
+                        <a:schemeClr val="tx1"/>
+                      </a:solidFill>
+                      <a:prstDash val="solid"/>
+                      <a:round/>
+                      <a:headEnd type="none" w="med" len="med"/>
+                      <a:tailEnd type="none" w="med" len="med"/>
+                    </a:lnR>
+                    <a:lnT w="12700" cap="flat" cmpd="sng" algn="ctr">
+                      <a:solidFill>
+                        <a:schemeClr val="tx1"/>
+                      </a:solidFill>
+                      <a:prstDash val="solid"/>
+                      <a:round/>
+                      <a:headEnd type="none" w="med" len="med"/>
+                      <a:tailEnd type="none" w="med" len="med"/>
+                    </a:lnT>
+                    <a:lnB w="12700" cap="flat" cmpd="sng" algn="ctr">
+                      <a:solidFill>
+                        <a:schemeClr val="tx1"/>
+                      </a:solidFill>
+                      <a:prstDash val="solid"/>
+                      <a:round/>
+                      <a:headEnd type="none" w="med" len="med"/>
+                      <a:tailEnd type="none" w="med" len="med"/>
+                    </a:lnB>
+                    <a:noFill/>
+                  </a:tcPr>
+                </a:tc>
+                <a:tc>
+                  <a:txBody>
+                    <a:bodyPr/>
+                    <a:lstStyle/>
+                    <a:p>
+                      <a:pPr algn="r" fontAlgn="b"/>
+                      <a:r>
+                        <a:rPr lang="en-SG" sz="1800" u="none" strike="noStrike" dirty="0">
+                          <a:effectLst/>
+                        </a:rPr>
+                        <a:t>200</a:t>
+                      </a:r>
+                      <a:endParaRPr lang="en-SG" sz="1800" b="0" i="0" u="none" strike="noStrike" dirty="0">
+                        <a:solidFill>
+                          <a:srgbClr val="000000"/>
+                        </a:solidFill>
+                        <a:effectLst/>
+                        <a:latin typeface="Calibri" panose="020F0502020204030204" pitchFamily="34" charset="0"/>
+                      </a:endParaRPr>
+                    </a:p>
+                  </a:txBody>
+                  <a:tcPr marL="11191" marR="11191" marT="11191" marB="0" anchor="b">
+                    <a:lnL w="12700" cap="flat" cmpd="sng" algn="ctr">
+                      <a:solidFill>
+                        <a:schemeClr val="tx1"/>
+                      </a:solidFill>
+                      <a:prstDash val="solid"/>
+                      <a:round/>
+                      <a:headEnd type="none" w="med" len="med"/>
+                      <a:tailEnd type="none" w="med" len="med"/>
+                    </a:lnL>
+                    <a:lnR w="12700" cap="flat" cmpd="sng" algn="ctr">
+                      <a:solidFill>
+                        <a:schemeClr val="tx1"/>
+                      </a:solidFill>
+                      <a:prstDash val="solid"/>
+                      <a:round/>
+                      <a:headEnd type="none" w="med" len="med"/>
+                      <a:tailEnd type="none" w="med" len="med"/>
+                    </a:lnR>
+                    <a:lnT w="12700" cap="flat" cmpd="sng" algn="ctr">
+                      <a:solidFill>
+                        <a:schemeClr val="tx1"/>
+                      </a:solidFill>
+                      <a:prstDash val="solid"/>
+                      <a:round/>
+                      <a:headEnd type="none" w="med" len="med"/>
+                      <a:tailEnd type="none" w="med" len="med"/>
+                    </a:lnT>
+                    <a:lnB w="12700" cap="flat" cmpd="sng" algn="ctr">
+                      <a:solidFill>
+                        <a:schemeClr val="tx1"/>
+                      </a:solidFill>
+                      <a:prstDash val="solid"/>
+                      <a:round/>
+                      <a:headEnd type="none" w="med" len="med"/>
+                      <a:tailEnd type="none" w="med" len="med"/>
+                    </a:lnB>
+                    <a:noFill/>
+                  </a:tcPr>
+                </a:tc>
+                <a:tc>
+                  <a:txBody>
+                    <a:bodyPr/>
+                    <a:lstStyle/>
+                    <a:p>
+                      <a:pPr algn="r" fontAlgn="b"/>
+                      <a:r>
+                        <a:rPr lang="en-SG" sz="1800" u="none" strike="noStrike">
+                          <a:effectLst/>
+                        </a:rPr>
+                        <a:t>20</a:t>
+                      </a:r>
+                      <a:endParaRPr lang="en-SG" sz="1800" b="0" i="0" u="none" strike="noStrike">
+                        <a:solidFill>
+                          <a:srgbClr val="000000"/>
+                        </a:solidFill>
+                        <a:effectLst/>
+                        <a:latin typeface="Calibri" panose="020F0502020204030204" pitchFamily="34" charset="0"/>
+                      </a:endParaRPr>
+                    </a:p>
+                  </a:txBody>
+                  <a:tcPr marL="11191" marR="11191" marT="11191" marB="0" anchor="b">
+                    <a:lnL w="12700" cap="flat" cmpd="sng" algn="ctr">
+                      <a:solidFill>
+                        <a:schemeClr val="tx1"/>
+                      </a:solidFill>
+                      <a:prstDash val="solid"/>
+                      <a:round/>
+                      <a:headEnd type="none" w="med" len="med"/>
+                      <a:tailEnd type="none" w="med" len="med"/>
+                    </a:lnL>
+                    <a:lnR w="12700" cap="flat" cmpd="sng" algn="ctr">
+                      <a:solidFill>
+                        <a:schemeClr val="tx1"/>
+                      </a:solidFill>
+                      <a:prstDash val="solid"/>
+                      <a:round/>
+                      <a:headEnd type="none" w="med" len="med"/>
+                      <a:tailEnd type="none" w="med" len="med"/>
+                    </a:lnR>
+                    <a:lnT w="12700" cap="flat" cmpd="sng" algn="ctr">
+                      <a:solidFill>
+                        <a:schemeClr val="tx1"/>
+                      </a:solidFill>
+                      <a:prstDash val="solid"/>
+                      <a:round/>
+                      <a:headEnd type="none" w="med" len="med"/>
+                      <a:tailEnd type="none" w="med" len="med"/>
+                    </a:lnT>
+                    <a:lnB w="12700" cap="flat" cmpd="sng" algn="ctr">
+                      <a:solidFill>
+                        <a:schemeClr val="tx1"/>
+                      </a:solidFill>
+                      <a:prstDash val="solid"/>
+                      <a:round/>
+                      <a:headEnd type="none" w="med" len="med"/>
+                      <a:tailEnd type="none" w="med" len="med"/>
+                    </a:lnB>
+                    <a:noFill/>
+                  </a:tcPr>
+                </a:tc>
+                <a:tc>
+                  <a:txBody>
+                    <a:bodyPr/>
+                    <a:lstStyle/>
+                    <a:p>
+                      <a:pPr algn="r" fontAlgn="b"/>
+                      <a:r>
+                        <a:rPr lang="en-SG" sz="1800" u="none" strike="noStrike">
+                          <a:effectLst/>
+                        </a:rPr>
+                        <a:t>4000</a:t>
+                      </a:r>
+                      <a:endParaRPr lang="en-SG" sz="1800" b="0" i="0" u="none" strike="noStrike">
+                        <a:solidFill>
+                          <a:srgbClr val="000000"/>
+                        </a:solidFill>
+                        <a:effectLst/>
+                        <a:latin typeface="Calibri" panose="020F0502020204030204" pitchFamily="34" charset="0"/>
+                      </a:endParaRPr>
+                    </a:p>
+                  </a:txBody>
+                  <a:tcPr marL="11191" marR="11191" marT="11191" marB="0" anchor="b">
+                    <a:lnL w="12700" cap="flat" cmpd="sng" algn="ctr">
+                      <a:solidFill>
+                        <a:schemeClr val="tx1"/>
+                      </a:solidFill>
+                      <a:prstDash val="solid"/>
+                      <a:round/>
+                      <a:headEnd type="none" w="med" len="med"/>
+                      <a:tailEnd type="none" w="med" len="med"/>
+                    </a:lnL>
+                    <a:lnR w="12700" cap="flat" cmpd="sng" algn="ctr">
+                      <a:solidFill>
+                        <a:schemeClr val="tx1"/>
+                      </a:solidFill>
+                      <a:prstDash val="solid"/>
+                      <a:round/>
+                      <a:headEnd type="none" w="med" len="med"/>
+                      <a:tailEnd type="none" w="med" len="med"/>
+                    </a:lnR>
+                    <a:lnT w="12700" cap="flat" cmpd="sng" algn="ctr">
+                      <a:solidFill>
+                        <a:schemeClr val="tx1"/>
+                      </a:solidFill>
+                      <a:prstDash val="solid"/>
+                      <a:round/>
+                      <a:headEnd type="none" w="med" len="med"/>
+                      <a:tailEnd type="none" w="med" len="med"/>
+                    </a:lnT>
+                    <a:lnB w="12700" cap="flat" cmpd="sng" algn="ctr">
+                      <a:solidFill>
+                        <a:schemeClr val="tx1"/>
+                      </a:solidFill>
+                      <a:prstDash val="solid"/>
+                      <a:round/>
+                      <a:headEnd type="none" w="med" len="med"/>
+                      <a:tailEnd type="none" w="med" len="med"/>
+                    </a:lnB>
+                    <a:noFill/>
+                  </a:tcPr>
+                </a:tc>
+                <a:extLst>
+                  <a:ext uri="{0D108BD9-81ED-4DB2-BD59-A6C34878D82A}">
+                    <a16:rowId xmlns:a16="http://schemas.microsoft.com/office/drawing/2014/main" val="3546926031"/>
+                  </a:ext>
+                </a:extLst>
+              </a:tr>
+              <a:tr h="290978">
+                <a:tc>
+                  <a:txBody>
+                    <a:bodyPr/>
+                    <a:lstStyle/>
+                    <a:p>
+                      <a:pPr algn="l" fontAlgn="b"/>
+                      <a:r>
+                        <a:rPr lang="en-SG" sz="1800" u="none" strike="noStrike">
+                          <a:effectLst/>
+                        </a:rPr>
+                        <a:t>Software Developer</a:t>
+                      </a:r>
+                      <a:endParaRPr lang="en-SG" sz="1800" b="0" i="0" u="none" strike="noStrike">
+                        <a:solidFill>
+                          <a:srgbClr val="000000"/>
+                        </a:solidFill>
+                        <a:effectLst/>
+                        <a:latin typeface="Calibri" panose="020F0502020204030204" pitchFamily="34" charset="0"/>
+                      </a:endParaRPr>
+                    </a:p>
+                  </a:txBody>
+                  <a:tcPr marL="11191" marR="11191" marT="11191" marB="0" anchor="b">
+                    <a:lnL w="12700" cap="flat" cmpd="sng" algn="ctr">
+                      <a:solidFill>
+                        <a:schemeClr val="tx1"/>
+                      </a:solidFill>
+                      <a:prstDash val="solid"/>
+                      <a:round/>
+                      <a:headEnd type="none" w="med" len="med"/>
+                      <a:tailEnd type="none" w="med" len="med"/>
+                    </a:lnL>
+                    <a:lnR w="12700" cap="flat" cmpd="sng" algn="ctr">
+                      <a:solidFill>
+                        <a:schemeClr val="tx1"/>
+                      </a:solidFill>
+                      <a:prstDash val="solid"/>
+                      <a:round/>
+                      <a:headEnd type="none" w="med" len="med"/>
+                      <a:tailEnd type="none" w="med" len="med"/>
+                    </a:lnR>
+                    <a:lnT w="12700" cap="flat" cmpd="sng" algn="ctr">
+                      <a:solidFill>
+                        <a:schemeClr val="tx1"/>
+                      </a:solidFill>
+                      <a:prstDash val="solid"/>
+                      <a:round/>
+                      <a:headEnd type="none" w="med" len="med"/>
+                      <a:tailEnd type="none" w="med" len="med"/>
+                    </a:lnT>
+                    <a:lnB w="12700" cap="flat" cmpd="sng" algn="ctr">
+                      <a:solidFill>
+                        <a:schemeClr val="tx1"/>
+                      </a:solidFill>
+                      <a:prstDash val="solid"/>
+                      <a:round/>
+                      <a:headEnd type="none" w="med" len="med"/>
+                      <a:tailEnd type="none" w="med" len="med"/>
+                    </a:lnB>
+                    <a:noFill/>
+                  </a:tcPr>
+                </a:tc>
+                <a:tc>
+                  <a:txBody>
+                    <a:bodyPr/>
+                    <a:lstStyle/>
+                    <a:p>
+                      <a:pPr algn="r" fontAlgn="b"/>
+                      <a:r>
+                        <a:rPr lang="en-SG" sz="1800" u="none" strike="noStrike">
+                          <a:effectLst/>
+                        </a:rPr>
+                        <a:t>2</a:t>
+                      </a:r>
+                      <a:endParaRPr lang="en-SG" sz="1800" b="0" i="0" u="none" strike="noStrike">
+                        <a:solidFill>
+                          <a:srgbClr val="000000"/>
+                        </a:solidFill>
+                        <a:effectLst/>
+                        <a:latin typeface="Calibri" panose="020F0502020204030204" pitchFamily="34" charset="0"/>
+                      </a:endParaRPr>
+                    </a:p>
+                  </a:txBody>
+                  <a:tcPr marL="11191" marR="11191" marT="11191" marB="0" anchor="b">
+                    <a:lnL w="12700" cap="flat" cmpd="sng" algn="ctr">
+                      <a:solidFill>
+                        <a:schemeClr val="tx1"/>
+                      </a:solidFill>
+                      <a:prstDash val="solid"/>
+                      <a:round/>
+                      <a:headEnd type="none" w="med" len="med"/>
+                      <a:tailEnd type="none" w="med" len="med"/>
+                    </a:lnL>
+                    <a:lnR w="12700" cap="flat" cmpd="sng" algn="ctr">
+                      <a:solidFill>
+                        <a:schemeClr val="tx1"/>
+                      </a:solidFill>
+                      <a:prstDash val="solid"/>
+                      <a:round/>
+                      <a:headEnd type="none" w="med" len="med"/>
+                      <a:tailEnd type="none" w="med" len="med"/>
+                    </a:lnR>
+                    <a:lnT w="12700" cap="flat" cmpd="sng" algn="ctr">
+                      <a:solidFill>
+                        <a:schemeClr val="tx1"/>
+                      </a:solidFill>
+                      <a:prstDash val="solid"/>
+                      <a:round/>
+                      <a:headEnd type="none" w="med" len="med"/>
+                      <a:tailEnd type="none" w="med" len="med"/>
+                    </a:lnT>
+                    <a:lnB w="12700" cap="flat" cmpd="sng" algn="ctr">
+                      <a:solidFill>
+                        <a:schemeClr val="tx1"/>
+                      </a:solidFill>
+                      <a:prstDash val="solid"/>
+                      <a:round/>
+                      <a:headEnd type="none" w="med" len="med"/>
+                      <a:tailEnd type="none" w="med" len="med"/>
+                    </a:lnB>
+                    <a:noFill/>
+                  </a:tcPr>
+                </a:tc>
+                <a:tc>
+                  <a:txBody>
+                    <a:bodyPr/>
+                    <a:lstStyle/>
+                    <a:p>
+                      <a:pPr algn="r" fontAlgn="b"/>
+                      <a:r>
+                        <a:rPr lang="en-SG" sz="1800" u="none" strike="noStrike" dirty="0">
+                          <a:effectLst/>
+                        </a:rPr>
+                        <a:t>250</a:t>
+                      </a:r>
+                      <a:endParaRPr lang="en-SG" sz="1800" b="0" i="0" u="none" strike="noStrike" dirty="0">
+                        <a:solidFill>
+                          <a:srgbClr val="000000"/>
+                        </a:solidFill>
+                        <a:effectLst/>
+                        <a:latin typeface="Calibri" panose="020F0502020204030204" pitchFamily="34" charset="0"/>
+                      </a:endParaRPr>
+                    </a:p>
+                  </a:txBody>
+                  <a:tcPr marL="11191" marR="11191" marT="11191" marB="0" anchor="b">
+                    <a:lnL w="12700" cap="flat" cmpd="sng" algn="ctr">
+                      <a:solidFill>
+                        <a:schemeClr val="tx1"/>
+                      </a:solidFill>
+                      <a:prstDash val="solid"/>
+                      <a:round/>
+                      <a:headEnd type="none" w="med" len="med"/>
+                      <a:tailEnd type="none" w="med" len="med"/>
+                    </a:lnL>
+                    <a:lnR w="12700" cap="flat" cmpd="sng" algn="ctr">
+                      <a:solidFill>
+                        <a:schemeClr val="tx1"/>
+                      </a:solidFill>
+                      <a:prstDash val="solid"/>
+                      <a:round/>
+                      <a:headEnd type="none" w="med" len="med"/>
+                      <a:tailEnd type="none" w="med" len="med"/>
+                    </a:lnR>
+                    <a:lnT w="12700" cap="flat" cmpd="sng" algn="ctr">
+                      <a:solidFill>
+                        <a:schemeClr val="tx1"/>
+                      </a:solidFill>
+                      <a:prstDash val="solid"/>
+                      <a:round/>
+                      <a:headEnd type="none" w="med" len="med"/>
+                      <a:tailEnd type="none" w="med" len="med"/>
+                    </a:lnT>
+                    <a:lnB w="12700" cap="flat" cmpd="sng" algn="ctr">
+                      <a:solidFill>
+                        <a:schemeClr val="tx1"/>
+                      </a:solidFill>
+                      <a:prstDash val="solid"/>
+                      <a:round/>
+                      <a:headEnd type="none" w="med" len="med"/>
+                      <a:tailEnd type="none" w="med" len="med"/>
+                    </a:lnB>
+                    <a:noFill/>
+                  </a:tcPr>
+                </a:tc>
+                <a:tc>
+                  <a:txBody>
+                    <a:bodyPr/>
+                    <a:lstStyle/>
+                    <a:p>
+                      <a:pPr algn="r" fontAlgn="b"/>
+                      <a:r>
+                        <a:rPr lang="en-SG" sz="1800" u="none" strike="noStrike">
+                          <a:effectLst/>
+                        </a:rPr>
+                        <a:t>90</a:t>
+                      </a:r>
+                      <a:endParaRPr lang="en-SG" sz="1800" b="0" i="0" u="none" strike="noStrike">
+                        <a:solidFill>
+                          <a:srgbClr val="000000"/>
+                        </a:solidFill>
+                        <a:effectLst/>
+                        <a:latin typeface="Calibri" panose="020F0502020204030204" pitchFamily="34" charset="0"/>
+                      </a:endParaRPr>
+                    </a:p>
+                  </a:txBody>
+                  <a:tcPr marL="11191" marR="11191" marT="11191" marB="0" anchor="b">
+                    <a:lnL w="12700" cap="flat" cmpd="sng" algn="ctr">
+                      <a:solidFill>
+                        <a:schemeClr val="tx1"/>
+                      </a:solidFill>
+                      <a:prstDash val="solid"/>
+                      <a:round/>
+                      <a:headEnd type="none" w="med" len="med"/>
+                      <a:tailEnd type="none" w="med" len="med"/>
+                    </a:lnL>
+                    <a:lnR w="12700" cap="flat" cmpd="sng" algn="ctr">
+                      <a:solidFill>
+                        <a:schemeClr val="tx1"/>
+                      </a:solidFill>
+                      <a:prstDash val="solid"/>
+                      <a:round/>
+                      <a:headEnd type="none" w="med" len="med"/>
+                      <a:tailEnd type="none" w="med" len="med"/>
+                    </a:lnR>
+                    <a:lnT w="12700" cap="flat" cmpd="sng" algn="ctr">
+                      <a:solidFill>
+                        <a:schemeClr val="tx1"/>
+                      </a:solidFill>
+                      <a:prstDash val="solid"/>
+                      <a:round/>
+                      <a:headEnd type="none" w="med" len="med"/>
+                      <a:tailEnd type="none" w="med" len="med"/>
+                    </a:lnT>
+                    <a:lnB w="12700" cap="flat" cmpd="sng" algn="ctr">
+                      <a:solidFill>
+                        <a:schemeClr val="tx1"/>
+                      </a:solidFill>
+                      <a:prstDash val="solid"/>
+                      <a:round/>
+                      <a:headEnd type="none" w="med" len="med"/>
+                      <a:tailEnd type="none" w="med" len="med"/>
+                    </a:lnB>
+                    <a:noFill/>
+                  </a:tcPr>
+                </a:tc>
+                <a:tc>
+                  <a:txBody>
+                    <a:bodyPr/>
+                    <a:lstStyle/>
+                    <a:p>
+                      <a:pPr algn="r" fontAlgn="b"/>
+                      <a:r>
+                        <a:rPr lang="en-SG" sz="1800" u="none" strike="noStrike">
+                          <a:effectLst/>
+                        </a:rPr>
+                        <a:t>45000</a:t>
+                      </a:r>
+                      <a:endParaRPr lang="en-SG" sz="1800" b="0" i="0" u="none" strike="noStrike">
+                        <a:solidFill>
+                          <a:srgbClr val="000000"/>
+                        </a:solidFill>
+                        <a:effectLst/>
+                        <a:latin typeface="Calibri" panose="020F0502020204030204" pitchFamily="34" charset="0"/>
+                      </a:endParaRPr>
+                    </a:p>
+                  </a:txBody>
+                  <a:tcPr marL="11191" marR="11191" marT="11191" marB="0" anchor="b">
+                    <a:lnL w="12700" cap="flat" cmpd="sng" algn="ctr">
+                      <a:solidFill>
+                        <a:schemeClr val="tx1"/>
+                      </a:solidFill>
+                      <a:prstDash val="solid"/>
+                      <a:round/>
+                      <a:headEnd type="none" w="med" len="med"/>
+                      <a:tailEnd type="none" w="med" len="med"/>
+                    </a:lnL>
+                    <a:lnR w="12700" cap="flat" cmpd="sng" algn="ctr">
+                      <a:solidFill>
+                        <a:schemeClr val="tx1"/>
+                      </a:solidFill>
+                      <a:prstDash val="solid"/>
+                      <a:round/>
+                      <a:headEnd type="none" w="med" len="med"/>
+                      <a:tailEnd type="none" w="med" len="med"/>
+                    </a:lnR>
+                    <a:lnT w="12700" cap="flat" cmpd="sng" algn="ctr">
+                      <a:solidFill>
+                        <a:schemeClr val="tx1"/>
+                      </a:solidFill>
+                      <a:prstDash val="solid"/>
+                      <a:round/>
+                      <a:headEnd type="none" w="med" len="med"/>
+                      <a:tailEnd type="none" w="med" len="med"/>
+                    </a:lnT>
+                    <a:lnB w="12700" cap="flat" cmpd="sng" algn="ctr">
+                      <a:solidFill>
+                        <a:schemeClr val="tx1"/>
+                      </a:solidFill>
+                      <a:prstDash val="solid"/>
+                      <a:round/>
+                      <a:headEnd type="none" w="med" len="med"/>
+                      <a:tailEnd type="none" w="med" len="med"/>
+                    </a:lnB>
+                    <a:noFill/>
+                  </a:tcPr>
+                </a:tc>
+                <a:extLst>
+                  <a:ext uri="{0D108BD9-81ED-4DB2-BD59-A6C34878D82A}">
+                    <a16:rowId xmlns:a16="http://schemas.microsoft.com/office/drawing/2014/main" val="2378145640"/>
+                  </a:ext>
+                </a:extLst>
+              </a:tr>
+              <a:tr h="290978">
+                <a:tc>
+                  <a:txBody>
+                    <a:bodyPr/>
+                    <a:lstStyle/>
+                    <a:p>
+                      <a:pPr algn="l" fontAlgn="b"/>
+                      <a:r>
+                        <a:rPr lang="en-SG" sz="1800" u="none" strike="noStrike">
+                          <a:effectLst/>
+                        </a:rPr>
+                        <a:t>UI/UX Designer</a:t>
+                      </a:r>
+                      <a:endParaRPr lang="en-SG" sz="1800" b="0" i="0" u="none" strike="noStrike">
+                        <a:solidFill>
+                          <a:srgbClr val="000000"/>
+                        </a:solidFill>
+                        <a:effectLst/>
+                        <a:latin typeface="Calibri" panose="020F0502020204030204" pitchFamily="34" charset="0"/>
+                      </a:endParaRPr>
+                    </a:p>
+                  </a:txBody>
+                  <a:tcPr marL="11191" marR="11191" marT="11191" marB="0" anchor="b">
+                    <a:lnL w="12700" cap="flat" cmpd="sng" algn="ctr">
+                      <a:solidFill>
+                        <a:schemeClr val="tx1"/>
+                      </a:solidFill>
+                      <a:prstDash val="solid"/>
+                      <a:round/>
+                      <a:headEnd type="none" w="med" len="med"/>
+                      <a:tailEnd type="none" w="med" len="med"/>
+                    </a:lnL>
+                    <a:lnR w="12700" cap="flat" cmpd="sng" algn="ctr">
+                      <a:solidFill>
+                        <a:schemeClr val="tx1"/>
+                      </a:solidFill>
+                      <a:prstDash val="solid"/>
+                      <a:round/>
+                      <a:headEnd type="none" w="med" len="med"/>
+                      <a:tailEnd type="none" w="med" len="med"/>
+                    </a:lnR>
+                    <a:lnT w="12700" cap="flat" cmpd="sng" algn="ctr">
+                      <a:solidFill>
+                        <a:schemeClr val="tx1"/>
+                      </a:solidFill>
+                      <a:prstDash val="solid"/>
+                      <a:round/>
+                      <a:headEnd type="none" w="med" len="med"/>
+                      <a:tailEnd type="none" w="med" len="med"/>
+                    </a:lnT>
+                    <a:lnB w="12700" cap="flat" cmpd="sng" algn="ctr">
+                      <a:solidFill>
+                        <a:schemeClr val="tx1"/>
+                      </a:solidFill>
+                      <a:prstDash val="solid"/>
+                      <a:round/>
+                      <a:headEnd type="none" w="med" len="med"/>
+                      <a:tailEnd type="none" w="med" len="med"/>
+                    </a:lnB>
+                    <a:noFill/>
+                  </a:tcPr>
+                </a:tc>
+                <a:tc>
+                  <a:txBody>
+                    <a:bodyPr/>
+                    <a:lstStyle/>
+                    <a:p>
+                      <a:pPr algn="r" fontAlgn="b"/>
+                      <a:r>
+                        <a:rPr lang="en-SG" sz="1800" u="none" strike="noStrike">
+                          <a:effectLst/>
+                        </a:rPr>
+                        <a:t>1</a:t>
+                      </a:r>
+                      <a:endParaRPr lang="en-SG" sz="1800" b="0" i="0" u="none" strike="noStrike">
+                        <a:solidFill>
+                          <a:srgbClr val="000000"/>
+                        </a:solidFill>
+                        <a:effectLst/>
+                        <a:latin typeface="Calibri" panose="020F0502020204030204" pitchFamily="34" charset="0"/>
+                      </a:endParaRPr>
+                    </a:p>
+                  </a:txBody>
+                  <a:tcPr marL="11191" marR="11191" marT="11191" marB="0" anchor="b">
+                    <a:lnL w="12700" cap="flat" cmpd="sng" algn="ctr">
+                      <a:solidFill>
+                        <a:schemeClr val="tx1"/>
+                      </a:solidFill>
+                      <a:prstDash val="solid"/>
+                      <a:round/>
+                      <a:headEnd type="none" w="med" len="med"/>
+                      <a:tailEnd type="none" w="med" len="med"/>
+                    </a:lnL>
+                    <a:lnR w="12700" cap="flat" cmpd="sng" algn="ctr">
+                      <a:solidFill>
+                        <a:schemeClr val="tx1"/>
+                      </a:solidFill>
+                      <a:prstDash val="solid"/>
+                      <a:round/>
+                      <a:headEnd type="none" w="med" len="med"/>
+                      <a:tailEnd type="none" w="med" len="med"/>
+                    </a:lnR>
+                    <a:lnT w="12700" cap="flat" cmpd="sng" algn="ctr">
+                      <a:solidFill>
+                        <a:schemeClr val="tx1"/>
+                      </a:solidFill>
+                      <a:prstDash val="solid"/>
+                      <a:round/>
+                      <a:headEnd type="none" w="med" len="med"/>
+                      <a:tailEnd type="none" w="med" len="med"/>
+                    </a:lnT>
+                    <a:lnB w="12700" cap="flat" cmpd="sng" algn="ctr">
+                      <a:solidFill>
+                        <a:schemeClr val="tx1"/>
+                      </a:solidFill>
+                      <a:prstDash val="solid"/>
+                      <a:round/>
+                      <a:headEnd type="none" w="med" len="med"/>
+                      <a:tailEnd type="none" w="med" len="med"/>
+                    </a:lnB>
+                    <a:noFill/>
+                  </a:tcPr>
+                </a:tc>
+                <a:tc>
+                  <a:txBody>
+                    <a:bodyPr/>
+                    <a:lstStyle/>
+                    <a:p>
+                      <a:pPr algn="r" fontAlgn="b"/>
+                      <a:r>
+                        <a:rPr lang="en-SG" sz="1800" u="none" strike="noStrike">
+                          <a:effectLst/>
+                        </a:rPr>
+                        <a:t>200</a:t>
+                      </a:r>
+                      <a:endParaRPr lang="en-SG" sz="1800" b="0" i="0" u="none" strike="noStrike">
+                        <a:solidFill>
+                          <a:srgbClr val="000000"/>
+                        </a:solidFill>
+                        <a:effectLst/>
+                        <a:latin typeface="Calibri" panose="020F0502020204030204" pitchFamily="34" charset="0"/>
+                      </a:endParaRPr>
+                    </a:p>
+                  </a:txBody>
+                  <a:tcPr marL="11191" marR="11191" marT="11191" marB="0" anchor="b">
+                    <a:lnL w="12700" cap="flat" cmpd="sng" algn="ctr">
+                      <a:solidFill>
+                        <a:schemeClr val="tx1"/>
+                      </a:solidFill>
+                      <a:prstDash val="solid"/>
+                      <a:round/>
+                      <a:headEnd type="none" w="med" len="med"/>
+                      <a:tailEnd type="none" w="med" len="med"/>
+                    </a:lnL>
+                    <a:lnR w="12700" cap="flat" cmpd="sng" algn="ctr">
+                      <a:solidFill>
+                        <a:schemeClr val="tx1"/>
+                      </a:solidFill>
+                      <a:prstDash val="solid"/>
+                      <a:round/>
+                      <a:headEnd type="none" w="med" len="med"/>
+                      <a:tailEnd type="none" w="med" len="med"/>
+                    </a:lnR>
+                    <a:lnT w="12700" cap="flat" cmpd="sng" algn="ctr">
+                      <a:solidFill>
+                        <a:schemeClr val="tx1"/>
+                      </a:solidFill>
+                      <a:prstDash val="solid"/>
+                      <a:round/>
+                      <a:headEnd type="none" w="med" len="med"/>
+                      <a:tailEnd type="none" w="med" len="med"/>
+                    </a:lnT>
+                    <a:lnB w="12700" cap="flat" cmpd="sng" algn="ctr">
+                      <a:solidFill>
+                        <a:schemeClr val="tx1"/>
+                      </a:solidFill>
+                      <a:prstDash val="solid"/>
+                      <a:round/>
+                      <a:headEnd type="none" w="med" len="med"/>
+                      <a:tailEnd type="none" w="med" len="med"/>
+                    </a:lnB>
+                    <a:noFill/>
+                  </a:tcPr>
+                </a:tc>
+                <a:tc>
+                  <a:txBody>
+                    <a:bodyPr/>
+                    <a:lstStyle/>
+                    <a:p>
+                      <a:pPr algn="r" fontAlgn="b"/>
+                      <a:r>
+                        <a:rPr lang="en-SG" sz="1800" u="none" strike="noStrike">
+                          <a:effectLst/>
+                        </a:rPr>
+                        <a:t>60</a:t>
+                      </a:r>
+                      <a:endParaRPr lang="en-SG" sz="1800" b="0" i="0" u="none" strike="noStrike">
+                        <a:solidFill>
+                          <a:srgbClr val="000000"/>
+                        </a:solidFill>
+                        <a:effectLst/>
+                        <a:latin typeface="Calibri" panose="020F0502020204030204" pitchFamily="34" charset="0"/>
+                      </a:endParaRPr>
+                    </a:p>
+                  </a:txBody>
+                  <a:tcPr marL="11191" marR="11191" marT="11191" marB="0" anchor="b">
+                    <a:lnL w="12700" cap="flat" cmpd="sng" algn="ctr">
+                      <a:solidFill>
+                        <a:schemeClr val="tx1"/>
+                      </a:solidFill>
+                      <a:prstDash val="solid"/>
+                      <a:round/>
+                      <a:headEnd type="none" w="med" len="med"/>
+                      <a:tailEnd type="none" w="med" len="med"/>
+                    </a:lnL>
+                    <a:lnR w="12700" cap="flat" cmpd="sng" algn="ctr">
+                      <a:solidFill>
+                        <a:schemeClr val="tx1"/>
+                      </a:solidFill>
+                      <a:prstDash val="solid"/>
+                      <a:round/>
+                      <a:headEnd type="none" w="med" len="med"/>
+                      <a:tailEnd type="none" w="med" len="med"/>
+                    </a:lnR>
+                    <a:lnT w="12700" cap="flat" cmpd="sng" algn="ctr">
+                      <a:solidFill>
+                        <a:schemeClr val="tx1"/>
+                      </a:solidFill>
+                      <a:prstDash val="solid"/>
+                      <a:round/>
+                      <a:headEnd type="none" w="med" len="med"/>
+                      <a:tailEnd type="none" w="med" len="med"/>
+                    </a:lnT>
+                    <a:lnB w="12700" cap="flat" cmpd="sng" algn="ctr">
+                      <a:solidFill>
+                        <a:schemeClr val="tx1"/>
+                      </a:solidFill>
+                      <a:prstDash val="solid"/>
+                      <a:round/>
+                      <a:headEnd type="none" w="med" len="med"/>
+                      <a:tailEnd type="none" w="med" len="med"/>
+                    </a:lnB>
+                    <a:noFill/>
+                  </a:tcPr>
+                </a:tc>
+                <a:tc>
+                  <a:txBody>
+                    <a:bodyPr/>
+                    <a:lstStyle/>
+                    <a:p>
+                      <a:pPr algn="r" fontAlgn="b"/>
+                      <a:r>
+                        <a:rPr lang="en-SG" sz="1800" u="none" strike="noStrike">
+                          <a:effectLst/>
+                        </a:rPr>
+                        <a:t>12000</a:t>
+                      </a:r>
+                      <a:endParaRPr lang="en-SG" sz="1800" b="0" i="0" u="none" strike="noStrike">
+                        <a:solidFill>
+                          <a:srgbClr val="000000"/>
+                        </a:solidFill>
+                        <a:effectLst/>
+                        <a:latin typeface="Calibri" panose="020F0502020204030204" pitchFamily="34" charset="0"/>
+                      </a:endParaRPr>
+                    </a:p>
+                  </a:txBody>
+                  <a:tcPr marL="11191" marR="11191" marT="11191" marB="0" anchor="b">
+                    <a:lnL w="12700" cap="flat" cmpd="sng" algn="ctr">
+                      <a:solidFill>
+                        <a:schemeClr val="tx1"/>
+                      </a:solidFill>
+                      <a:prstDash val="solid"/>
+                      <a:round/>
+                      <a:headEnd type="none" w="med" len="med"/>
+                      <a:tailEnd type="none" w="med" len="med"/>
+                    </a:lnL>
+                    <a:lnR w="12700" cap="flat" cmpd="sng" algn="ctr">
+                      <a:solidFill>
+                        <a:schemeClr val="tx1"/>
+                      </a:solidFill>
+                      <a:prstDash val="solid"/>
+                      <a:round/>
+                      <a:headEnd type="none" w="med" len="med"/>
+                      <a:tailEnd type="none" w="med" len="med"/>
+                    </a:lnR>
+                    <a:lnT w="12700" cap="flat" cmpd="sng" algn="ctr">
+                      <a:solidFill>
+                        <a:schemeClr val="tx1"/>
+                      </a:solidFill>
+                      <a:prstDash val="solid"/>
+                      <a:round/>
+                      <a:headEnd type="none" w="med" len="med"/>
+                      <a:tailEnd type="none" w="med" len="med"/>
+                    </a:lnT>
+                    <a:lnB w="12700" cap="flat" cmpd="sng" algn="ctr">
+                      <a:solidFill>
+                        <a:schemeClr val="tx1"/>
+                      </a:solidFill>
+                      <a:prstDash val="solid"/>
+                      <a:round/>
+                      <a:headEnd type="none" w="med" len="med"/>
+                      <a:tailEnd type="none" w="med" len="med"/>
+                    </a:lnB>
+                    <a:noFill/>
+                  </a:tcPr>
+                </a:tc>
+                <a:extLst>
+                  <a:ext uri="{0D108BD9-81ED-4DB2-BD59-A6C34878D82A}">
+                    <a16:rowId xmlns:a16="http://schemas.microsoft.com/office/drawing/2014/main" val="2101999186"/>
+                  </a:ext>
+                </a:extLst>
+              </a:tr>
+              <a:tr h="290978">
+                <a:tc>
+                  <a:txBody>
+                    <a:bodyPr/>
+                    <a:lstStyle/>
+                    <a:p>
+                      <a:pPr algn="l" fontAlgn="b"/>
+                      <a:r>
+                        <a:rPr lang="en-SG" sz="1800" u="none" strike="noStrike">
+                          <a:effectLst/>
+                        </a:rPr>
+                        <a:t>Field Surveyor</a:t>
+                      </a:r>
+                      <a:endParaRPr lang="en-SG" sz="1800" b="0" i="0" u="none" strike="noStrike">
+                        <a:solidFill>
+                          <a:srgbClr val="000000"/>
+                        </a:solidFill>
+                        <a:effectLst/>
+                        <a:latin typeface="Calibri" panose="020F0502020204030204" pitchFamily="34" charset="0"/>
+                      </a:endParaRPr>
+                    </a:p>
+                  </a:txBody>
+                  <a:tcPr marL="11191" marR="11191" marT="11191" marB="0" anchor="b">
+                    <a:lnL w="12700" cap="flat" cmpd="sng" algn="ctr">
+                      <a:solidFill>
+                        <a:schemeClr val="tx1"/>
+                      </a:solidFill>
+                      <a:prstDash val="solid"/>
+                      <a:round/>
+                      <a:headEnd type="none" w="med" len="med"/>
+                      <a:tailEnd type="none" w="med" len="med"/>
+                    </a:lnL>
+                    <a:lnR w="12700" cap="flat" cmpd="sng" algn="ctr">
+                      <a:solidFill>
+                        <a:schemeClr val="tx1"/>
+                      </a:solidFill>
+                      <a:prstDash val="solid"/>
+                      <a:round/>
+                      <a:headEnd type="none" w="med" len="med"/>
+                      <a:tailEnd type="none" w="med" len="med"/>
+                    </a:lnR>
+                    <a:lnT w="12700" cap="flat" cmpd="sng" algn="ctr">
+                      <a:solidFill>
+                        <a:schemeClr val="tx1"/>
+                      </a:solidFill>
+                      <a:prstDash val="solid"/>
+                      <a:round/>
+                      <a:headEnd type="none" w="med" len="med"/>
+                      <a:tailEnd type="none" w="med" len="med"/>
+                    </a:lnT>
+                    <a:lnB w="12700" cap="flat" cmpd="sng" algn="ctr">
+                      <a:solidFill>
+                        <a:schemeClr val="tx1"/>
+                      </a:solidFill>
+                      <a:prstDash val="solid"/>
+                      <a:round/>
+                      <a:headEnd type="none" w="med" len="med"/>
+                      <a:tailEnd type="none" w="med" len="med"/>
+                    </a:lnB>
+                    <a:noFill/>
+                  </a:tcPr>
+                </a:tc>
+                <a:tc>
+                  <a:txBody>
+                    <a:bodyPr/>
+                    <a:lstStyle/>
+                    <a:p>
+                      <a:pPr algn="r" fontAlgn="b"/>
+                      <a:r>
+                        <a:rPr lang="en-SG" sz="1800" u="none" strike="noStrike">
+                          <a:effectLst/>
+                        </a:rPr>
+                        <a:t>2</a:t>
+                      </a:r>
+                      <a:endParaRPr lang="en-SG" sz="1800" b="0" i="0" u="none" strike="noStrike">
+                        <a:solidFill>
+                          <a:srgbClr val="000000"/>
+                        </a:solidFill>
+                        <a:effectLst/>
+                        <a:latin typeface="Calibri" panose="020F0502020204030204" pitchFamily="34" charset="0"/>
+                      </a:endParaRPr>
+                    </a:p>
+                  </a:txBody>
+                  <a:tcPr marL="11191" marR="11191" marT="11191" marB="0" anchor="b">
+                    <a:lnL w="12700" cap="flat" cmpd="sng" algn="ctr">
+                      <a:solidFill>
+                        <a:schemeClr val="tx1"/>
+                      </a:solidFill>
+                      <a:prstDash val="solid"/>
+                      <a:round/>
+                      <a:headEnd type="none" w="med" len="med"/>
+                      <a:tailEnd type="none" w="med" len="med"/>
+                    </a:lnL>
+                    <a:lnR w="12700" cap="flat" cmpd="sng" algn="ctr">
+                      <a:solidFill>
+                        <a:schemeClr val="tx1"/>
+                      </a:solidFill>
+                      <a:prstDash val="solid"/>
+                      <a:round/>
+                      <a:headEnd type="none" w="med" len="med"/>
+                      <a:tailEnd type="none" w="med" len="med"/>
+                    </a:lnR>
+                    <a:lnT w="12700" cap="flat" cmpd="sng" algn="ctr">
+                      <a:solidFill>
+                        <a:schemeClr val="tx1"/>
+                      </a:solidFill>
+                      <a:prstDash val="solid"/>
+                      <a:round/>
+                      <a:headEnd type="none" w="med" len="med"/>
+                      <a:tailEnd type="none" w="med" len="med"/>
+                    </a:lnT>
+                    <a:lnB w="12700" cap="flat" cmpd="sng" algn="ctr">
+                      <a:solidFill>
+                        <a:schemeClr val="tx1"/>
+                      </a:solidFill>
+                      <a:prstDash val="solid"/>
+                      <a:round/>
+                      <a:headEnd type="none" w="med" len="med"/>
+                      <a:tailEnd type="none" w="med" len="med"/>
+                    </a:lnB>
+                    <a:noFill/>
+                  </a:tcPr>
+                </a:tc>
+                <a:tc>
+                  <a:txBody>
+                    <a:bodyPr/>
+                    <a:lstStyle/>
+                    <a:p>
+                      <a:pPr algn="r" fontAlgn="b"/>
+                      <a:r>
+                        <a:rPr lang="en-SG" sz="1800" u="none" strike="noStrike" dirty="0">
+                          <a:effectLst/>
+                        </a:rPr>
+                        <a:t>150</a:t>
+                      </a:r>
+                      <a:endParaRPr lang="en-SG" sz="1800" b="0" i="0" u="none" strike="noStrike" dirty="0">
+                        <a:solidFill>
+                          <a:srgbClr val="000000"/>
+                        </a:solidFill>
+                        <a:effectLst/>
+                        <a:latin typeface="Calibri" panose="020F0502020204030204" pitchFamily="34" charset="0"/>
+                      </a:endParaRPr>
+                    </a:p>
+                  </a:txBody>
+                  <a:tcPr marL="11191" marR="11191" marT="11191" marB="0" anchor="b">
+                    <a:lnL w="12700" cap="flat" cmpd="sng" algn="ctr">
+                      <a:solidFill>
+                        <a:schemeClr val="tx1"/>
+                      </a:solidFill>
+                      <a:prstDash val="solid"/>
+                      <a:round/>
+                      <a:headEnd type="none" w="med" len="med"/>
+                      <a:tailEnd type="none" w="med" len="med"/>
+                    </a:lnL>
+                    <a:lnR w="12700" cap="flat" cmpd="sng" algn="ctr">
+                      <a:solidFill>
+                        <a:schemeClr val="tx1"/>
+                      </a:solidFill>
+                      <a:prstDash val="solid"/>
+                      <a:round/>
+                      <a:headEnd type="none" w="med" len="med"/>
+                      <a:tailEnd type="none" w="med" len="med"/>
+                    </a:lnR>
+                    <a:lnT w="12700" cap="flat" cmpd="sng" algn="ctr">
+                      <a:solidFill>
+                        <a:schemeClr val="tx1"/>
+                      </a:solidFill>
+                      <a:prstDash val="solid"/>
+                      <a:round/>
+                      <a:headEnd type="none" w="med" len="med"/>
+                      <a:tailEnd type="none" w="med" len="med"/>
+                    </a:lnT>
+                    <a:lnB w="12700" cap="flat" cmpd="sng" algn="ctr">
+                      <a:solidFill>
+                        <a:schemeClr val="tx1"/>
+                      </a:solidFill>
+                      <a:prstDash val="solid"/>
+                      <a:round/>
+                      <a:headEnd type="none" w="med" len="med"/>
+                      <a:tailEnd type="none" w="med" len="med"/>
+                    </a:lnB>
+                    <a:noFill/>
+                  </a:tcPr>
+                </a:tc>
+                <a:tc>
+                  <a:txBody>
+                    <a:bodyPr/>
+                    <a:lstStyle/>
+                    <a:p>
+                      <a:pPr algn="r" fontAlgn="b"/>
+                      <a:r>
+                        <a:rPr lang="en-SG" sz="1800" u="none" strike="noStrike">
+                          <a:effectLst/>
+                        </a:rPr>
+                        <a:t>30</a:t>
+                      </a:r>
+                      <a:endParaRPr lang="en-SG" sz="1800" b="0" i="0" u="none" strike="noStrike">
+                        <a:solidFill>
+                          <a:srgbClr val="000000"/>
+                        </a:solidFill>
+                        <a:effectLst/>
+                        <a:latin typeface="Calibri" panose="020F0502020204030204" pitchFamily="34" charset="0"/>
+                      </a:endParaRPr>
+                    </a:p>
+                  </a:txBody>
+                  <a:tcPr marL="11191" marR="11191" marT="11191" marB="0" anchor="b">
+                    <a:lnL w="12700" cap="flat" cmpd="sng" algn="ctr">
+                      <a:solidFill>
+                        <a:schemeClr val="tx1"/>
+                      </a:solidFill>
+                      <a:prstDash val="solid"/>
+                      <a:round/>
+                      <a:headEnd type="none" w="med" len="med"/>
+                      <a:tailEnd type="none" w="med" len="med"/>
+                    </a:lnL>
+                    <a:lnR w="12700" cap="flat" cmpd="sng" algn="ctr">
+                      <a:solidFill>
+                        <a:schemeClr val="tx1"/>
+                      </a:solidFill>
+                      <a:prstDash val="solid"/>
+                      <a:round/>
+                      <a:headEnd type="none" w="med" len="med"/>
+                      <a:tailEnd type="none" w="med" len="med"/>
+                    </a:lnR>
+                    <a:lnT w="12700" cap="flat" cmpd="sng" algn="ctr">
+                      <a:solidFill>
+                        <a:schemeClr val="tx1"/>
+                      </a:solidFill>
+                      <a:prstDash val="solid"/>
+                      <a:round/>
+                      <a:headEnd type="none" w="med" len="med"/>
+                      <a:tailEnd type="none" w="med" len="med"/>
+                    </a:lnT>
+                    <a:lnB w="12700" cap="flat" cmpd="sng" algn="ctr">
+                      <a:solidFill>
+                        <a:schemeClr val="tx1"/>
+                      </a:solidFill>
+                      <a:prstDash val="solid"/>
+                      <a:round/>
+                      <a:headEnd type="none" w="med" len="med"/>
+                      <a:tailEnd type="none" w="med" len="med"/>
+                    </a:lnB>
+                    <a:noFill/>
+                  </a:tcPr>
+                </a:tc>
+                <a:tc>
+                  <a:txBody>
+                    <a:bodyPr/>
+                    <a:lstStyle/>
+                    <a:p>
+                      <a:pPr algn="r" fontAlgn="b"/>
+                      <a:r>
+                        <a:rPr lang="en-SG" sz="1800" u="none" strike="noStrike">
+                          <a:effectLst/>
+                        </a:rPr>
+                        <a:t>9000</a:t>
+                      </a:r>
+                      <a:endParaRPr lang="en-SG" sz="1800" b="0" i="0" u="none" strike="noStrike">
+                        <a:solidFill>
+                          <a:srgbClr val="000000"/>
+                        </a:solidFill>
+                        <a:effectLst/>
+                        <a:latin typeface="Calibri" panose="020F0502020204030204" pitchFamily="34" charset="0"/>
+                      </a:endParaRPr>
+                    </a:p>
+                  </a:txBody>
+                  <a:tcPr marL="11191" marR="11191" marT="11191" marB="0" anchor="b">
+                    <a:lnL w="12700" cap="flat" cmpd="sng" algn="ctr">
+                      <a:solidFill>
+                        <a:schemeClr val="tx1"/>
+                      </a:solidFill>
+                      <a:prstDash val="solid"/>
+                      <a:round/>
+                      <a:headEnd type="none" w="med" len="med"/>
+                      <a:tailEnd type="none" w="med" len="med"/>
+                    </a:lnL>
+                    <a:lnR w="12700" cap="flat" cmpd="sng" algn="ctr">
+                      <a:solidFill>
+                        <a:schemeClr val="tx1"/>
+                      </a:solidFill>
+                      <a:prstDash val="solid"/>
+                      <a:round/>
+                      <a:headEnd type="none" w="med" len="med"/>
+                      <a:tailEnd type="none" w="med" len="med"/>
+                    </a:lnR>
+                    <a:lnT w="12700" cap="flat" cmpd="sng" algn="ctr">
+                      <a:solidFill>
+                        <a:schemeClr val="tx1"/>
+                      </a:solidFill>
+                      <a:prstDash val="solid"/>
+                      <a:round/>
+                      <a:headEnd type="none" w="med" len="med"/>
+                      <a:tailEnd type="none" w="med" len="med"/>
+                    </a:lnT>
+                    <a:lnB w="12700" cap="flat" cmpd="sng" algn="ctr">
+                      <a:solidFill>
+                        <a:schemeClr val="tx1"/>
+                      </a:solidFill>
+                      <a:prstDash val="solid"/>
+                      <a:round/>
+                      <a:headEnd type="none" w="med" len="med"/>
+                      <a:tailEnd type="none" w="med" len="med"/>
+                    </a:lnB>
+                    <a:noFill/>
+                  </a:tcPr>
+                </a:tc>
+                <a:extLst>
+                  <a:ext uri="{0D108BD9-81ED-4DB2-BD59-A6C34878D82A}">
+                    <a16:rowId xmlns:a16="http://schemas.microsoft.com/office/drawing/2014/main" val="3005812365"/>
+                  </a:ext>
+                </a:extLst>
+              </a:tr>
+              <a:tr h="290978">
+                <a:tc>
+                  <a:txBody>
+                    <a:bodyPr/>
+                    <a:lstStyle/>
+                    <a:p>
+                      <a:pPr algn="l" fontAlgn="b"/>
+                      <a:r>
+                        <a:rPr lang="en-SG" sz="1800" u="none" strike="noStrike" dirty="0">
+                          <a:effectLst/>
+                        </a:rPr>
+                        <a:t>Government and Public Affairs</a:t>
+                      </a:r>
+                      <a:endParaRPr lang="en-SG" sz="1800" b="0" i="0" u="none" strike="noStrike" dirty="0">
+                        <a:solidFill>
+                          <a:srgbClr val="000000"/>
+                        </a:solidFill>
+                        <a:effectLst/>
+                        <a:latin typeface="Calibri" panose="020F0502020204030204" pitchFamily="34" charset="0"/>
+                      </a:endParaRPr>
+                    </a:p>
+                  </a:txBody>
+                  <a:tcPr marL="11191" marR="11191" marT="11191" marB="0" anchor="b">
+                    <a:lnL w="12700" cap="flat" cmpd="sng" algn="ctr">
+                      <a:solidFill>
+                        <a:schemeClr val="tx1"/>
+                      </a:solidFill>
+                      <a:prstDash val="solid"/>
+                      <a:round/>
+                      <a:headEnd type="none" w="med" len="med"/>
+                      <a:tailEnd type="none" w="med" len="med"/>
+                    </a:lnL>
+                    <a:lnR w="12700" cap="flat" cmpd="sng" algn="ctr">
+                      <a:solidFill>
+                        <a:schemeClr val="tx1"/>
+                      </a:solidFill>
+                      <a:prstDash val="solid"/>
+                      <a:round/>
+                      <a:headEnd type="none" w="med" len="med"/>
+                      <a:tailEnd type="none" w="med" len="med"/>
+                    </a:lnR>
+                    <a:lnT w="12700" cap="flat" cmpd="sng" algn="ctr">
+                      <a:solidFill>
+                        <a:schemeClr val="tx1"/>
+                      </a:solidFill>
+                      <a:prstDash val="solid"/>
+                      <a:round/>
+                      <a:headEnd type="none" w="med" len="med"/>
+                      <a:tailEnd type="none" w="med" len="med"/>
+                    </a:lnT>
+                    <a:lnB w="38100" cap="flat" cmpd="sng" algn="ctr">
+                      <a:solidFill>
+                        <a:schemeClr val="tx1"/>
+                      </a:solidFill>
+                      <a:prstDash val="solid"/>
+                      <a:round/>
+                      <a:headEnd type="none" w="med" len="med"/>
+                      <a:tailEnd type="none" w="med" len="med"/>
+                    </a:lnB>
+                    <a:noFill/>
+                  </a:tcPr>
+                </a:tc>
+                <a:tc>
+                  <a:txBody>
+                    <a:bodyPr/>
+                    <a:lstStyle/>
+                    <a:p>
+                      <a:pPr algn="r" fontAlgn="b"/>
+                      <a:r>
+                        <a:rPr lang="en-SG" sz="1800" u="none" strike="noStrike" dirty="0">
+                          <a:effectLst/>
+                        </a:rPr>
+                        <a:t>1</a:t>
+                      </a:r>
+                      <a:endParaRPr lang="en-SG" sz="1800" b="0" i="0" u="none" strike="noStrike" dirty="0">
+                        <a:solidFill>
+                          <a:srgbClr val="000000"/>
+                        </a:solidFill>
+                        <a:effectLst/>
+                        <a:latin typeface="Calibri" panose="020F0502020204030204" pitchFamily="34" charset="0"/>
+                      </a:endParaRPr>
+                    </a:p>
+                  </a:txBody>
+                  <a:tcPr marL="11191" marR="11191" marT="11191" marB="0" anchor="b">
+                    <a:lnL w="12700" cap="flat" cmpd="sng" algn="ctr">
+                      <a:solidFill>
+                        <a:schemeClr val="tx1"/>
+                      </a:solidFill>
+                      <a:prstDash val="solid"/>
+                      <a:round/>
+                      <a:headEnd type="none" w="med" len="med"/>
+                      <a:tailEnd type="none" w="med" len="med"/>
+                    </a:lnL>
+                    <a:lnR w="12700" cap="flat" cmpd="sng" algn="ctr">
+                      <a:solidFill>
+                        <a:schemeClr val="tx1"/>
+                      </a:solidFill>
+                      <a:prstDash val="solid"/>
+                      <a:round/>
+                      <a:headEnd type="none" w="med" len="med"/>
+                      <a:tailEnd type="none" w="med" len="med"/>
+                    </a:lnR>
+                    <a:lnT w="12700" cap="flat" cmpd="sng" algn="ctr">
+                      <a:solidFill>
+                        <a:schemeClr val="tx1"/>
+                      </a:solidFill>
+                      <a:prstDash val="solid"/>
+                      <a:round/>
+                      <a:headEnd type="none" w="med" len="med"/>
+                      <a:tailEnd type="none" w="med" len="med"/>
+                    </a:lnT>
+                    <a:lnB w="38100" cap="flat" cmpd="sng" algn="ctr">
+                      <a:solidFill>
+                        <a:schemeClr val="tx1"/>
+                      </a:solidFill>
+                      <a:prstDash val="solid"/>
+                      <a:round/>
+                      <a:headEnd type="none" w="med" len="med"/>
+                      <a:tailEnd type="none" w="med" len="med"/>
+                    </a:lnB>
+                    <a:noFill/>
+                  </a:tcPr>
+                </a:tc>
+                <a:tc>
+                  <a:txBody>
+                    <a:bodyPr/>
+                    <a:lstStyle/>
+                    <a:p>
+                      <a:pPr algn="r" fontAlgn="b"/>
+                      <a:r>
+                        <a:rPr lang="en-SG" sz="1800" u="none" strike="noStrike" dirty="0">
+                          <a:effectLst/>
+                        </a:rPr>
+                        <a:t>200</a:t>
+                      </a:r>
+                      <a:endParaRPr lang="en-SG" sz="1800" b="0" i="0" u="none" strike="noStrike" dirty="0">
+                        <a:solidFill>
+                          <a:srgbClr val="000000"/>
+                        </a:solidFill>
+                        <a:effectLst/>
+                        <a:latin typeface="Calibri" panose="020F0502020204030204" pitchFamily="34" charset="0"/>
+                      </a:endParaRPr>
+                    </a:p>
+                  </a:txBody>
+                  <a:tcPr marL="11191" marR="11191" marT="11191" marB="0" anchor="b">
+                    <a:lnL w="12700" cap="flat" cmpd="sng" algn="ctr">
+                      <a:solidFill>
+                        <a:schemeClr val="tx1"/>
+                      </a:solidFill>
+                      <a:prstDash val="solid"/>
+                      <a:round/>
+                      <a:headEnd type="none" w="med" len="med"/>
+                      <a:tailEnd type="none" w="med" len="med"/>
+                    </a:lnL>
+                    <a:lnR w="12700" cap="flat" cmpd="sng" algn="ctr">
+                      <a:solidFill>
+                        <a:schemeClr val="tx1"/>
+                      </a:solidFill>
+                      <a:prstDash val="solid"/>
+                      <a:round/>
+                      <a:headEnd type="none" w="med" len="med"/>
+                      <a:tailEnd type="none" w="med" len="med"/>
+                    </a:lnR>
+                    <a:lnT w="12700" cap="flat" cmpd="sng" algn="ctr">
+                      <a:solidFill>
+                        <a:schemeClr val="tx1"/>
+                      </a:solidFill>
+                      <a:prstDash val="solid"/>
+                      <a:round/>
+                      <a:headEnd type="none" w="med" len="med"/>
+                      <a:tailEnd type="none" w="med" len="med"/>
+                    </a:lnT>
+                    <a:lnB w="38100" cap="flat" cmpd="sng" algn="ctr">
+                      <a:solidFill>
+                        <a:schemeClr val="tx1"/>
+                      </a:solidFill>
+                      <a:prstDash val="solid"/>
+                      <a:round/>
+                      <a:headEnd type="none" w="med" len="med"/>
+                      <a:tailEnd type="none" w="med" len="med"/>
+                    </a:lnB>
+                    <a:noFill/>
+                  </a:tcPr>
+                </a:tc>
+                <a:tc>
+                  <a:txBody>
+                    <a:bodyPr/>
+                    <a:lstStyle/>
+                    <a:p>
+                      <a:pPr algn="r" fontAlgn="b"/>
+                      <a:r>
+                        <a:rPr lang="en-SG" sz="1800" u="none" strike="noStrike" dirty="0">
+                          <a:effectLst/>
+                        </a:rPr>
+                        <a:t>120</a:t>
+                      </a:r>
+                      <a:endParaRPr lang="en-SG" sz="1800" b="0" i="0" u="none" strike="noStrike" dirty="0">
+                        <a:solidFill>
+                          <a:srgbClr val="000000"/>
+                        </a:solidFill>
+                        <a:effectLst/>
+                        <a:latin typeface="Calibri" panose="020F0502020204030204" pitchFamily="34" charset="0"/>
+                      </a:endParaRPr>
+                    </a:p>
+                  </a:txBody>
+                  <a:tcPr marL="11191" marR="11191" marT="11191" marB="0" anchor="b">
+                    <a:lnL w="12700" cap="flat" cmpd="sng" algn="ctr">
+                      <a:solidFill>
+                        <a:schemeClr val="tx1"/>
+                      </a:solidFill>
+                      <a:prstDash val="solid"/>
+                      <a:round/>
+                      <a:headEnd type="none" w="med" len="med"/>
+                      <a:tailEnd type="none" w="med" len="med"/>
+                    </a:lnL>
+                    <a:lnR w="12700" cap="flat" cmpd="sng" algn="ctr">
+                      <a:solidFill>
+                        <a:schemeClr val="tx1"/>
+                      </a:solidFill>
+                      <a:prstDash val="solid"/>
+                      <a:round/>
+                      <a:headEnd type="none" w="med" len="med"/>
+                      <a:tailEnd type="none" w="med" len="med"/>
+                    </a:lnR>
+                    <a:lnT w="12700" cap="flat" cmpd="sng" algn="ctr">
+                      <a:solidFill>
+                        <a:schemeClr val="tx1"/>
+                      </a:solidFill>
+                      <a:prstDash val="solid"/>
+                      <a:round/>
+                      <a:headEnd type="none" w="med" len="med"/>
+                      <a:tailEnd type="none" w="med" len="med"/>
+                    </a:lnT>
+                    <a:lnB w="38100" cap="flat" cmpd="sng" algn="ctr">
+                      <a:solidFill>
+                        <a:schemeClr val="tx1"/>
+                      </a:solidFill>
+                      <a:prstDash val="solid"/>
+                      <a:round/>
+                      <a:headEnd type="none" w="med" len="med"/>
+                      <a:tailEnd type="none" w="med" len="med"/>
+                    </a:lnB>
+                    <a:noFill/>
+                  </a:tcPr>
+                </a:tc>
+                <a:tc>
+                  <a:txBody>
+                    <a:bodyPr/>
+                    <a:lstStyle/>
+                    <a:p>
+                      <a:pPr algn="r" fontAlgn="b"/>
+                      <a:r>
+                        <a:rPr lang="en-SG" sz="1800" u="none" strike="noStrike" dirty="0">
+                          <a:effectLst/>
+                        </a:rPr>
+                        <a:t>24000</a:t>
+                      </a:r>
+                      <a:endParaRPr lang="en-SG" sz="1800" b="0" i="0" u="none" strike="noStrike" dirty="0">
+                        <a:solidFill>
+                          <a:srgbClr val="000000"/>
+                        </a:solidFill>
+                        <a:effectLst/>
+                        <a:latin typeface="Calibri" panose="020F0502020204030204" pitchFamily="34" charset="0"/>
+                      </a:endParaRPr>
+                    </a:p>
+                  </a:txBody>
+                  <a:tcPr marL="11191" marR="11191" marT="11191" marB="0" anchor="b">
+                    <a:lnL w="12700" cap="flat" cmpd="sng" algn="ctr">
+                      <a:solidFill>
+                        <a:schemeClr val="tx1"/>
+                      </a:solidFill>
+                      <a:prstDash val="solid"/>
+                      <a:round/>
+                      <a:headEnd type="none" w="med" len="med"/>
+                      <a:tailEnd type="none" w="med" len="med"/>
+                    </a:lnL>
+                    <a:lnR w="12700" cap="flat" cmpd="sng" algn="ctr">
+                      <a:solidFill>
+                        <a:schemeClr val="tx1"/>
+                      </a:solidFill>
+                      <a:prstDash val="solid"/>
+                      <a:round/>
+                      <a:headEnd type="none" w="med" len="med"/>
+                      <a:tailEnd type="none" w="med" len="med"/>
+                    </a:lnR>
+                    <a:lnT w="12700" cap="flat" cmpd="sng" algn="ctr">
+                      <a:solidFill>
+                        <a:schemeClr val="tx1"/>
+                      </a:solidFill>
+                      <a:prstDash val="solid"/>
+                      <a:round/>
+                      <a:headEnd type="none" w="med" len="med"/>
+                      <a:tailEnd type="none" w="med" len="med"/>
+                    </a:lnT>
+                    <a:lnB w="38100" cap="flat" cmpd="sng" algn="ctr">
+                      <a:solidFill>
+                        <a:schemeClr val="tx1"/>
+                      </a:solidFill>
+                      <a:prstDash val="solid"/>
+                      <a:round/>
+                      <a:headEnd type="none" w="med" len="med"/>
+                      <a:tailEnd type="none" w="med" len="med"/>
+                    </a:lnB>
+                    <a:noFill/>
+                  </a:tcPr>
+                </a:tc>
+                <a:extLst>
+                  <a:ext uri="{0D108BD9-81ED-4DB2-BD59-A6C34878D82A}">
+                    <a16:rowId xmlns:a16="http://schemas.microsoft.com/office/drawing/2014/main" val="2896046661"/>
+                  </a:ext>
+                </a:extLst>
+              </a:tr>
+              <a:tr h="290978">
+                <a:tc gridSpan="4">
+                  <a:txBody>
+                    <a:bodyPr/>
+                    <a:lstStyle/>
+                    <a:p>
+                      <a:pPr algn="l" fontAlgn="b"/>
+                      <a:r>
+                        <a:rPr lang="en-SG" sz="1800" b="1" u="none" strike="noStrike" dirty="0">
+                          <a:effectLst/>
+                        </a:rPr>
+                        <a:t>Total Manpower Cost</a:t>
+                      </a:r>
+                      <a:endParaRPr lang="en-SG" sz="1800" b="1" i="0" u="none" strike="noStrike" dirty="0">
+                        <a:solidFill>
+                          <a:srgbClr val="000000"/>
+                        </a:solidFill>
+                        <a:effectLst/>
+                        <a:latin typeface="Calibri" panose="020F0502020204030204" pitchFamily="34" charset="0"/>
+                      </a:endParaRPr>
+                    </a:p>
+                  </a:txBody>
+                  <a:tcPr marL="134297" marR="134297" marT="67149" marB="67149" anchor="b">
+                    <a:lnL w="12700" cap="flat" cmpd="sng" algn="ctr">
+                      <a:solidFill>
+                        <a:schemeClr val="tx1"/>
+                      </a:solidFill>
+                      <a:prstDash val="solid"/>
+                      <a:round/>
+                      <a:headEnd type="none" w="med" len="med"/>
+                      <a:tailEnd type="none" w="med" len="med"/>
+                    </a:lnL>
+                    <a:lnR w="12700" cap="flat" cmpd="sng" algn="ctr">
+                      <a:solidFill>
+                        <a:schemeClr val="tx1"/>
+                      </a:solidFill>
+                      <a:prstDash val="solid"/>
+                      <a:round/>
+                      <a:headEnd type="none" w="med" len="med"/>
+                      <a:tailEnd type="none" w="med" len="med"/>
+                    </a:lnR>
+                    <a:lnT w="38100" cap="flat" cmpd="sng" algn="ctr">
+                      <a:solidFill>
+                        <a:schemeClr val="tx1"/>
+                      </a:solidFill>
+                      <a:prstDash val="solid"/>
+                      <a:round/>
+                      <a:headEnd type="none" w="med" len="med"/>
+                      <a:tailEnd type="none" w="med" len="med"/>
+                    </a:lnT>
+                    <a:lnB w="12700" cap="flat" cmpd="sng" algn="ctr">
+                      <a:solidFill>
+                        <a:schemeClr val="tx1"/>
+                      </a:solidFill>
+                      <a:prstDash val="solid"/>
+                      <a:round/>
+                      <a:headEnd type="none" w="med" len="med"/>
+                      <a:tailEnd type="none" w="med" len="med"/>
+                    </a:lnB>
+                    <a:noFill/>
+                  </a:tcPr>
+                </a:tc>
+                <a:tc hMerge="1">
+                  <a:txBody>
+                    <a:bodyPr/>
+                    <a:lstStyle/>
+                    <a:p>
+                      <a:endParaRPr lang="en-SG"/>
+                    </a:p>
+                  </a:txBody>
+                  <a:tcPr/>
+                </a:tc>
+                <a:tc hMerge="1">
+                  <a:txBody>
+                    <a:bodyPr/>
+                    <a:lstStyle/>
+                    <a:p>
+                      <a:endParaRPr lang="en-SG"/>
+                    </a:p>
+                  </a:txBody>
+                  <a:tcPr/>
+                </a:tc>
+                <a:tc hMerge="1">
+                  <a:txBody>
+                    <a:bodyPr/>
+                    <a:lstStyle/>
+                    <a:p>
+                      <a:endParaRPr lang="en-SG"/>
+                    </a:p>
+                  </a:txBody>
+                  <a:tcPr/>
+                </a:tc>
+                <a:tc>
+                  <a:txBody>
+                    <a:bodyPr/>
+                    <a:lstStyle/>
+                    <a:p>
+                      <a:pPr algn="r" fontAlgn="b"/>
+                      <a:r>
+                        <a:rPr lang="en-SG" sz="1800" u="none" strike="noStrike" dirty="0">
+                          <a:effectLst/>
+                        </a:rPr>
+                        <a:t>193000</a:t>
+                      </a:r>
+                      <a:endParaRPr lang="en-SG" sz="1800" b="0" i="0" u="none" strike="noStrike" dirty="0">
+                        <a:solidFill>
+                          <a:srgbClr val="000000"/>
+                        </a:solidFill>
+                        <a:effectLst/>
+                        <a:latin typeface="Calibri" panose="020F0502020204030204" pitchFamily="34" charset="0"/>
+                      </a:endParaRPr>
+                    </a:p>
+                  </a:txBody>
+                  <a:tcPr marL="11191" marR="11191" marT="11191" marB="0" anchor="b">
+                    <a:lnL w="12700" cap="flat" cmpd="sng" algn="ctr">
+                      <a:solidFill>
+                        <a:schemeClr val="tx1"/>
+                      </a:solidFill>
+                      <a:prstDash val="solid"/>
+                      <a:round/>
+                      <a:headEnd type="none" w="med" len="med"/>
+                      <a:tailEnd type="none" w="med" len="med"/>
+                    </a:lnL>
+                    <a:lnR w="12700" cap="flat" cmpd="sng" algn="ctr">
+                      <a:solidFill>
+                        <a:schemeClr val="tx1"/>
+                      </a:solidFill>
+                      <a:prstDash val="solid"/>
+                      <a:round/>
+                      <a:headEnd type="none" w="med" len="med"/>
+                      <a:tailEnd type="none" w="med" len="med"/>
+                    </a:lnR>
+                    <a:lnT w="38100" cap="flat" cmpd="sng" algn="ctr">
+                      <a:solidFill>
+                        <a:schemeClr val="tx1"/>
+                      </a:solidFill>
+                      <a:prstDash val="solid"/>
+                      <a:round/>
+                      <a:headEnd type="none" w="med" len="med"/>
+                      <a:tailEnd type="none" w="med" len="med"/>
+                    </a:lnT>
+                    <a:lnB w="12700" cap="flat" cmpd="sng" algn="ctr">
+                      <a:solidFill>
+                        <a:schemeClr val="tx1"/>
+                      </a:solidFill>
+                      <a:prstDash val="solid"/>
+                      <a:round/>
+                      <a:headEnd type="none" w="med" len="med"/>
+                      <a:tailEnd type="none" w="med" len="med"/>
+                    </a:lnB>
+                    <a:noFill/>
+                  </a:tcPr>
+                </a:tc>
+                <a:extLst>
+                  <a:ext uri="{0D108BD9-81ED-4DB2-BD59-A6C34878D82A}">
+                    <a16:rowId xmlns:a16="http://schemas.microsoft.com/office/drawing/2014/main" val="275691183"/>
+                  </a:ext>
+                </a:extLst>
+              </a:tr>
+              <a:tr h="290978">
+                <a:tc gridSpan="4">
+                  <a:txBody>
+                    <a:bodyPr/>
+                    <a:lstStyle/>
+                    <a:p>
+                      <a:pPr algn="l" fontAlgn="b"/>
+                      <a:r>
+                        <a:rPr lang="en-SG" sz="1800" b="1" u="none" strike="noStrike" dirty="0">
+                          <a:effectLst/>
+                        </a:rPr>
+                        <a:t>Lump Sum Misc. Cost (e.g. stakeholder engagement, transportation)</a:t>
+                      </a:r>
+                      <a:endParaRPr lang="en-SG" sz="1800" b="1" i="0" u="none" strike="noStrike" dirty="0">
+                        <a:solidFill>
+                          <a:srgbClr val="000000"/>
+                        </a:solidFill>
+                        <a:effectLst/>
+                        <a:latin typeface="Calibri" panose="020F0502020204030204" pitchFamily="34" charset="0"/>
+                      </a:endParaRPr>
+                    </a:p>
+                  </a:txBody>
+                  <a:tcPr marL="134297" marR="134297" marT="67149" marB="67149" anchor="b">
+                    <a:lnL w="12700" cap="flat" cmpd="sng" algn="ctr">
+                      <a:solidFill>
+                        <a:schemeClr val="tx1"/>
+                      </a:solidFill>
+                      <a:prstDash val="solid"/>
+                      <a:round/>
+                      <a:headEnd type="none" w="med" len="med"/>
+                      <a:tailEnd type="none" w="med" len="med"/>
+                    </a:lnL>
+                    <a:lnR w="12700" cap="flat" cmpd="sng" algn="ctr">
+                      <a:solidFill>
+                        <a:schemeClr val="tx1"/>
+                      </a:solidFill>
+                      <a:prstDash val="solid"/>
+                      <a:round/>
+                      <a:headEnd type="none" w="med" len="med"/>
+                      <a:tailEnd type="none" w="med" len="med"/>
+                    </a:lnR>
+                    <a:lnT w="12700" cap="flat" cmpd="sng" algn="ctr">
+                      <a:solidFill>
+                        <a:schemeClr val="tx1"/>
+                      </a:solidFill>
+                      <a:prstDash val="solid"/>
+                      <a:round/>
+                      <a:headEnd type="none" w="med" len="med"/>
+                      <a:tailEnd type="none" w="med" len="med"/>
+                    </a:lnT>
+                    <a:lnB w="12700" cap="flat" cmpd="sng" algn="ctr">
+                      <a:solidFill>
+                        <a:schemeClr val="tx1"/>
+                      </a:solidFill>
+                      <a:prstDash val="solid"/>
+                      <a:round/>
+                      <a:headEnd type="none" w="med" len="med"/>
+                      <a:tailEnd type="none" w="med" len="med"/>
+                    </a:lnB>
+                    <a:noFill/>
+                  </a:tcPr>
+                </a:tc>
+                <a:tc hMerge="1">
+                  <a:txBody>
+                    <a:bodyPr/>
+                    <a:lstStyle/>
+                    <a:p>
+                      <a:endParaRPr lang="en-SG"/>
+                    </a:p>
+                  </a:txBody>
+                  <a:tcPr/>
+                </a:tc>
+                <a:tc hMerge="1">
+                  <a:txBody>
+                    <a:bodyPr/>
+                    <a:lstStyle/>
+                    <a:p>
+                      <a:endParaRPr lang="en-SG"/>
+                    </a:p>
+                  </a:txBody>
+                  <a:tcPr/>
+                </a:tc>
+                <a:tc hMerge="1">
+                  <a:txBody>
+                    <a:bodyPr/>
+                    <a:lstStyle/>
+                    <a:p>
+                      <a:endParaRPr lang="en-SG"/>
+                    </a:p>
+                  </a:txBody>
+                  <a:tcPr/>
+                </a:tc>
+                <a:tc>
+                  <a:txBody>
+                    <a:bodyPr/>
+                    <a:lstStyle/>
+                    <a:p>
+                      <a:pPr algn="r" fontAlgn="b"/>
+                      <a:r>
+                        <a:rPr lang="en-SG" sz="1800" u="none" strike="noStrike" dirty="0">
+                          <a:effectLst/>
+                        </a:rPr>
+                        <a:t>10000</a:t>
+                      </a:r>
+                      <a:endParaRPr lang="en-SG" sz="1800" b="0" i="0" u="none" strike="noStrike" dirty="0">
+                        <a:solidFill>
+                          <a:srgbClr val="000000"/>
+                        </a:solidFill>
+                        <a:effectLst/>
+                        <a:latin typeface="Calibri" panose="020F0502020204030204" pitchFamily="34" charset="0"/>
+                      </a:endParaRPr>
+                    </a:p>
+                  </a:txBody>
+                  <a:tcPr marL="11191" marR="11191" marT="11191" marB="0" anchor="b">
+                    <a:lnL w="12700" cap="flat" cmpd="sng" algn="ctr">
+                      <a:solidFill>
+                        <a:schemeClr val="tx1"/>
+                      </a:solidFill>
+                      <a:prstDash val="solid"/>
+                      <a:round/>
+                      <a:headEnd type="none" w="med" len="med"/>
+                      <a:tailEnd type="none" w="med" len="med"/>
+                    </a:lnL>
+                    <a:lnR w="12700" cap="flat" cmpd="sng" algn="ctr">
+                      <a:solidFill>
+                        <a:schemeClr val="tx1"/>
+                      </a:solidFill>
+                      <a:prstDash val="solid"/>
+                      <a:round/>
+                      <a:headEnd type="none" w="med" len="med"/>
+                      <a:tailEnd type="none" w="med" len="med"/>
+                    </a:lnR>
+                    <a:lnT w="12700" cap="flat" cmpd="sng" algn="ctr">
+                      <a:solidFill>
+                        <a:schemeClr val="tx1"/>
+                      </a:solidFill>
+                      <a:prstDash val="solid"/>
+                      <a:round/>
+                      <a:headEnd type="none" w="med" len="med"/>
+                      <a:tailEnd type="none" w="med" len="med"/>
+                    </a:lnT>
+                    <a:lnB w="12700" cap="flat" cmpd="sng" algn="ctr">
+                      <a:solidFill>
+                        <a:schemeClr val="tx1"/>
+                      </a:solidFill>
+                      <a:prstDash val="solid"/>
+                      <a:round/>
+                      <a:headEnd type="none" w="med" len="med"/>
+                      <a:tailEnd type="none" w="med" len="med"/>
+                    </a:lnB>
+                    <a:noFill/>
+                  </a:tcPr>
+                </a:tc>
+                <a:extLst>
+                  <a:ext uri="{0D108BD9-81ED-4DB2-BD59-A6C34878D82A}">
+                    <a16:rowId xmlns:a16="http://schemas.microsoft.com/office/drawing/2014/main" val="1029544338"/>
+                  </a:ext>
+                </a:extLst>
+              </a:tr>
+              <a:tr h="290978">
+                <a:tc gridSpan="4">
+                  <a:txBody>
+                    <a:bodyPr/>
+                    <a:lstStyle/>
+                    <a:p>
+                      <a:pPr algn="l" fontAlgn="b"/>
+                      <a:r>
+                        <a:rPr lang="en-SG" sz="1800" b="1" u="none" strike="noStrike" dirty="0">
+                          <a:effectLst/>
+                        </a:rPr>
+                        <a:t>Contingency (10%)</a:t>
+                      </a:r>
+                      <a:endParaRPr lang="en-SG" sz="1800" b="1" i="0" u="none" strike="noStrike" dirty="0">
+                        <a:solidFill>
+                          <a:srgbClr val="000000"/>
+                        </a:solidFill>
+                        <a:effectLst/>
+                        <a:latin typeface="Calibri" panose="020F0502020204030204" pitchFamily="34" charset="0"/>
+                      </a:endParaRPr>
+                    </a:p>
+                  </a:txBody>
+                  <a:tcPr marL="134297" marR="134297" marT="67149" marB="67149" anchor="b">
+                    <a:lnL w="12700" cap="flat" cmpd="sng" algn="ctr">
+                      <a:solidFill>
+                        <a:schemeClr val="tx1"/>
+                      </a:solidFill>
+                      <a:prstDash val="solid"/>
+                      <a:round/>
+                      <a:headEnd type="none" w="med" len="med"/>
+                      <a:tailEnd type="none" w="med" len="med"/>
+                    </a:lnL>
+                    <a:lnR w="12700" cap="flat" cmpd="sng" algn="ctr">
+                      <a:solidFill>
+                        <a:schemeClr val="tx1"/>
+                      </a:solidFill>
+                      <a:prstDash val="solid"/>
+                      <a:round/>
+                      <a:headEnd type="none" w="med" len="med"/>
+                      <a:tailEnd type="none" w="med" len="med"/>
+                    </a:lnR>
+                    <a:lnT w="12700" cap="flat" cmpd="sng" algn="ctr">
+                      <a:solidFill>
+                        <a:schemeClr val="tx1"/>
+                      </a:solidFill>
+                      <a:prstDash val="solid"/>
+                      <a:round/>
+                      <a:headEnd type="none" w="med" len="med"/>
+                      <a:tailEnd type="none" w="med" len="med"/>
+                    </a:lnT>
+                    <a:lnB w="38100" cap="flat" cmpd="sng" algn="ctr">
+                      <a:solidFill>
+                        <a:schemeClr val="tx1"/>
+                      </a:solidFill>
+                      <a:prstDash val="solid"/>
+                      <a:round/>
+                      <a:headEnd type="none" w="med" len="med"/>
+                      <a:tailEnd type="none" w="med" len="med"/>
+                    </a:lnB>
+                    <a:noFill/>
+                  </a:tcPr>
+                </a:tc>
+                <a:tc hMerge="1">
+                  <a:txBody>
+                    <a:bodyPr/>
+                    <a:lstStyle/>
+                    <a:p>
+                      <a:endParaRPr lang="en-SG"/>
+                    </a:p>
+                  </a:txBody>
+                  <a:tcPr/>
+                </a:tc>
+                <a:tc hMerge="1">
+                  <a:txBody>
+                    <a:bodyPr/>
+                    <a:lstStyle/>
+                    <a:p>
+                      <a:endParaRPr lang="en-SG"/>
+                    </a:p>
+                  </a:txBody>
+                  <a:tcPr/>
+                </a:tc>
+                <a:tc hMerge="1">
+                  <a:txBody>
+                    <a:bodyPr/>
+                    <a:lstStyle/>
+                    <a:p>
+                      <a:endParaRPr lang="en-SG"/>
+                    </a:p>
+                  </a:txBody>
+                  <a:tcPr/>
+                </a:tc>
+                <a:tc>
+                  <a:txBody>
+                    <a:bodyPr/>
+                    <a:lstStyle/>
+                    <a:p>
+                      <a:pPr algn="r" fontAlgn="b"/>
+                      <a:r>
+                        <a:rPr lang="en-SG" sz="1800" u="none" strike="noStrike" dirty="0">
+                          <a:effectLst/>
+                        </a:rPr>
+                        <a:t>20300</a:t>
+                      </a:r>
+                      <a:endParaRPr lang="en-SG" sz="1800" b="0" i="0" u="none" strike="noStrike" dirty="0">
+                        <a:solidFill>
+                          <a:srgbClr val="000000"/>
+                        </a:solidFill>
+                        <a:effectLst/>
+                        <a:latin typeface="Calibri" panose="020F0502020204030204" pitchFamily="34" charset="0"/>
+                      </a:endParaRPr>
+                    </a:p>
+                  </a:txBody>
+                  <a:tcPr marL="11191" marR="11191" marT="11191" marB="0" anchor="b">
+                    <a:lnL w="12700" cap="flat" cmpd="sng" algn="ctr">
+                      <a:solidFill>
+                        <a:schemeClr val="tx1"/>
+                      </a:solidFill>
+                      <a:prstDash val="solid"/>
+                      <a:round/>
+                      <a:headEnd type="none" w="med" len="med"/>
+                      <a:tailEnd type="none" w="med" len="med"/>
+                    </a:lnL>
+                    <a:lnR w="12700" cap="flat" cmpd="sng" algn="ctr">
+                      <a:solidFill>
+                        <a:schemeClr val="tx1"/>
+                      </a:solidFill>
+                      <a:prstDash val="solid"/>
+                      <a:round/>
+                      <a:headEnd type="none" w="med" len="med"/>
+                      <a:tailEnd type="none" w="med" len="med"/>
+                    </a:lnR>
+                    <a:lnT w="12700" cap="flat" cmpd="sng" algn="ctr">
+                      <a:solidFill>
+                        <a:schemeClr val="tx1"/>
+                      </a:solidFill>
+                      <a:prstDash val="solid"/>
+                      <a:round/>
+                      <a:headEnd type="none" w="med" len="med"/>
+                      <a:tailEnd type="none" w="med" len="med"/>
+                    </a:lnT>
+                    <a:lnB w="38100" cap="flat" cmpd="sng" algn="ctr">
+                      <a:solidFill>
+                        <a:schemeClr val="tx1"/>
+                      </a:solidFill>
+                      <a:prstDash val="solid"/>
+                      <a:round/>
+                      <a:headEnd type="none" w="med" len="med"/>
+                      <a:tailEnd type="none" w="med" len="med"/>
+                    </a:lnB>
+                    <a:noFill/>
+                  </a:tcPr>
+                </a:tc>
+                <a:extLst>
+                  <a:ext uri="{0D108BD9-81ED-4DB2-BD59-A6C34878D82A}">
+                    <a16:rowId xmlns:a16="http://schemas.microsoft.com/office/drawing/2014/main" val="1069688620"/>
+                  </a:ext>
+                </a:extLst>
+              </a:tr>
+              <a:tr h="290978">
+                <a:tc gridSpan="4">
+                  <a:txBody>
+                    <a:bodyPr/>
+                    <a:lstStyle/>
+                    <a:p>
+                      <a:pPr algn="ctr" fontAlgn="b"/>
+                      <a:r>
+                        <a:rPr lang="en-SG" sz="1800" b="1" u="none" strike="noStrike" dirty="0">
+                          <a:effectLst/>
+                        </a:rPr>
+                        <a:t>Overall Cost</a:t>
+                      </a:r>
+                      <a:endParaRPr lang="en-SG" sz="1800" b="1" i="0" u="none" strike="noStrike" dirty="0">
+                        <a:solidFill>
+                          <a:srgbClr val="000000"/>
+                        </a:solidFill>
+                        <a:effectLst/>
+                        <a:latin typeface="Calibri" panose="020F0502020204030204" pitchFamily="34" charset="0"/>
+                      </a:endParaRPr>
+                    </a:p>
+                  </a:txBody>
+                  <a:tcPr marL="134297" marR="134297" marT="67149" marB="67149" anchor="b">
+                    <a:lnL w="12700" cap="flat" cmpd="sng" algn="ctr">
+                      <a:solidFill>
+                        <a:schemeClr val="tx1"/>
+                      </a:solidFill>
+                      <a:prstDash val="solid"/>
+                      <a:round/>
+                      <a:headEnd type="none" w="med" len="med"/>
+                      <a:tailEnd type="none" w="med" len="med"/>
+                    </a:lnL>
+                    <a:lnR w="12700" cap="flat" cmpd="sng" algn="ctr">
+                      <a:solidFill>
+                        <a:schemeClr val="tx1"/>
+                      </a:solidFill>
+                      <a:prstDash val="solid"/>
+                      <a:round/>
+                      <a:headEnd type="none" w="med" len="med"/>
+                      <a:tailEnd type="none" w="med" len="med"/>
+                    </a:lnR>
+                    <a:lnT w="38100" cap="flat" cmpd="sng" algn="ctr">
+                      <a:solidFill>
+                        <a:schemeClr val="tx1"/>
+                      </a:solidFill>
+                      <a:prstDash val="solid"/>
+                      <a:round/>
+                      <a:headEnd type="none" w="med" len="med"/>
+                      <a:tailEnd type="none" w="med" len="med"/>
+                    </a:lnT>
+                    <a:lnB w="12700" cap="flat" cmpd="sng" algn="ctr">
+                      <a:solidFill>
+                        <a:schemeClr val="tx1"/>
+                      </a:solidFill>
+                      <a:prstDash val="solid"/>
+                      <a:round/>
+                      <a:headEnd type="none" w="med" len="med"/>
+                      <a:tailEnd type="none" w="med" len="med"/>
+                    </a:lnB>
+                    <a:noFill/>
+                  </a:tcPr>
+                </a:tc>
+                <a:tc hMerge="1">
+                  <a:txBody>
+                    <a:bodyPr/>
+                    <a:lstStyle/>
+                    <a:p>
+                      <a:endParaRPr lang="en-SG"/>
+                    </a:p>
+                  </a:txBody>
+                  <a:tcPr/>
+                </a:tc>
+                <a:tc hMerge="1">
+                  <a:txBody>
+                    <a:bodyPr/>
+                    <a:lstStyle/>
+                    <a:p>
+                      <a:endParaRPr lang="en-SG"/>
+                    </a:p>
+                  </a:txBody>
+                  <a:tcPr/>
+                </a:tc>
+                <a:tc hMerge="1">
+                  <a:txBody>
+                    <a:bodyPr/>
+                    <a:lstStyle/>
+                    <a:p>
+                      <a:endParaRPr lang="en-SG"/>
+                    </a:p>
+                  </a:txBody>
+                  <a:tcPr/>
+                </a:tc>
+                <a:tc>
+                  <a:txBody>
+                    <a:bodyPr/>
+                    <a:lstStyle/>
+                    <a:p>
+                      <a:pPr algn="r" fontAlgn="b"/>
+                      <a:r>
+                        <a:rPr lang="en-SG" sz="1800" u="none" strike="noStrike" dirty="0">
+                          <a:effectLst/>
+                        </a:rPr>
+                        <a:t>223300</a:t>
+                      </a:r>
+                      <a:endParaRPr lang="en-SG" sz="1800" b="1" i="0" u="none" strike="noStrike" dirty="0">
+                        <a:solidFill>
+                          <a:srgbClr val="000000"/>
+                        </a:solidFill>
+                        <a:effectLst/>
+                        <a:latin typeface="Calibri" panose="020F0502020204030204" pitchFamily="34" charset="0"/>
+                      </a:endParaRPr>
+                    </a:p>
+                  </a:txBody>
+                  <a:tcPr marL="11191" marR="11191" marT="11191" marB="0" anchor="b">
+                    <a:lnL w="12700" cap="flat" cmpd="sng" algn="ctr">
+                      <a:solidFill>
+                        <a:schemeClr val="tx1"/>
+                      </a:solidFill>
+                      <a:prstDash val="solid"/>
+                      <a:round/>
+                      <a:headEnd type="none" w="med" len="med"/>
+                      <a:tailEnd type="none" w="med" len="med"/>
+                    </a:lnL>
+                    <a:lnR w="12700" cap="flat" cmpd="sng" algn="ctr">
+                      <a:solidFill>
+                        <a:schemeClr val="tx1"/>
+                      </a:solidFill>
+                      <a:prstDash val="solid"/>
+                      <a:round/>
+                      <a:headEnd type="none" w="med" len="med"/>
+                      <a:tailEnd type="none" w="med" len="med"/>
+                    </a:lnR>
+                    <a:lnT w="38100" cap="flat" cmpd="sng" algn="ctr">
+                      <a:solidFill>
+                        <a:schemeClr val="tx1"/>
+                      </a:solidFill>
+                      <a:prstDash val="solid"/>
+                      <a:round/>
+                      <a:headEnd type="none" w="med" len="med"/>
+                      <a:tailEnd type="none" w="med" len="med"/>
+                    </a:lnT>
+                    <a:lnB w="12700" cap="flat" cmpd="sng" algn="ctr">
+                      <a:solidFill>
+                        <a:schemeClr val="tx1"/>
+                      </a:solidFill>
+                      <a:prstDash val="solid"/>
+                      <a:round/>
+                      <a:headEnd type="none" w="med" len="med"/>
+                      <a:tailEnd type="none" w="med" len="med"/>
+                    </a:lnB>
+                    <a:noFill/>
+                  </a:tcPr>
+                </a:tc>
+                <a:extLst>
+                  <a:ext uri="{0D108BD9-81ED-4DB2-BD59-A6C34878D82A}">
+                    <a16:rowId xmlns:a16="http://schemas.microsoft.com/office/drawing/2014/main" val="1177937824"/>
+                  </a:ext>
+                </a:extLst>
+              </a:tr>
+            </a:tbl>
+          </a:graphicData>
+        </a:graphic>
+      </p:graphicFrame>
+    </p:spTree>
+    <p:extLst>
+      <p:ext uri="{BB962C8B-B14F-4D97-AF65-F5344CB8AC3E}">
+        <p14:creationId xmlns:p14="http://schemas.microsoft.com/office/powerpoint/2010/main" val="1631865187"/>
+      </p:ext>
+    </p:extLst>
+  </p:cSld>
+  <p:clrMapOvr>
+    <a:masterClrMapping/>
+  </p:clrMapOvr>
+</p:sld>
+</file>
+
+<file path=ppt/slides/slide5.xml><?xml version="1.0" encoding="utf-8"?>
+<p:sld xmlns:a="http://schemas.openxmlformats.org/drawingml/2006/main" xmlns:r="http://schemas.openxmlformats.org/officeDocument/2006/relationships" xmlns:p="http://schemas.openxmlformats.org/presentationml/2006/main">
+  <p:cSld>
+    <p:spTree>
+      <p:nvGrpSpPr>
+        <p:cNvPr id="1" name=""/>
+        <p:cNvGrpSpPr/>
+        <p:nvPr/>
+      </p:nvGrpSpPr>
+      <p:grpSpPr>
+        <a:xfrm>
+          <a:off x="0" y="0"/>
+          <a:ext cx="0" cy="0"/>
+          <a:chOff x="0" y="0"/>
+          <a:chExt cx="0" cy="0"/>
+        </a:xfrm>
+      </p:grpSpPr>
+      <p:graphicFrame>
+        <p:nvGraphicFramePr>
+          <p:cNvPr id="6" name="Table 5">
+            <a:extLst>
+              <a:ext uri="{FF2B5EF4-FFF2-40B4-BE49-F238E27FC236}">
+                <a16:creationId xmlns:a16="http://schemas.microsoft.com/office/drawing/2014/main" id="{18BF75F3-AFC2-6DF7-79BA-E3053E06925C}"/>
+              </a:ext>
+            </a:extLst>
+          </p:cNvPr>
+          <p:cNvGraphicFramePr>
+            <a:graphicFrameLocks noGrp="1"/>
+          </p:cNvGraphicFramePr>
+          <p:nvPr>
+            <p:extLst>
+              <p:ext uri="{D42A27DB-BD31-4B8C-83A1-F6EECF244321}">
+                <p14:modId xmlns:p14="http://schemas.microsoft.com/office/powerpoint/2010/main" val="332972640"/>
+              </p:ext>
+            </p:extLst>
+          </p:nvPr>
+        </p:nvGraphicFramePr>
+        <p:xfrm>
+          <a:off x="3111500" y="3033713"/>
+          <a:ext cx="5969000" cy="792480"/>
+        </p:xfrm>
+        <a:graphic>
+          <a:graphicData uri="http://schemas.openxmlformats.org/drawingml/2006/table">
+            <a:tbl>
+              <a:tblPr>
+                <a:tableStyleId>{5C22544A-7EE6-4342-B048-85BDC9FD1C3A}</a:tableStyleId>
+              </a:tblPr>
+              <a:tblGrid>
+                <a:gridCol w="2717800">
+                  <a:extLst>
+                    <a:ext uri="{9D8B030D-6E8A-4147-A177-3AD203B41FA5}">
+                      <a16:colId xmlns:a16="http://schemas.microsoft.com/office/drawing/2014/main" val="1805908453"/>
+                    </a:ext>
+                  </a:extLst>
+                </a:gridCol>
+                <a:gridCol w="3251200">
+                  <a:extLst>
+                    <a:ext uri="{9D8B030D-6E8A-4147-A177-3AD203B41FA5}">
+                      <a16:colId xmlns:a16="http://schemas.microsoft.com/office/drawing/2014/main" val="1127161962"/>
+                    </a:ext>
+                  </a:extLst>
+                </a:gridCol>
+              </a:tblGrid>
+              <a:tr h="198120">
+                <a:tc>
+                  <a:txBody>
+                    <a:bodyPr/>
+                    <a:lstStyle/>
+                    <a:p>
+                      <a:pPr algn="l" fontAlgn="b"/>
+                      <a:r>
+                        <a:rPr lang="en-SG" sz="1200" b="1" u="none" strike="noStrike" dirty="0">
+                          <a:effectLst/>
+                        </a:rPr>
+                        <a:t>Additional Services</a:t>
+                      </a:r>
+                      <a:endParaRPr lang="en-SG" sz="1200" b="1" i="0" u="none" strike="noStrike" dirty="0">
+                        <a:solidFill>
+                          <a:srgbClr val="000000"/>
+                        </a:solidFill>
+                        <a:effectLst/>
+                        <a:latin typeface="Calibri" panose="020F0502020204030204" pitchFamily="34" charset="0"/>
+                      </a:endParaRPr>
+                    </a:p>
+                  </a:txBody>
+                  <a:tcPr marL="7620" marR="7620" marT="7620" marB="0" anchor="b">
+                    <a:lnL w="12700" cap="flat" cmpd="sng" algn="ctr">
+                      <a:solidFill>
+                        <a:schemeClr val="tx1"/>
+                      </a:solidFill>
+                      <a:prstDash val="solid"/>
+                      <a:round/>
+                      <a:headEnd type="none" w="med" len="med"/>
+                      <a:tailEnd type="none" w="med" len="med"/>
+                    </a:lnL>
+                    <a:lnR w="12700" cap="flat" cmpd="sng" algn="ctr">
+                      <a:solidFill>
+                        <a:schemeClr val="tx1"/>
+                      </a:solidFill>
+                      <a:prstDash val="solid"/>
+                      <a:round/>
+                      <a:headEnd type="none" w="med" len="med"/>
+                      <a:tailEnd type="none" w="med" len="med"/>
+                    </a:lnR>
+                    <a:lnT w="12700" cap="flat" cmpd="sng" algn="ctr">
+                      <a:solidFill>
+                        <a:schemeClr val="tx1"/>
+                      </a:solidFill>
+                      <a:prstDash val="solid"/>
+                      <a:round/>
+                      <a:headEnd type="none" w="med" len="med"/>
+                      <a:tailEnd type="none" w="med" len="med"/>
+                    </a:lnT>
+                    <a:lnB w="12700" cap="flat" cmpd="sng" algn="ctr">
+                      <a:solidFill>
+                        <a:schemeClr val="tx1"/>
+                      </a:solidFill>
+                      <a:prstDash val="solid"/>
+                      <a:round/>
+                      <a:headEnd type="none" w="med" len="med"/>
+                      <a:tailEnd type="none" w="med" len="med"/>
+                    </a:lnB>
+                    <a:lnTlToBr w="12700" cmpd="sng">
+                      <a:noFill/>
+                      <a:prstDash val="solid"/>
+                    </a:lnTlToBr>
+                    <a:lnBlToTr w="12700" cmpd="sng">
+                      <a:noFill/>
+                      <a:prstDash val="solid"/>
+                    </a:lnBlToTr>
+                    <a:noFill/>
+                  </a:tcPr>
+                </a:tc>
+                <a:tc>
+                  <a:txBody>
+                    <a:bodyPr/>
+                    <a:lstStyle/>
+                    <a:p>
+                      <a:pPr algn="l" fontAlgn="b"/>
+                      <a:r>
+                        <a:rPr lang="en-SG" sz="1200" b="1" u="none" strike="noStrike" dirty="0">
+                          <a:effectLst/>
+                        </a:rPr>
+                        <a:t>Cost</a:t>
+                      </a:r>
+                      <a:endParaRPr lang="en-SG" sz="1200" b="1" i="0" u="none" strike="noStrike" dirty="0">
+                        <a:solidFill>
+                          <a:srgbClr val="000000"/>
+                        </a:solidFill>
+                        <a:effectLst/>
+                        <a:latin typeface="Calibri" panose="020F0502020204030204" pitchFamily="34" charset="0"/>
+                      </a:endParaRPr>
+                    </a:p>
+                  </a:txBody>
+                  <a:tcPr marL="7620" marR="7620" marT="7620" marB="0" anchor="b">
+                    <a:lnL w="12700" cap="flat" cmpd="sng" algn="ctr">
+                      <a:solidFill>
+                        <a:schemeClr val="tx1"/>
+                      </a:solidFill>
+                      <a:prstDash val="solid"/>
+                      <a:round/>
+                      <a:headEnd type="none" w="med" len="med"/>
+                      <a:tailEnd type="none" w="med" len="med"/>
+                    </a:lnL>
+                    <a:lnR w="12700" cap="flat" cmpd="sng" algn="ctr">
+                      <a:solidFill>
+                        <a:schemeClr val="tx1"/>
+                      </a:solidFill>
+                      <a:prstDash val="solid"/>
+                      <a:round/>
+                      <a:headEnd type="none" w="med" len="med"/>
+                      <a:tailEnd type="none" w="med" len="med"/>
+                    </a:lnR>
+                    <a:lnT w="12700" cap="flat" cmpd="sng" algn="ctr">
+                      <a:solidFill>
+                        <a:schemeClr val="tx1"/>
+                      </a:solidFill>
+                      <a:prstDash val="solid"/>
+                      <a:round/>
+                      <a:headEnd type="none" w="med" len="med"/>
+                      <a:tailEnd type="none" w="med" len="med"/>
+                    </a:lnT>
+                    <a:lnB w="12700" cap="flat" cmpd="sng" algn="ctr">
+                      <a:solidFill>
+                        <a:schemeClr val="tx1"/>
+                      </a:solidFill>
+                      <a:prstDash val="solid"/>
+                      <a:round/>
+                      <a:headEnd type="none" w="med" len="med"/>
+                      <a:tailEnd type="none" w="med" len="med"/>
+                    </a:lnB>
+                    <a:lnTlToBr w="12700" cmpd="sng">
+                      <a:noFill/>
+                      <a:prstDash val="solid"/>
+                    </a:lnTlToBr>
+                    <a:lnBlToTr w="12700" cmpd="sng">
+                      <a:noFill/>
+                      <a:prstDash val="solid"/>
+                    </a:lnBlToTr>
+                    <a:noFill/>
+                  </a:tcPr>
+                </a:tc>
+                <a:extLst>
+                  <a:ext uri="{0D108BD9-81ED-4DB2-BD59-A6C34878D82A}">
+                    <a16:rowId xmlns:a16="http://schemas.microsoft.com/office/drawing/2014/main" val="2531191713"/>
+                  </a:ext>
+                </a:extLst>
+              </a:tr>
+              <a:tr h="198120">
+                <a:tc>
+                  <a:txBody>
+                    <a:bodyPr/>
+                    <a:lstStyle/>
+                    <a:p>
+                      <a:pPr algn="l" fontAlgn="b"/>
+                      <a:r>
+                        <a:rPr lang="en-SG" sz="1200" u="none" strike="noStrike" dirty="0">
+                          <a:effectLst/>
+                        </a:rPr>
+                        <a:t>Botanist</a:t>
+                      </a:r>
+                      <a:endParaRPr lang="en-SG" sz="1200" b="0" i="0" u="none" strike="noStrike" dirty="0">
+                        <a:solidFill>
+                          <a:srgbClr val="000000"/>
+                        </a:solidFill>
+                        <a:effectLst/>
+                        <a:latin typeface="Calibri" panose="020F0502020204030204" pitchFamily="34" charset="0"/>
+                      </a:endParaRPr>
+                    </a:p>
+                  </a:txBody>
+                  <a:tcPr marL="7620" marR="7620" marT="7620" marB="0" anchor="b">
+                    <a:lnL w="12700" cap="flat" cmpd="sng" algn="ctr">
+                      <a:solidFill>
+                        <a:schemeClr val="tx1"/>
+                      </a:solidFill>
+                      <a:prstDash val="solid"/>
+                      <a:round/>
+                      <a:headEnd type="none" w="med" len="med"/>
+                      <a:tailEnd type="none" w="med" len="med"/>
+                    </a:lnL>
+                    <a:lnR w="12700" cap="flat" cmpd="sng" algn="ctr">
+                      <a:solidFill>
+                        <a:schemeClr val="tx1"/>
+                      </a:solidFill>
+                      <a:prstDash val="solid"/>
+                      <a:round/>
+                      <a:headEnd type="none" w="med" len="med"/>
+                      <a:tailEnd type="none" w="med" len="med"/>
+                    </a:lnR>
+                    <a:lnT w="12700" cap="flat" cmpd="sng" algn="ctr">
+                      <a:solidFill>
+                        <a:schemeClr val="tx1"/>
+                      </a:solidFill>
+                      <a:prstDash val="solid"/>
+                      <a:round/>
+                      <a:headEnd type="none" w="med" len="med"/>
+                      <a:tailEnd type="none" w="med" len="med"/>
+                    </a:lnT>
+                    <a:lnB w="12700" cap="flat" cmpd="sng" algn="ctr">
+                      <a:solidFill>
+                        <a:schemeClr val="tx1"/>
+                      </a:solidFill>
+                      <a:prstDash val="solid"/>
+                      <a:round/>
+                      <a:headEnd type="none" w="med" len="med"/>
+                      <a:tailEnd type="none" w="med" len="med"/>
+                    </a:lnB>
+                    <a:lnTlToBr w="12700" cmpd="sng">
+                      <a:noFill/>
+                      <a:prstDash val="solid"/>
+                    </a:lnTlToBr>
+                    <a:lnBlToTr w="12700" cmpd="sng">
+                      <a:noFill/>
+                      <a:prstDash val="solid"/>
+                    </a:lnBlToTr>
+                    <a:noFill/>
+                  </a:tcPr>
+                </a:tc>
+                <a:tc rowSpan="3">
+                  <a:txBody>
+                    <a:bodyPr/>
+                    <a:lstStyle/>
+                    <a:p>
+                      <a:pPr algn="ctr" fontAlgn="ctr"/>
+                      <a:r>
+                        <a:rPr lang="en-US" sz="1200" u="none" strike="noStrike" dirty="0">
+                          <a:effectLst/>
+                        </a:rPr>
+                        <a:t>To be discussed further subject to scope</a:t>
+                      </a:r>
+                      <a:endParaRPr lang="en-US" sz="1200" b="0" i="0" u="none" strike="noStrike" dirty="0">
+                        <a:solidFill>
+                          <a:srgbClr val="000000"/>
+                        </a:solidFill>
+                        <a:effectLst/>
+                        <a:latin typeface="Calibri" panose="020F0502020204030204" pitchFamily="34" charset="0"/>
+                      </a:endParaRPr>
+                    </a:p>
+                  </a:txBody>
+                  <a:tcPr marL="7620" marR="7620" marT="7620" marB="0" anchor="ctr">
+                    <a:lnL w="12700" cap="flat" cmpd="sng" algn="ctr">
+                      <a:solidFill>
+                        <a:schemeClr val="tx1"/>
+                      </a:solidFill>
+                      <a:prstDash val="solid"/>
+                      <a:round/>
+                      <a:headEnd type="none" w="med" len="med"/>
+                      <a:tailEnd type="none" w="med" len="med"/>
+                    </a:lnL>
+                    <a:lnR w="12700" cap="flat" cmpd="sng" algn="ctr">
+                      <a:solidFill>
+                        <a:schemeClr val="tx1"/>
+                      </a:solidFill>
+                      <a:prstDash val="solid"/>
+                      <a:round/>
+                      <a:headEnd type="none" w="med" len="med"/>
+                      <a:tailEnd type="none" w="med" len="med"/>
+                    </a:lnR>
+                    <a:lnT w="12700" cap="flat" cmpd="sng" algn="ctr">
+                      <a:solidFill>
+                        <a:schemeClr val="tx1"/>
+                      </a:solidFill>
+                      <a:prstDash val="solid"/>
+                      <a:round/>
+                      <a:headEnd type="none" w="med" len="med"/>
+                      <a:tailEnd type="none" w="med" len="med"/>
+                    </a:lnT>
+                    <a:lnB w="12700" cap="flat" cmpd="sng" algn="ctr">
+                      <a:solidFill>
+                        <a:schemeClr val="tx1"/>
+                      </a:solidFill>
+                      <a:prstDash val="solid"/>
+                      <a:round/>
+                      <a:headEnd type="none" w="med" len="med"/>
+                      <a:tailEnd type="none" w="med" len="med"/>
+                    </a:lnB>
+                    <a:lnTlToBr w="12700" cmpd="sng">
+                      <a:noFill/>
+                      <a:prstDash val="solid"/>
+                    </a:lnTlToBr>
+                    <a:lnBlToTr w="12700" cmpd="sng">
+                      <a:noFill/>
+                      <a:prstDash val="solid"/>
+                    </a:lnBlToTr>
+                    <a:noFill/>
+                  </a:tcPr>
+                </a:tc>
+                <a:extLst>
+                  <a:ext uri="{0D108BD9-81ED-4DB2-BD59-A6C34878D82A}">
+                    <a16:rowId xmlns:a16="http://schemas.microsoft.com/office/drawing/2014/main" val="3448000906"/>
+                  </a:ext>
+                </a:extLst>
+              </a:tr>
+              <a:tr h="198120">
+                <a:tc>
+                  <a:txBody>
+                    <a:bodyPr/>
+                    <a:lstStyle/>
+                    <a:p>
+                      <a:pPr algn="l" fontAlgn="b"/>
+                      <a:r>
+                        <a:rPr lang="en-US" sz="1200" u="none" strike="noStrike" dirty="0">
+                          <a:effectLst/>
+                        </a:rPr>
+                        <a:t>Maintenance and Updates to Dashboard</a:t>
+                      </a:r>
+                      <a:endParaRPr lang="en-US" sz="1200" b="0" i="0" u="none" strike="noStrike" dirty="0">
+                        <a:solidFill>
+                          <a:srgbClr val="000000"/>
+                        </a:solidFill>
+                        <a:effectLst/>
+                        <a:latin typeface="Calibri" panose="020F0502020204030204" pitchFamily="34" charset="0"/>
+                      </a:endParaRPr>
+                    </a:p>
+                  </a:txBody>
+                  <a:tcPr marL="7620" marR="7620" marT="7620" marB="0" anchor="b">
+                    <a:lnL w="12700" cap="flat" cmpd="sng" algn="ctr">
+                      <a:solidFill>
+                        <a:schemeClr val="tx1"/>
+                      </a:solidFill>
+                      <a:prstDash val="solid"/>
+                      <a:round/>
+                      <a:headEnd type="none" w="med" len="med"/>
+                      <a:tailEnd type="none" w="med" len="med"/>
+                    </a:lnL>
+                    <a:lnR w="12700" cap="flat" cmpd="sng" algn="ctr">
+                      <a:solidFill>
+                        <a:schemeClr val="tx1"/>
+                      </a:solidFill>
+                      <a:prstDash val="solid"/>
+                      <a:round/>
+                      <a:headEnd type="none" w="med" len="med"/>
+                      <a:tailEnd type="none" w="med" len="med"/>
+                    </a:lnR>
+                    <a:lnT w="12700" cap="flat" cmpd="sng" algn="ctr">
+                      <a:solidFill>
+                        <a:schemeClr val="tx1"/>
+                      </a:solidFill>
+                      <a:prstDash val="solid"/>
+                      <a:round/>
+                      <a:headEnd type="none" w="med" len="med"/>
+                      <a:tailEnd type="none" w="med" len="med"/>
+                    </a:lnT>
+                    <a:lnB w="12700" cap="flat" cmpd="sng" algn="ctr">
+                      <a:solidFill>
+                        <a:schemeClr val="tx1"/>
+                      </a:solidFill>
+                      <a:prstDash val="solid"/>
+                      <a:round/>
+                      <a:headEnd type="none" w="med" len="med"/>
+                      <a:tailEnd type="none" w="med" len="med"/>
+                    </a:lnB>
+                    <a:lnTlToBr w="12700" cmpd="sng">
+                      <a:noFill/>
+                      <a:prstDash val="solid"/>
+                    </a:lnTlToBr>
+                    <a:lnBlToTr w="12700" cmpd="sng">
+                      <a:noFill/>
+                      <a:prstDash val="solid"/>
+                    </a:lnBlToTr>
+                    <a:noFill/>
+                  </a:tcPr>
+                </a:tc>
+                <a:tc vMerge="1">
+                  <a:txBody>
+                    <a:bodyPr/>
+                    <a:lstStyle/>
+                    <a:p>
+                      <a:endParaRPr lang="en-SG"/>
+                    </a:p>
+                  </a:txBody>
+                  <a:tcPr/>
+                </a:tc>
+                <a:extLst>
+                  <a:ext uri="{0D108BD9-81ED-4DB2-BD59-A6C34878D82A}">
+                    <a16:rowId xmlns:a16="http://schemas.microsoft.com/office/drawing/2014/main" val="454990743"/>
+                  </a:ext>
+                </a:extLst>
+              </a:tr>
+              <a:tr h="198120">
+                <a:tc>
+                  <a:txBody>
+                    <a:bodyPr/>
+                    <a:lstStyle/>
+                    <a:p>
+                      <a:pPr algn="l" fontAlgn="b"/>
+                      <a:r>
+                        <a:rPr lang="en-SG" sz="1200" u="none" strike="noStrike" dirty="0">
+                          <a:effectLst/>
+                        </a:rPr>
+                        <a:t>Prediction and Modelling</a:t>
+                      </a:r>
+                      <a:endParaRPr lang="en-SG" sz="1200" b="0" i="0" u="none" strike="noStrike" dirty="0">
+                        <a:solidFill>
+                          <a:srgbClr val="000000"/>
+                        </a:solidFill>
+                        <a:effectLst/>
+                        <a:latin typeface="Calibri" panose="020F0502020204030204" pitchFamily="34" charset="0"/>
+                      </a:endParaRPr>
+                    </a:p>
+                  </a:txBody>
+                  <a:tcPr marL="7620" marR="7620" marT="7620" marB="0" anchor="b">
+                    <a:lnL w="12700" cap="flat" cmpd="sng" algn="ctr">
+                      <a:solidFill>
+                        <a:schemeClr val="tx1"/>
+                      </a:solidFill>
+                      <a:prstDash val="solid"/>
+                      <a:round/>
+                      <a:headEnd type="none" w="med" len="med"/>
+                      <a:tailEnd type="none" w="med" len="med"/>
+                    </a:lnL>
+                    <a:lnR w="12700" cap="flat" cmpd="sng" algn="ctr">
+                      <a:solidFill>
+                        <a:schemeClr val="tx1"/>
+                      </a:solidFill>
+                      <a:prstDash val="solid"/>
+                      <a:round/>
+                      <a:headEnd type="none" w="med" len="med"/>
+                      <a:tailEnd type="none" w="med" len="med"/>
+                    </a:lnR>
+                    <a:lnT w="12700" cap="flat" cmpd="sng" algn="ctr">
+                      <a:solidFill>
+                        <a:schemeClr val="tx1"/>
+                      </a:solidFill>
+                      <a:prstDash val="solid"/>
+                      <a:round/>
+                      <a:headEnd type="none" w="med" len="med"/>
+                      <a:tailEnd type="none" w="med" len="med"/>
+                    </a:lnT>
+                    <a:lnB w="12700" cap="flat" cmpd="sng" algn="ctr">
+                      <a:solidFill>
+                        <a:schemeClr val="tx1"/>
+                      </a:solidFill>
+                      <a:prstDash val="solid"/>
+                      <a:round/>
+                      <a:headEnd type="none" w="med" len="med"/>
+                      <a:tailEnd type="none" w="med" len="med"/>
+                    </a:lnB>
+                    <a:lnTlToBr w="12700" cmpd="sng">
+                      <a:noFill/>
+                      <a:prstDash val="solid"/>
+                    </a:lnTlToBr>
+                    <a:lnBlToTr w="12700" cmpd="sng">
+                      <a:noFill/>
+                      <a:prstDash val="solid"/>
+                    </a:lnBlToTr>
+                    <a:noFill/>
+                  </a:tcPr>
+                </a:tc>
+                <a:tc vMerge="1">
+                  <a:txBody>
+                    <a:bodyPr/>
+                    <a:lstStyle/>
+                    <a:p>
+                      <a:endParaRPr lang="en-SG"/>
+                    </a:p>
+                  </a:txBody>
+                  <a:tcPr/>
+                </a:tc>
+                <a:extLst>
+                  <a:ext uri="{0D108BD9-81ED-4DB2-BD59-A6C34878D82A}">
+                    <a16:rowId xmlns:a16="http://schemas.microsoft.com/office/drawing/2014/main" val="1733009500"/>
+                  </a:ext>
+                </a:extLst>
+              </a:tr>
+            </a:tbl>
+          </a:graphicData>
+        </a:graphic>
+      </p:graphicFrame>
+    </p:spTree>
+    <p:extLst>
+      <p:ext uri="{BB962C8B-B14F-4D97-AF65-F5344CB8AC3E}">
+        <p14:creationId xmlns:p14="http://schemas.microsoft.com/office/powerpoint/2010/main" val="2565566490"/>
+      </p:ext>
+    </p:extLst>
+  </p:cSld>
+  <p:clrMapOvr>
+    <a:masterClrMapping/>
+  </p:clrMapOvr>
+</p:sld>
+</file>
+
 <file path=ppt/theme/theme1.xml><?xml version="1.0" encoding="utf-8"?>
 <a:theme xmlns:a="http://schemas.openxmlformats.org/drawingml/2006/main" name="Office Theme">
   <a:themeElements>

--- a/Images/Remote Sensing Slides (for editing graphics).pptx
+++ b/Images/Remote Sensing Slides (for editing graphics).pptx
@@ -7195,10 +7195,344 @@
       </p:sp>
       <p:grpSp>
         <p:nvGrpSpPr>
-          <p:cNvPr id="37" name="Group 36">
+          <p:cNvPr id="35" name="Group 34">
             <a:extLst>
               <a:ext uri="{FF2B5EF4-FFF2-40B4-BE49-F238E27FC236}">
-                <a16:creationId xmlns:a16="http://schemas.microsoft.com/office/drawing/2014/main" id="{E2C9CC32-F80D-B347-FA61-D5B33901A082}"/>
+                <a16:creationId xmlns:a16="http://schemas.microsoft.com/office/drawing/2014/main" id="{4D43B19E-A745-97B7-E527-5F1CEDD3CB59}"/>
+              </a:ext>
+            </a:extLst>
+          </p:cNvPr>
+          <p:cNvGrpSpPr/>
+          <p:nvPr/>
+        </p:nvGrpSpPr>
+        <p:grpSpPr>
+          <a:xfrm>
+            <a:off x="309245" y="4153658"/>
+            <a:ext cx="4382133" cy="1785324"/>
+            <a:chOff x="309245" y="4153658"/>
+            <a:chExt cx="4382133" cy="1785324"/>
+          </a:xfrm>
+        </p:grpSpPr>
+        <p:sp>
+          <p:nvSpPr>
+            <p:cNvPr id="13" name="TextBox 12">
+              <a:extLst>
+                <a:ext uri="{FF2B5EF4-FFF2-40B4-BE49-F238E27FC236}">
+                  <a16:creationId xmlns:a16="http://schemas.microsoft.com/office/drawing/2014/main" id="{5486A5A6-8BF6-386D-EC05-4075D5AD95AC}"/>
+                </a:ext>
+              </a:extLst>
+            </p:cNvPr>
+            <p:cNvSpPr txBox="1"/>
+            <p:nvPr/>
+          </p:nvSpPr>
+          <p:spPr>
+            <a:xfrm>
+              <a:off x="309245" y="4153658"/>
+              <a:ext cx="4382133" cy="369332"/>
+            </a:xfrm>
+            <a:prstGeom prst="rect">
+              <a:avLst/>
+            </a:prstGeom>
+            <a:noFill/>
+          </p:spPr>
+          <p:txBody>
+            <a:bodyPr wrap="square">
+              <a:spAutoFit/>
+            </a:bodyPr>
+            <a:lstStyle/>
+            <a:p>
+              <a:pPr rtl="0">
+                <a:spcBef>
+                  <a:spcPts val="0"/>
+                </a:spcBef>
+                <a:spcAft>
+                  <a:spcPts val="0"/>
+                </a:spcAft>
+              </a:pPr>
+              <a:r>
+                <a:rPr lang="en-SG" sz="1800" b="1" i="0" u="none" strike="noStrike" dirty="0">
+                  <a:solidFill>
+                    <a:srgbClr val="000000"/>
+                  </a:solidFill>
+                  <a:effectLst/>
+                  <a:latin typeface="Arial" panose="020B0604020202020204" pitchFamily="34" charset="0"/>
+                </a:rPr>
+                <a:t>Workflow A2: Risk Identification</a:t>
+              </a:r>
+              <a:endParaRPr lang="en-SG" b="0" dirty="0">
+                <a:effectLst/>
+              </a:endParaRPr>
+            </a:p>
+          </p:txBody>
+        </p:sp>
+        <p:pic>
+          <p:nvPicPr>
+            <p:cNvPr id="1082" name="Picture 58">
+              <a:extLst>
+                <a:ext uri="{FF2B5EF4-FFF2-40B4-BE49-F238E27FC236}">
+                  <a16:creationId xmlns:a16="http://schemas.microsoft.com/office/drawing/2014/main" id="{FACE06CD-0295-624B-2691-9E5FCF73AD73}"/>
+                </a:ext>
+              </a:extLst>
+            </p:cNvPr>
+            <p:cNvPicPr>
+              <a:picLocks noChangeAspect="1" noChangeArrowheads="1"/>
+            </p:cNvPicPr>
+            <p:nvPr/>
+          </p:nvPicPr>
+          <p:blipFill>
+            <a:blip r:embed="rId2">
+              <a:extLst>
+                <a:ext uri="{28A0092B-C50C-407E-A947-70E740481C1C}">
+                  <a14:useLocalDpi xmlns:a14="http://schemas.microsoft.com/office/drawing/2010/main" val="0"/>
+                </a:ext>
+              </a:extLst>
+            </a:blip>
+            <a:srcRect/>
+            <a:stretch>
+              <a:fillRect/>
+            </a:stretch>
+          </p:blipFill>
+          <p:spPr bwMode="auto">
+            <a:xfrm>
+              <a:off x="332510" y="4555857"/>
+              <a:ext cx="1358438" cy="1358438"/>
+            </a:xfrm>
+            <a:prstGeom prst="rect">
+              <a:avLst/>
+            </a:prstGeom>
+            <a:noFill/>
+            <a:extLst>
+              <a:ext uri="{909E8E84-426E-40DD-AFC4-6F175D3DCCD1}">
+                <a14:hiddenFill xmlns:a14="http://schemas.microsoft.com/office/drawing/2010/main">
+                  <a:solidFill>
+                    <a:srgbClr val="FFFFFF"/>
+                  </a:solidFill>
+                </a14:hiddenFill>
+              </a:ext>
+            </a:extLst>
+          </p:spPr>
+        </p:pic>
+        <p:pic>
+          <p:nvPicPr>
+            <p:cNvPr id="1084" name="Picture 60">
+              <a:extLst>
+                <a:ext uri="{FF2B5EF4-FFF2-40B4-BE49-F238E27FC236}">
+                  <a16:creationId xmlns:a16="http://schemas.microsoft.com/office/drawing/2014/main" id="{E53C0A95-82D8-AD90-CD88-0E1A8D9A30F5}"/>
+                </a:ext>
+              </a:extLst>
+            </p:cNvPr>
+            <p:cNvPicPr>
+              <a:picLocks noChangeAspect="1" noChangeArrowheads="1"/>
+            </p:cNvPicPr>
+            <p:nvPr/>
+          </p:nvPicPr>
+          <p:blipFill>
+            <a:blip r:embed="rId3">
+              <a:extLst>
+                <a:ext uri="{28A0092B-C50C-407E-A947-70E740481C1C}">
+                  <a14:useLocalDpi xmlns:a14="http://schemas.microsoft.com/office/drawing/2010/main" val="0"/>
+                </a:ext>
+              </a:extLst>
+            </a:blip>
+            <a:srcRect/>
+            <a:stretch>
+              <a:fillRect/>
+            </a:stretch>
+          </p:blipFill>
+          <p:spPr bwMode="auto">
+            <a:xfrm>
+              <a:off x="1656615" y="4580543"/>
+              <a:ext cx="1358439" cy="1358439"/>
+            </a:xfrm>
+            <a:prstGeom prst="rect">
+              <a:avLst/>
+            </a:prstGeom>
+            <a:noFill/>
+            <a:extLst>
+              <a:ext uri="{909E8E84-426E-40DD-AFC4-6F175D3DCCD1}">
+                <a14:hiddenFill xmlns:a14="http://schemas.microsoft.com/office/drawing/2010/main">
+                  <a:solidFill>
+                    <a:srgbClr val="FFFFFF"/>
+                  </a:solidFill>
+                </a14:hiddenFill>
+              </a:ext>
+            </a:extLst>
+          </p:spPr>
+        </p:pic>
+        <p:pic>
+          <p:nvPicPr>
+            <p:cNvPr id="1086" name="Picture 62">
+              <a:extLst>
+                <a:ext uri="{FF2B5EF4-FFF2-40B4-BE49-F238E27FC236}">
+                  <a16:creationId xmlns:a16="http://schemas.microsoft.com/office/drawing/2014/main" id="{045762A9-852F-2C1C-3936-5ACEC8171CEB}"/>
+                </a:ext>
+              </a:extLst>
+            </p:cNvPr>
+            <p:cNvPicPr>
+              <a:picLocks noChangeAspect="1" noChangeArrowheads="1"/>
+            </p:cNvPicPr>
+            <p:nvPr/>
+          </p:nvPicPr>
+          <p:blipFill>
+            <a:blip r:embed="rId4">
+              <a:extLst>
+                <a:ext uri="{28A0092B-C50C-407E-A947-70E740481C1C}">
+                  <a14:useLocalDpi xmlns:a14="http://schemas.microsoft.com/office/drawing/2010/main" val="0"/>
+                </a:ext>
+              </a:extLst>
+            </a:blip>
+            <a:srcRect/>
+            <a:stretch>
+              <a:fillRect/>
+            </a:stretch>
+          </p:blipFill>
+          <p:spPr bwMode="auto">
+            <a:xfrm>
+              <a:off x="2903312" y="4512787"/>
+              <a:ext cx="1358437" cy="1358437"/>
+            </a:xfrm>
+            <a:prstGeom prst="rect">
+              <a:avLst/>
+            </a:prstGeom>
+            <a:noFill/>
+            <a:extLst>
+              <a:ext uri="{909E8E84-426E-40DD-AFC4-6F175D3DCCD1}">
+                <a14:hiddenFill xmlns:a14="http://schemas.microsoft.com/office/drawing/2010/main">
+                  <a:solidFill>
+                    <a:srgbClr val="FFFFFF"/>
+                  </a:solidFill>
+                </a14:hiddenFill>
+              </a:ext>
+            </a:extLst>
+          </p:spPr>
+        </p:pic>
+      </p:grpSp>
+      <p:grpSp>
+        <p:nvGrpSpPr>
+          <p:cNvPr id="36" name="Group 35">
+            <a:extLst>
+              <a:ext uri="{FF2B5EF4-FFF2-40B4-BE49-F238E27FC236}">
+                <a16:creationId xmlns:a16="http://schemas.microsoft.com/office/drawing/2014/main" id="{707CA083-6570-4A35-8AF2-90D180B5743E}"/>
+              </a:ext>
+            </a:extLst>
+          </p:cNvPr>
+          <p:cNvGrpSpPr/>
+          <p:nvPr/>
+        </p:nvGrpSpPr>
+        <p:grpSpPr>
+          <a:xfrm>
+            <a:off x="6378634" y="4164397"/>
+            <a:ext cx="5162803" cy="1815635"/>
+            <a:chOff x="6378634" y="4164397"/>
+            <a:chExt cx="5162803" cy="1815635"/>
+          </a:xfrm>
+        </p:grpSpPr>
+        <p:sp>
+          <p:nvSpPr>
+            <p:cNvPr id="14" name="TextBox 13">
+              <a:extLst>
+                <a:ext uri="{FF2B5EF4-FFF2-40B4-BE49-F238E27FC236}">
+                  <a16:creationId xmlns:a16="http://schemas.microsoft.com/office/drawing/2014/main" id="{C3E8C399-4E49-88DA-E0BD-44F7BDFD4CD9}"/>
+                </a:ext>
+              </a:extLst>
+            </p:cNvPr>
+            <p:cNvSpPr txBox="1"/>
+            <p:nvPr/>
+          </p:nvSpPr>
+          <p:spPr>
+            <a:xfrm>
+              <a:off x="6378634" y="4164397"/>
+              <a:ext cx="5162803" cy="369332"/>
+            </a:xfrm>
+            <a:prstGeom prst="rect">
+              <a:avLst/>
+            </a:prstGeom>
+            <a:noFill/>
+          </p:spPr>
+          <p:txBody>
+            <a:bodyPr wrap="square">
+              <a:spAutoFit/>
+            </a:bodyPr>
+            <a:lstStyle/>
+            <a:p>
+              <a:pPr rtl="0">
+                <a:spcBef>
+                  <a:spcPts val="0"/>
+                </a:spcBef>
+                <a:spcAft>
+                  <a:spcPts val="0"/>
+                </a:spcAft>
+              </a:pPr>
+              <a:r>
+                <a:rPr lang="en-SG" sz="1800" b="1" i="0" u="none" strike="noStrike" dirty="0">
+                  <a:solidFill>
+                    <a:srgbClr val="000000"/>
+                  </a:solidFill>
+                  <a:effectLst/>
+                  <a:latin typeface="Arial" panose="020B0604020202020204" pitchFamily="34" charset="0"/>
+                </a:rPr>
+                <a:t>Workflow B: Tree Planting Site Identification</a:t>
+              </a:r>
+              <a:endParaRPr lang="en-SG" b="0" dirty="0">
+                <a:effectLst/>
+              </a:endParaRPr>
+            </a:p>
+          </p:txBody>
+        </p:sp>
+        <p:pic>
+          <p:nvPicPr>
+            <p:cNvPr id="1088" name="Picture 64">
+              <a:extLst>
+                <a:ext uri="{FF2B5EF4-FFF2-40B4-BE49-F238E27FC236}">
+                  <a16:creationId xmlns:a16="http://schemas.microsoft.com/office/drawing/2014/main" id="{C02AF3A5-B4C0-6A4C-5B53-E7F92C5D3684}"/>
+                </a:ext>
+              </a:extLst>
+            </p:cNvPr>
+            <p:cNvPicPr>
+              <a:picLocks noChangeAspect="1" noChangeArrowheads="1"/>
+            </p:cNvPicPr>
+            <p:nvPr/>
+          </p:nvPicPr>
+          <p:blipFill>
+            <a:blip r:embed="rId5">
+              <a:extLst>
+                <a:ext uri="{28A0092B-C50C-407E-A947-70E740481C1C}">
+                  <a14:useLocalDpi xmlns:a14="http://schemas.microsoft.com/office/drawing/2010/main" val="0"/>
+                </a:ext>
+              </a:extLst>
+            </a:blip>
+            <a:srcRect/>
+            <a:stretch>
+              <a:fillRect/>
+            </a:stretch>
+          </p:blipFill>
+          <p:spPr bwMode="auto">
+            <a:xfrm>
+              <a:off x="8215079" y="4490120"/>
+              <a:ext cx="1489912" cy="1489912"/>
+            </a:xfrm>
+            <a:prstGeom prst="rect">
+              <a:avLst/>
+            </a:prstGeom>
+            <a:noFill/>
+            <a:extLst>
+              <a:ext uri="{909E8E84-426E-40DD-AFC4-6F175D3DCCD1}">
+                <a14:hiddenFill xmlns:a14="http://schemas.microsoft.com/office/drawing/2010/main">
+                  <a:solidFill>
+                    <a:srgbClr val="FFFFFF"/>
+                  </a:solidFill>
+                </a14:hiddenFill>
+              </a:ext>
+            </a:extLst>
+          </p:spPr>
+        </p:pic>
+      </p:grpSp>
+      <p:grpSp>
+        <p:nvGrpSpPr>
+          <p:cNvPr id="34" name="Group 33">
+            <a:extLst>
+              <a:ext uri="{FF2B5EF4-FFF2-40B4-BE49-F238E27FC236}">
+                <a16:creationId xmlns:a16="http://schemas.microsoft.com/office/drawing/2014/main" id="{9A6D6886-7BC3-B8F7-5E2C-5E418BD1D6E0}"/>
               </a:ext>
             </a:extLst>
           </p:cNvPr>
@@ -7208,1120 +7542,765 @@
         <p:grpSpPr>
           <a:xfrm>
             <a:off x="197681" y="1441823"/>
-            <a:ext cx="11620448" cy="4557260"/>
+            <a:ext cx="11551212" cy="2674833"/>
             <a:chOff x="197681" y="1441823"/>
-            <a:chExt cx="11620448" cy="4557260"/>
+            <a:chExt cx="11551212" cy="2674833"/>
           </a:xfrm>
         </p:grpSpPr>
-        <p:grpSp>
-          <p:nvGrpSpPr>
-            <p:cNvPr id="35" name="Group 34">
+        <p:sp>
+          <p:nvSpPr>
+            <p:cNvPr id="12" name="TextBox 11">
               <a:extLst>
                 <a:ext uri="{FF2B5EF4-FFF2-40B4-BE49-F238E27FC236}">
-                  <a16:creationId xmlns:a16="http://schemas.microsoft.com/office/drawing/2014/main" id="{4D43B19E-A745-97B7-E527-5F1CEDD3CB59}"/>
+                  <a16:creationId xmlns:a16="http://schemas.microsoft.com/office/drawing/2014/main" id="{CDD130BE-4910-7069-0F90-2059350B8BC5}"/>
                 </a:ext>
               </a:extLst>
             </p:cNvPr>
-            <p:cNvGrpSpPr/>
+            <p:cNvSpPr txBox="1"/>
             <p:nvPr/>
-          </p:nvGrpSpPr>
-          <p:grpSpPr>
+          </p:nvSpPr>
+          <p:spPr>
             <a:xfrm>
-              <a:off x="309246" y="4161838"/>
-              <a:ext cx="4382133" cy="1777144"/>
-              <a:chOff x="309246" y="4161838"/>
-              <a:chExt cx="4382133" cy="1777144"/>
+              <a:off x="309247" y="1441823"/>
+              <a:ext cx="5444419" cy="369332"/>
             </a:xfrm>
-          </p:grpSpPr>
-          <p:sp>
-            <p:nvSpPr>
-              <p:cNvPr id="13" name="TextBox 12">
-                <a:extLst>
-                  <a:ext uri="{FF2B5EF4-FFF2-40B4-BE49-F238E27FC236}">
-                    <a16:creationId xmlns:a16="http://schemas.microsoft.com/office/drawing/2014/main" id="{5486A5A6-8BF6-386D-EC05-4075D5AD95AC}"/>
-                  </a:ext>
-                </a:extLst>
-              </p:cNvPr>
-              <p:cNvSpPr txBox="1"/>
-              <p:nvPr/>
-            </p:nvSpPr>
-            <p:spPr>
-              <a:xfrm>
-                <a:off x="309246" y="4161838"/>
-                <a:ext cx="4382133" cy="369332"/>
-              </a:xfrm>
-              <a:prstGeom prst="rect">
-                <a:avLst/>
-              </a:prstGeom>
-              <a:noFill/>
-            </p:spPr>
-            <p:txBody>
-              <a:bodyPr wrap="square">
-                <a:spAutoFit/>
-              </a:bodyPr>
-              <a:lstStyle/>
-              <a:p>
-                <a:pPr rtl="0">
-                  <a:spcBef>
-                    <a:spcPts val="0"/>
-                  </a:spcBef>
-                  <a:spcAft>
-                    <a:spcPts val="0"/>
-                  </a:spcAft>
-                </a:pPr>
-                <a:r>
-                  <a:rPr lang="en-SG" sz="1800" b="1" i="0" u="none" strike="noStrike" dirty="0">
-                    <a:solidFill>
-                      <a:srgbClr val="000000"/>
-                    </a:solidFill>
-                    <a:effectLst/>
-                    <a:latin typeface="Arial" panose="020B0604020202020204" pitchFamily="34" charset="0"/>
-                  </a:rPr>
-                  <a:t>Phase 1b: Identify at risk areas</a:t>
-                </a:r>
-                <a:endParaRPr lang="en-SG" b="0" dirty="0">
+            <a:prstGeom prst="rect">
+              <a:avLst/>
+            </a:prstGeom>
+            <a:noFill/>
+          </p:spPr>
+          <p:txBody>
+            <a:bodyPr wrap="square">
+              <a:spAutoFit/>
+            </a:bodyPr>
+            <a:lstStyle/>
+            <a:p>
+              <a:pPr rtl="0">
+                <a:spcBef>
+                  <a:spcPts val="0"/>
+                </a:spcBef>
+                <a:spcAft>
+                  <a:spcPts val="0"/>
+                </a:spcAft>
+              </a:pPr>
+              <a:r>
+                <a:rPr lang="en-SG" sz="1800" b="1" i="0" u="none" strike="noStrike" dirty="0">
+                  <a:solidFill>
+                    <a:srgbClr val="000000"/>
+                  </a:solidFill>
                   <a:effectLst/>
-                </a:endParaRPr>
-              </a:p>
-            </p:txBody>
-          </p:sp>
-          <p:pic>
-            <p:nvPicPr>
-              <p:cNvPr id="1082" name="Picture 58">
-                <a:extLst>
-                  <a:ext uri="{FF2B5EF4-FFF2-40B4-BE49-F238E27FC236}">
-                    <a16:creationId xmlns:a16="http://schemas.microsoft.com/office/drawing/2014/main" id="{FACE06CD-0295-624B-2691-9E5FCF73AD73}"/>
-                  </a:ext>
-                </a:extLst>
-              </p:cNvPr>
-              <p:cNvPicPr>
-                <a:picLocks noChangeAspect="1" noChangeArrowheads="1"/>
-              </p:cNvPicPr>
-              <p:nvPr/>
-            </p:nvPicPr>
-            <p:blipFill>
-              <a:blip r:embed="rId2">
-                <a:extLst>
-                  <a:ext uri="{28A0092B-C50C-407E-A947-70E740481C1C}">
-                    <a14:useLocalDpi xmlns:a14="http://schemas.microsoft.com/office/drawing/2010/main" val="0"/>
-                  </a:ext>
-                </a:extLst>
-              </a:blip>
-              <a:srcRect/>
-              <a:stretch>
-                <a:fillRect/>
-              </a:stretch>
-            </p:blipFill>
-            <p:spPr bwMode="auto">
-              <a:xfrm>
-                <a:off x="332510" y="4555857"/>
-                <a:ext cx="1358438" cy="1358438"/>
-              </a:xfrm>
-              <a:prstGeom prst="rect">
-                <a:avLst/>
-              </a:prstGeom>
-              <a:noFill/>
-              <a:extLst>
-                <a:ext uri="{909E8E84-426E-40DD-AFC4-6F175D3DCCD1}">
-                  <a14:hiddenFill xmlns:a14="http://schemas.microsoft.com/office/drawing/2010/main">
-                    <a:solidFill>
-                      <a:srgbClr val="FFFFFF"/>
-                    </a:solidFill>
-                  </a14:hiddenFill>
-                </a:ext>
-              </a:extLst>
-            </p:spPr>
-          </p:pic>
-          <p:pic>
-            <p:nvPicPr>
-              <p:cNvPr id="1084" name="Picture 60">
-                <a:extLst>
-                  <a:ext uri="{FF2B5EF4-FFF2-40B4-BE49-F238E27FC236}">
-                    <a16:creationId xmlns:a16="http://schemas.microsoft.com/office/drawing/2014/main" id="{E53C0A95-82D8-AD90-CD88-0E1A8D9A30F5}"/>
-                  </a:ext>
-                </a:extLst>
-              </p:cNvPr>
-              <p:cNvPicPr>
-                <a:picLocks noChangeAspect="1" noChangeArrowheads="1"/>
-              </p:cNvPicPr>
-              <p:nvPr/>
-            </p:nvPicPr>
-            <p:blipFill>
-              <a:blip r:embed="rId3">
-                <a:extLst>
-                  <a:ext uri="{28A0092B-C50C-407E-A947-70E740481C1C}">
-                    <a14:useLocalDpi xmlns:a14="http://schemas.microsoft.com/office/drawing/2010/main" val="0"/>
-                  </a:ext>
-                </a:extLst>
-              </a:blip>
-              <a:srcRect/>
-              <a:stretch>
-                <a:fillRect/>
-              </a:stretch>
-            </p:blipFill>
-            <p:spPr bwMode="auto">
-              <a:xfrm>
-                <a:off x="1656615" y="4580543"/>
-                <a:ext cx="1358439" cy="1358439"/>
-              </a:xfrm>
-              <a:prstGeom prst="rect">
-                <a:avLst/>
-              </a:prstGeom>
-              <a:noFill/>
-              <a:extLst>
-                <a:ext uri="{909E8E84-426E-40DD-AFC4-6F175D3DCCD1}">
-                  <a14:hiddenFill xmlns:a14="http://schemas.microsoft.com/office/drawing/2010/main">
-                    <a:solidFill>
-                      <a:srgbClr val="FFFFFF"/>
-                    </a:solidFill>
-                  </a14:hiddenFill>
-                </a:ext>
-              </a:extLst>
-            </p:spPr>
-          </p:pic>
-          <p:pic>
-            <p:nvPicPr>
-              <p:cNvPr id="1086" name="Picture 62">
-                <a:extLst>
-                  <a:ext uri="{FF2B5EF4-FFF2-40B4-BE49-F238E27FC236}">
-                    <a16:creationId xmlns:a16="http://schemas.microsoft.com/office/drawing/2014/main" id="{045762A9-852F-2C1C-3936-5ACEC8171CEB}"/>
-                  </a:ext>
-                </a:extLst>
-              </p:cNvPr>
-              <p:cNvPicPr>
-                <a:picLocks noChangeAspect="1" noChangeArrowheads="1"/>
-              </p:cNvPicPr>
-              <p:nvPr/>
-            </p:nvPicPr>
-            <p:blipFill>
-              <a:blip r:embed="rId4">
-                <a:extLst>
-                  <a:ext uri="{28A0092B-C50C-407E-A947-70E740481C1C}">
-                    <a14:useLocalDpi xmlns:a14="http://schemas.microsoft.com/office/drawing/2010/main" val="0"/>
-                  </a:ext>
-                </a:extLst>
-              </a:blip>
-              <a:srcRect/>
-              <a:stretch>
-                <a:fillRect/>
-              </a:stretch>
-            </p:blipFill>
-            <p:spPr bwMode="auto">
-              <a:xfrm>
-                <a:off x="2903312" y="4512787"/>
-                <a:ext cx="1358437" cy="1358437"/>
-              </a:xfrm>
-              <a:prstGeom prst="rect">
-                <a:avLst/>
-              </a:prstGeom>
-              <a:noFill/>
-              <a:extLst>
-                <a:ext uri="{909E8E84-426E-40DD-AFC4-6F175D3DCCD1}">
-                  <a14:hiddenFill xmlns:a14="http://schemas.microsoft.com/office/drawing/2010/main">
-                    <a:solidFill>
-                      <a:srgbClr val="FFFFFF"/>
-                    </a:solidFill>
-                  </a14:hiddenFill>
-                </a:ext>
-              </a:extLst>
-            </p:spPr>
-          </p:pic>
-        </p:grpSp>
-        <p:grpSp>
-          <p:nvGrpSpPr>
-            <p:cNvPr id="36" name="Group 35">
+                  <a:latin typeface="Arial" panose="020B0604020202020204" pitchFamily="34" charset="0"/>
+                </a:rPr>
+                <a:t>Workflow A1: Desertification Index (DI)</a:t>
+              </a:r>
+              <a:endParaRPr lang="en-SG" b="0" dirty="0">
+                <a:effectLst/>
+              </a:endParaRPr>
+            </a:p>
+          </p:txBody>
+        </p:sp>
+        <p:pic>
+          <p:nvPicPr>
+            <p:cNvPr id="1070" name="Picture 46">
               <a:extLst>
                 <a:ext uri="{FF2B5EF4-FFF2-40B4-BE49-F238E27FC236}">
-                  <a16:creationId xmlns:a16="http://schemas.microsoft.com/office/drawing/2014/main" id="{707CA083-6570-4A35-8AF2-90D180B5743E}"/>
+                  <a16:creationId xmlns:a16="http://schemas.microsoft.com/office/drawing/2014/main" id="{77674942-3C75-3740-4E8E-CE25E997891E}"/>
                 </a:ext>
               </a:extLst>
             </p:cNvPr>
-            <p:cNvGrpSpPr/>
+            <p:cNvPicPr>
+              <a:picLocks noChangeAspect="1" noChangeArrowheads="1"/>
+            </p:cNvPicPr>
             <p:nvPr/>
-          </p:nvGrpSpPr>
-          <p:grpSpPr>
-            <a:xfrm>
-              <a:off x="7159303" y="4164397"/>
-              <a:ext cx="4382133" cy="1834686"/>
-              <a:chOff x="7159303" y="4164397"/>
-              <a:chExt cx="4382133" cy="1834686"/>
-            </a:xfrm>
-          </p:grpSpPr>
-          <p:sp>
-            <p:nvSpPr>
-              <p:cNvPr id="14" name="TextBox 13">
-                <a:extLst>
-                  <a:ext uri="{FF2B5EF4-FFF2-40B4-BE49-F238E27FC236}">
-                    <a16:creationId xmlns:a16="http://schemas.microsoft.com/office/drawing/2014/main" id="{C3E8C399-4E49-88DA-E0BD-44F7BDFD4CD9}"/>
-                  </a:ext>
-                </a:extLst>
-              </p:cNvPr>
-              <p:cNvSpPr txBox="1"/>
-              <p:nvPr/>
-            </p:nvSpPr>
-            <p:spPr>
-              <a:xfrm>
-                <a:off x="7159303" y="4164397"/>
-                <a:ext cx="4382133" cy="369332"/>
-              </a:xfrm>
-              <a:prstGeom prst="rect">
-                <a:avLst/>
-              </a:prstGeom>
-              <a:noFill/>
-            </p:spPr>
-            <p:txBody>
-              <a:bodyPr wrap="square">
-                <a:spAutoFit/>
-              </a:bodyPr>
-              <a:lstStyle/>
-              <a:p>
-                <a:pPr rtl="0">
-                  <a:spcBef>
-                    <a:spcPts val="0"/>
-                  </a:spcBef>
-                  <a:spcAft>
-                    <a:spcPts val="0"/>
-                  </a:spcAft>
-                </a:pPr>
-                <a:r>
-                  <a:rPr lang="en-SG" sz="1800" b="1" i="0" u="none" strike="noStrike" dirty="0">
-                    <a:solidFill>
-                      <a:srgbClr val="000000"/>
-                    </a:solidFill>
-                    <a:effectLst/>
-                    <a:latin typeface="Arial" panose="020B0604020202020204" pitchFamily="34" charset="0"/>
-                  </a:rPr>
-                  <a:t>Phase </a:t>
-                </a:r>
-                <a:r>
-                  <a:rPr lang="en-SG" b="1" dirty="0">
-                    <a:solidFill>
-                      <a:srgbClr val="000000"/>
-                    </a:solidFill>
-                    <a:latin typeface="Arial" panose="020B0604020202020204" pitchFamily="34" charset="0"/>
-                  </a:rPr>
-                  <a:t>2</a:t>
-                </a:r>
-                <a:r>
-                  <a:rPr lang="en-SG" sz="1800" b="1" i="0" u="none" strike="noStrike" dirty="0">
-                    <a:solidFill>
-                      <a:srgbClr val="000000"/>
-                    </a:solidFill>
-                    <a:effectLst/>
-                    <a:latin typeface="Arial" panose="020B0604020202020204" pitchFamily="34" charset="0"/>
-                  </a:rPr>
-                  <a:t>: Advice on tree-planting sites</a:t>
-                </a:r>
-                <a:endParaRPr lang="en-SG" b="0" dirty="0">
-                  <a:effectLst/>
-                </a:endParaRPr>
-              </a:p>
-            </p:txBody>
-          </p:sp>
-          <p:pic>
-            <p:nvPicPr>
-              <p:cNvPr id="1088" name="Picture 64">
-                <a:extLst>
-                  <a:ext uri="{FF2B5EF4-FFF2-40B4-BE49-F238E27FC236}">
-                    <a16:creationId xmlns:a16="http://schemas.microsoft.com/office/drawing/2014/main" id="{C02AF3A5-B4C0-6A4C-5B53-E7F92C5D3684}"/>
-                  </a:ext>
-                </a:extLst>
-              </p:cNvPr>
-              <p:cNvPicPr>
-                <a:picLocks noChangeAspect="1" noChangeArrowheads="1"/>
-              </p:cNvPicPr>
-              <p:nvPr/>
-            </p:nvPicPr>
-            <p:blipFill>
-              <a:blip r:embed="rId5">
-                <a:extLst>
-                  <a:ext uri="{28A0092B-C50C-407E-A947-70E740481C1C}">
-                    <a14:useLocalDpi xmlns:a14="http://schemas.microsoft.com/office/drawing/2010/main" val="0"/>
-                  </a:ext>
-                </a:extLst>
-              </a:blip>
-              <a:srcRect/>
-              <a:stretch>
-                <a:fillRect/>
-              </a:stretch>
-            </p:blipFill>
-            <p:spPr bwMode="auto">
-              <a:xfrm>
-                <a:off x="8551444" y="4509171"/>
-                <a:ext cx="1489912" cy="1489912"/>
-              </a:xfrm>
-              <a:prstGeom prst="rect">
-                <a:avLst/>
-              </a:prstGeom>
-              <a:noFill/>
+          </p:nvPicPr>
+          <p:blipFill>
+            <a:blip r:embed="rId6">
               <a:extLst>
-                <a:ext uri="{909E8E84-426E-40DD-AFC4-6F175D3DCCD1}">
-                  <a14:hiddenFill xmlns:a14="http://schemas.microsoft.com/office/drawing/2010/main">
-                    <a:solidFill>
-                      <a:srgbClr val="FFFFFF"/>
-                    </a:solidFill>
-                  </a14:hiddenFill>
+                <a:ext uri="{28A0092B-C50C-407E-A947-70E740481C1C}">
+                  <a14:useLocalDpi xmlns:a14="http://schemas.microsoft.com/office/drawing/2010/main" val="0"/>
                 </a:ext>
               </a:extLst>
-            </p:spPr>
-          </p:pic>
-        </p:grpSp>
-        <p:grpSp>
-          <p:nvGrpSpPr>
-            <p:cNvPr id="34" name="Group 33">
+            </a:blip>
+            <a:srcRect/>
+            <a:stretch>
+              <a:fillRect/>
+            </a:stretch>
+          </p:blipFill>
+          <p:spPr bwMode="auto">
+            <a:xfrm>
+              <a:off x="566420" y="1887476"/>
+              <a:ext cx="1489912" cy="1489912"/>
+            </a:xfrm>
+            <a:prstGeom prst="rect">
+              <a:avLst/>
+            </a:prstGeom>
+            <a:noFill/>
+            <a:extLst>
+              <a:ext uri="{909E8E84-426E-40DD-AFC4-6F175D3DCCD1}">
+                <a14:hiddenFill xmlns:a14="http://schemas.microsoft.com/office/drawing/2010/main">
+                  <a:solidFill>
+                    <a:srgbClr val="FFFFFF"/>
+                  </a:solidFill>
+                </a14:hiddenFill>
+              </a:ext>
+            </a:extLst>
+          </p:spPr>
+        </p:pic>
+        <p:pic>
+          <p:nvPicPr>
+            <p:cNvPr id="1072" name="Picture 48">
               <a:extLst>
                 <a:ext uri="{FF2B5EF4-FFF2-40B4-BE49-F238E27FC236}">
-                  <a16:creationId xmlns:a16="http://schemas.microsoft.com/office/drawing/2014/main" id="{9A6D6886-7BC3-B8F7-5E2C-5E418BD1D6E0}"/>
+                  <a16:creationId xmlns:a16="http://schemas.microsoft.com/office/drawing/2014/main" id="{11EE52D3-4292-DB82-B92A-A122387D3978}"/>
                 </a:ext>
               </a:extLst>
             </p:cNvPr>
-            <p:cNvGrpSpPr/>
+            <p:cNvPicPr>
+              <a:picLocks noChangeAspect="1" noChangeArrowheads="1"/>
+            </p:cNvPicPr>
             <p:nvPr/>
-          </p:nvGrpSpPr>
-          <p:grpSpPr>
-            <a:xfrm>
-              <a:off x="197681" y="1441823"/>
-              <a:ext cx="11620448" cy="2701693"/>
-              <a:chOff x="197681" y="1441823"/>
-              <a:chExt cx="11620448" cy="2701693"/>
-            </a:xfrm>
-          </p:grpSpPr>
-          <p:sp>
-            <p:nvSpPr>
-              <p:cNvPr id="12" name="TextBox 11">
-                <a:extLst>
-                  <a:ext uri="{FF2B5EF4-FFF2-40B4-BE49-F238E27FC236}">
-                    <a16:creationId xmlns:a16="http://schemas.microsoft.com/office/drawing/2014/main" id="{CDD130BE-4910-7069-0F90-2059350B8BC5}"/>
-                  </a:ext>
-                </a:extLst>
-              </p:cNvPr>
-              <p:cNvSpPr txBox="1"/>
-              <p:nvPr/>
-            </p:nvSpPr>
-            <p:spPr>
-              <a:xfrm>
-                <a:off x="309247" y="1441823"/>
-                <a:ext cx="4382133" cy="369332"/>
-              </a:xfrm>
-              <a:prstGeom prst="rect">
-                <a:avLst/>
-              </a:prstGeom>
-              <a:noFill/>
-            </p:spPr>
-            <p:txBody>
-              <a:bodyPr wrap="square">
-                <a:spAutoFit/>
-              </a:bodyPr>
-              <a:lstStyle/>
-              <a:p>
-                <a:pPr rtl="0">
-                  <a:spcBef>
-                    <a:spcPts val="0"/>
-                  </a:spcBef>
-                  <a:spcAft>
-                    <a:spcPts val="0"/>
-                  </a:spcAft>
-                </a:pPr>
-                <a:r>
-                  <a:rPr lang="en-SG" sz="1800" b="1" i="0" u="none" strike="noStrike" dirty="0">
-                    <a:solidFill>
-                      <a:srgbClr val="000000"/>
-                    </a:solidFill>
-                    <a:effectLst/>
-                    <a:latin typeface="Arial" panose="020B0604020202020204" pitchFamily="34" charset="0"/>
-                  </a:rPr>
-                  <a:t>Phase 1a: Create desertification index</a:t>
-                </a:r>
-                <a:endParaRPr lang="en-SG" b="0" dirty="0">
-                  <a:effectLst/>
-                </a:endParaRPr>
-              </a:p>
-            </p:txBody>
-          </p:sp>
-          <p:pic>
-            <p:nvPicPr>
-              <p:cNvPr id="1070" name="Picture 46">
-                <a:extLst>
-                  <a:ext uri="{FF2B5EF4-FFF2-40B4-BE49-F238E27FC236}">
-                    <a16:creationId xmlns:a16="http://schemas.microsoft.com/office/drawing/2014/main" id="{77674942-3C75-3740-4E8E-CE25E997891E}"/>
-                  </a:ext>
-                </a:extLst>
-              </p:cNvPr>
-              <p:cNvPicPr>
-                <a:picLocks noChangeAspect="1" noChangeArrowheads="1"/>
-              </p:cNvPicPr>
-              <p:nvPr/>
-            </p:nvPicPr>
-            <p:blipFill>
-              <a:blip r:embed="rId6">
-                <a:extLst>
-                  <a:ext uri="{28A0092B-C50C-407E-A947-70E740481C1C}">
-                    <a14:useLocalDpi xmlns:a14="http://schemas.microsoft.com/office/drawing/2010/main" val="0"/>
-                  </a:ext>
-                </a:extLst>
-              </a:blip>
-              <a:srcRect/>
-              <a:stretch>
-                <a:fillRect/>
-              </a:stretch>
-            </p:blipFill>
-            <p:spPr bwMode="auto">
-              <a:xfrm>
-                <a:off x="566420" y="1887476"/>
-                <a:ext cx="1489912" cy="1489912"/>
-              </a:xfrm>
-              <a:prstGeom prst="rect">
-                <a:avLst/>
-              </a:prstGeom>
-              <a:noFill/>
+          </p:nvPicPr>
+          <p:blipFill>
+            <a:blip r:embed="rId7">
               <a:extLst>
-                <a:ext uri="{909E8E84-426E-40DD-AFC4-6F175D3DCCD1}">
-                  <a14:hiddenFill xmlns:a14="http://schemas.microsoft.com/office/drawing/2010/main">
-                    <a:solidFill>
-                      <a:srgbClr val="FFFFFF"/>
-                    </a:solidFill>
-                  </a14:hiddenFill>
+                <a:ext uri="{28A0092B-C50C-407E-A947-70E740481C1C}">
+                  <a14:useLocalDpi xmlns:a14="http://schemas.microsoft.com/office/drawing/2010/main" val="0"/>
                 </a:ext>
               </a:extLst>
-            </p:spPr>
-          </p:pic>
-          <p:pic>
-            <p:nvPicPr>
-              <p:cNvPr id="1072" name="Picture 48">
-                <a:extLst>
-                  <a:ext uri="{FF2B5EF4-FFF2-40B4-BE49-F238E27FC236}">
-                    <a16:creationId xmlns:a16="http://schemas.microsoft.com/office/drawing/2014/main" id="{11EE52D3-4292-DB82-B92A-A122387D3978}"/>
-                  </a:ext>
-                </a:extLst>
-              </p:cNvPr>
-              <p:cNvPicPr>
-                <a:picLocks noChangeAspect="1" noChangeArrowheads="1"/>
-              </p:cNvPicPr>
-              <p:nvPr/>
-            </p:nvPicPr>
-            <p:blipFill>
-              <a:blip r:embed="rId7">
-                <a:extLst>
-                  <a:ext uri="{28A0092B-C50C-407E-A947-70E740481C1C}">
-                    <a14:useLocalDpi xmlns:a14="http://schemas.microsoft.com/office/drawing/2010/main" val="0"/>
-                  </a:ext>
-                </a:extLst>
-              </a:blip>
-              <a:srcRect/>
-              <a:stretch>
-                <a:fillRect/>
-              </a:stretch>
-            </p:blipFill>
-            <p:spPr bwMode="auto">
-              <a:xfrm>
-                <a:off x="2286954" y="2379615"/>
-                <a:ext cx="775542" cy="775542"/>
-              </a:xfrm>
-              <a:prstGeom prst="rect">
-                <a:avLst/>
-              </a:prstGeom>
-              <a:noFill/>
-              <a:extLst>
-                <a:ext uri="{909E8E84-426E-40DD-AFC4-6F175D3DCCD1}">
-                  <a14:hiddenFill xmlns:a14="http://schemas.microsoft.com/office/drawing/2010/main">
-                    <a:solidFill>
-                      <a:srgbClr val="FFFFFF"/>
-                    </a:solidFill>
-                  </a14:hiddenFill>
-                </a:ext>
-              </a:extLst>
-            </p:spPr>
-          </p:pic>
-          <p:pic>
-            <p:nvPicPr>
-              <p:cNvPr id="1074" name="Picture 50">
-                <a:extLst>
-                  <a:ext uri="{FF2B5EF4-FFF2-40B4-BE49-F238E27FC236}">
-                    <a16:creationId xmlns:a16="http://schemas.microsoft.com/office/drawing/2014/main" id="{9AAFB2B9-1FEE-F60E-AD6D-7EEC09AD0B4C}"/>
-                  </a:ext>
-                </a:extLst>
-              </p:cNvPr>
-              <p:cNvPicPr>
-                <a:picLocks noChangeAspect="1" noChangeArrowheads="1"/>
-              </p:cNvPicPr>
-              <p:nvPr/>
-            </p:nvPicPr>
-            <p:blipFill>
-              <a:blip r:embed="rId8">
-                <a:extLst>
-                  <a:ext uri="{28A0092B-C50C-407E-A947-70E740481C1C}">
-                    <a14:useLocalDpi xmlns:a14="http://schemas.microsoft.com/office/drawing/2010/main" val="0"/>
-                  </a:ext>
-                </a:extLst>
-              </a:blip>
-              <a:srcRect/>
-              <a:stretch>
-                <a:fillRect/>
-              </a:stretch>
-            </p:blipFill>
-            <p:spPr bwMode="auto">
-              <a:xfrm>
-                <a:off x="3582531" y="1858063"/>
-                <a:ext cx="1489912" cy="1489912"/>
-              </a:xfrm>
-              <a:prstGeom prst="rect">
-                <a:avLst/>
-              </a:prstGeom>
-              <a:noFill/>
-              <a:extLst>
-                <a:ext uri="{909E8E84-426E-40DD-AFC4-6F175D3DCCD1}">
-                  <a14:hiddenFill xmlns:a14="http://schemas.microsoft.com/office/drawing/2010/main">
-                    <a:solidFill>
-                      <a:srgbClr val="FFFFFF"/>
-                    </a:solidFill>
-                  </a14:hiddenFill>
-                </a:ext>
-              </a:extLst>
-            </p:spPr>
-          </p:pic>
-          <p:pic>
-            <p:nvPicPr>
-              <p:cNvPr id="1076" name="Picture 52">
-                <a:extLst>
-                  <a:ext uri="{FF2B5EF4-FFF2-40B4-BE49-F238E27FC236}">
-                    <a16:creationId xmlns:a16="http://schemas.microsoft.com/office/drawing/2014/main" id="{A7996E96-3033-4D08-8985-B2407BE60C53}"/>
-                  </a:ext>
-                </a:extLst>
-              </p:cNvPr>
-              <p:cNvPicPr>
-                <a:picLocks noChangeAspect="1" noChangeArrowheads="1"/>
-              </p:cNvPicPr>
-              <p:nvPr/>
-            </p:nvPicPr>
-            <p:blipFill>
-              <a:blip r:embed="rId9">
-                <a:extLst>
-                  <a:ext uri="{28A0092B-C50C-407E-A947-70E740481C1C}">
-                    <a14:useLocalDpi xmlns:a14="http://schemas.microsoft.com/office/drawing/2010/main" val="0"/>
-                  </a:ext>
-                </a:extLst>
-              </a:blip>
-              <a:srcRect/>
-              <a:stretch>
-                <a:fillRect/>
-              </a:stretch>
-            </p:blipFill>
-            <p:spPr bwMode="auto">
-              <a:xfrm>
-                <a:off x="5447735" y="2374782"/>
-                <a:ext cx="775542" cy="775542"/>
-              </a:xfrm>
-              <a:prstGeom prst="rect">
-                <a:avLst/>
-              </a:prstGeom>
-              <a:noFill/>
-              <a:extLst>
-                <a:ext uri="{909E8E84-426E-40DD-AFC4-6F175D3DCCD1}">
-                  <a14:hiddenFill xmlns:a14="http://schemas.microsoft.com/office/drawing/2010/main">
-                    <a:solidFill>
-                      <a:srgbClr val="FFFFFF"/>
-                    </a:solidFill>
-                  </a14:hiddenFill>
-                </a:ext>
-              </a:extLst>
-            </p:spPr>
-          </p:pic>
-          <p:pic>
-            <p:nvPicPr>
-              <p:cNvPr id="1078" name="Picture 54">
-                <a:extLst>
-                  <a:ext uri="{FF2B5EF4-FFF2-40B4-BE49-F238E27FC236}">
-                    <a16:creationId xmlns:a16="http://schemas.microsoft.com/office/drawing/2014/main" id="{EBD2B4A1-977E-F23D-535D-8C988DCE1B7E}"/>
-                  </a:ext>
-                </a:extLst>
-              </p:cNvPr>
-              <p:cNvPicPr>
-                <a:picLocks noChangeAspect="1" noChangeArrowheads="1"/>
-              </p:cNvPicPr>
-              <p:nvPr/>
-            </p:nvPicPr>
-            <p:blipFill>
-              <a:blip r:embed="rId10">
-                <a:extLst>
-                  <a:ext uri="{28A0092B-C50C-407E-A947-70E740481C1C}">
-                    <a14:useLocalDpi xmlns:a14="http://schemas.microsoft.com/office/drawing/2010/main" val="0"/>
-                  </a:ext>
-                </a:extLst>
-              </a:blip>
-              <a:srcRect/>
-              <a:stretch>
-                <a:fillRect/>
-              </a:stretch>
-            </p:blipFill>
-            <p:spPr bwMode="auto">
-              <a:xfrm>
-                <a:off x="6744266" y="1940665"/>
-                <a:ext cx="1489912" cy="1489912"/>
-              </a:xfrm>
-              <a:prstGeom prst="rect">
-                <a:avLst/>
-              </a:prstGeom>
-              <a:noFill/>
-              <a:extLst>
-                <a:ext uri="{909E8E84-426E-40DD-AFC4-6F175D3DCCD1}">
-                  <a14:hiddenFill xmlns:a14="http://schemas.microsoft.com/office/drawing/2010/main">
-                    <a:solidFill>
-                      <a:srgbClr val="FFFFFF"/>
-                    </a:solidFill>
-                  </a14:hiddenFill>
-                </a:ext>
-              </a:extLst>
-            </p:spPr>
-          </p:pic>
-          <p:pic>
-            <p:nvPicPr>
-              <p:cNvPr id="1080" name="Picture 56">
-                <a:extLst>
-                  <a:ext uri="{FF2B5EF4-FFF2-40B4-BE49-F238E27FC236}">
-                    <a16:creationId xmlns:a16="http://schemas.microsoft.com/office/drawing/2014/main" id="{380C40A0-8701-BE91-A29A-8EBA3203E275}"/>
-                  </a:ext>
-                </a:extLst>
-              </p:cNvPr>
-              <p:cNvPicPr>
-                <a:picLocks noChangeAspect="1" noChangeArrowheads="1"/>
-              </p:cNvPicPr>
-              <p:nvPr/>
-            </p:nvPicPr>
-            <p:blipFill>
-              <a:blip r:embed="rId11">
-                <a:extLst>
-                  <a:ext uri="{28A0092B-C50C-407E-A947-70E740481C1C}">
-                    <a14:useLocalDpi xmlns:a14="http://schemas.microsoft.com/office/drawing/2010/main" val="0"/>
-                  </a:ext>
-                </a:extLst>
-              </a:blip>
-              <a:srcRect/>
-              <a:stretch>
-                <a:fillRect/>
-              </a:stretch>
-            </p:blipFill>
-            <p:spPr bwMode="auto">
-              <a:xfrm>
-                <a:off x="9691020" y="1903489"/>
-                <a:ext cx="1489912" cy="1489912"/>
-              </a:xfrm>
-              <a:prstGeom prst="rect">
-                <a:avLst/>
-              </a:prstGeom>
-              <a:noFill/>
-              <a:extLst>
-                <a:ext uri="{909E8E84-426E-40DD-AFC4-6F175D3DCCD1}">
-                  <a14:hiddenFill xmlns:a14="http://schemas.microsoft.com/office/drawing/2010/main">
-                    <a:solidFill>
-                      <a:srgbClr val="FFFFFF"/>
-                    </a:solidFill>
-                  </a14:hiddenFill>
-                </a:ext>
-              </a:extLst>
-            </p:spPr>
-          </p:pic>
-          <p:pic>
-            <p:nvPicPr>
-              <p:cNvPr id="16" name="Picture 52">
-                <a:extLst>
-                  <a:ext uri="{FF2B5EF4-FFF2-40B4-BE49-F238E27FC236}">
-                    <a16:creationId xmlns:a16="http://schemas.microsoft.com/office/drawing/2014/main" id="{92144483-86BC-19E5-B643-87E60F73045A}"/>
-                  </a:ext>
-                </a:extLst>
-              </p:cNvPr>
-              <p:cNvPicPr>
-                <a:picLocks noChangeAspect="1" noChangeArrowheads="1"/>
-              </p:cNvPicPr>
-              <p:nvPr/>
-            </p:nvPicPr>
-            <p:blipFill>
-              <a:blip r:embed="rId9">
-                <a:extLst>
-                  <a:ext uri="{28A0092B-C50C-407E-A947-70E740481C1C}">
-                    <a14:useLocalDpi xmlns:a14="http://schemas.microsoft.com/office/drawing/2010/main" val="0"/>
-                  </a:ext>
-                </a:extLst>
-              </a:blip>
-              <a:srcRect/>
-              <a:stretch>
-                <a:fillRect/>
-              </a:stretch>
-            </p:blipFill>
-            <p:spPr bwMode="auto">
-              <a:xfrm>
-                <a:off x="8574828" y="2374782"/>
-                <a:ext cx="775542" cy="775542"/>
-              </a:xfrm>
-              <a:prstGeom prst="rect">
-                <a:avLst/>
-              </a:prstGeom>
-              <a:noFill/>
-              <a:extLst>
-                <a:ext uri="{909E8E84-426E-40DD-AFC4-6F175D3DCCD1}">
-                  <a14:hiddenFill xmlns:a14="http://schemas.microsoft.com/office/drawing/2010/main">
-                    <a:solidFill>
-                      <a:srgbClr val="FFFFFF"/>
-                    </a:solidFill>
-                  </a14:hiddenFill>
-                </a:ext>
-              </a:extLst>
-            </p:spPr>
-          </p:pic>
-          <p:sp>
-            <p:nvSpPr>
-              <p:cNvPr id="19" name="TextBox 18">
-                <a:extLst>
-                  <a:ext uri="{FF2B5EF4-FFF2-40B4-BE49-F238E27FC236}">
-                    <a16:creationId xmlns:a16="http://schemas.microsoft.com/office/drawing/2014/main" id="{DF68AA0D-A867-0772-29BD-82A6B8A0075A}"/>
-                  </a:ext>
-                </a:extLst>
-              </p:cNvPr>
-              <p:cNvSpPr txBox="1"/>
-              <p:nvPr/>
-            </p:nvSpPr>
-            <p:spPr>
-              <a:xfrm>
-                <a:off x="197681" y="3582583"/>
-                <a:ext cx="2302631" cy="369332"/>
-              </a:xfrm>
-              <a:prstGeom prst="rect">
-                <a:avLst/>
-              </a:prstGeom>
-              <a:noFill/>
-            </p:spPr>
-            <p:txBody>
-              <a:bodyPr wrap="square">
-                <a:spAutoFit/>
-              </a:bodyPr>
-              <a:lstStyle/>
-              <a:p>
-                <a:pPr algn="ctr" rtl="0">
-                  <a:spcBef>
-                    <a:spcPts val="0"/>
-                  </a:spcBef>
-                  <a:spcAft>
-                    <a:spcPts val="0"/>
-                  </a:spcAft>
-                </a:pPr>
-                <a:r>
-                  <a:rPr lang="en-SG" sz="1800" b="0" i="0" u="none" strike="noStrike" dirty="0">
-                    <a:solidFill>
-                      <a:srgbClr val="A61C00"/>
-                    </a:solidFill>
-                    <a:effectLst/>
-                    <a:latin typeface="Lato" panose="020F0502020204030203" pitchFamily="34" charset="0"/>
-                  </a:rPr>
-                  <a:t>Desertification Index</a:t>
-                </a:r>
-                <a:endParaRPr lang="en-SG" b="0" dirty="0">
-                  <a:effectLst/>
-                </a:endParaRPr>
-              </a:p>
-            </p:txBody>
-          </p:sp>
-          <p:sp>
-            <p:nvSpPr>
-              <p:cNvPr id="20" name="TextBox 19">
-                <a:extLst>
-                  <a:ext uri="{FF2B5EF4-FFF2-40B4-BE49-F238E27FC236}">
-                    <a16:creationId xmlns:a16="http://schemas.microsoft.com/office/drawing/2014/main" id="{B2DF385C-4565-A87C-7FEE-0769C0E9FE25}"/>
-                  </a:ext>
-                </a:extLst>
-              </p:cNvPr>
-              <p:cNvSpPr txBox="1"/>
-              <p:nvPr/>
-            </p:nvSpPr>
-            <p:spPr>
-              <a:xfrm>
-                <a:off x="3229550" y="3497185"/>
-                <a:ext cx="2302631" cy="646331"/>
-              </a:xfrm>
-              <a:prstGeom prst="rect">
-                <a:avLst/>
-              </a:prstGeom>
-              <a:noFill/>
-            </p:spPr>
-            <p:txBody>
-              <a:bodyPr wrap="square">
-                <a:spAutoFit/>
-              </a:bodyPr>
-              <a:lstStyle/>
-              <a:p>
-                <a:pPr algn="ctr" rtl="0">
-                  <a:spcBef>
-                    <a:spcPts val="0"/>
-                  </a:spcBef>
-                  <a:spcAft>
-                    <a:spcPts val="0"/>
-                  </a:spcAft>
-                </a:pPr>
-                <a:r>
-                  <a:rPr lang="en-SG" sz="1800" b="0" i="0" u="none" strike="noStrike" dirty="0">
-                    <a:solidFill>
-                      <a:srgbClr val="A61C00"/>
-                    </a:solidFill>
-                    <a:effectLst/>
-                    <a:latin typeface="Lato" panose="020F0502020204030203" pitchFamily="34" charset="0"/>
-                  </a:rPr>
-                  <a:t>Vegetation Index</a:t>
-                </a:r>
-              </a:p>
-              <a:p>
-                <a:pPr algn="ctr" rtl="0">
-                  <a:spcBef>
-                    <a:spcPts val="0"/>
-                  </a:spcBef>
-                  <a:spcAft>
-                    <a:spcPts val="0"/>
-                  </a:spcAft>
-                </a:pPr>
-                <a:r>
-                  <a:rPr lang="en-SG" dirty="0">
-                    <a:solidFill>
-                      <a:srgbClr val="A61C00"/>
-                    </a:solidFill>
-                    <a:latin typeface="Lato" panose="020F0502020204030203" pitchFamily="34" charset="0"/>
-                  </a:rPr>
-                  <a:t>[NDVI]</a:t>
-                </a:r>
-                <a:endParaRPr lang="en-SG" b="0" dirty="0">
-                  <a:effectLst/>
-                </a:endParaRPr>
-              </a:p>
-            </p:txBody>
-          </p:sp>
-          <p:sp>
-            <p:nvSpPr>
-              <p:cNvPr id="21" name="TextBox 20">
-                <a:extLst>
-                  <a:ext uri="{FF2B5EF4-FFF2-40B4-BE49-F238E27FC236}">
-                    <a16:creationId xmlns:a16="http://schemas.microsoft.com/office/drawing/2014/main" id="{F9938B34-7B44-8193-8AD1-B925E2B0C8C7}"/>
-                  </a:ext>
-                </a:extLst>
-              </p:cNvPr>
-              <p:cNvSpPr txBox="1"/>
-              <p:nvPr/>
-            </p:nvSpPr>
-            <p:spPr>
-              <a:xfrm>
-                <a:off x="6372524" y="3483314"/>
-                <a:ext cx="2302631" cy="646331"/>
-              </a:xfrm>
-              <a:prstGeom prst="rect">
-                <a:avLst/>
-              </a:prstGeom>
-              <a:noFill/>
-            </p:spPr>
-            <p:txBody>
-              <a:bodyPr wrap="square">
-                <a:spAutoFit/>
-              </a:bodyPr>
-              <a:lstStyle/>
-              <a:p>
-                <a:pPr algn="ctr" rtl="0">
-                  <a:spcBef>
-                    <a:spcPts val="0"/>
-                  </a:spcBef>
-                  <a:spcAft>
-                    <a:spcPts val="0"/>
-                  </a:spcAft>
-                </a:pPr>
-                <a:r>
-                  <a:rPr lang="en-SG" sz="1800" b="0" i="0" u="none" strike="noStrike" dirty="0">
-                    <a:solidFill>
-                      <a:srgbClr val="A61C00"/>
-                    </a:solidFill>
-                    <a:effectLst/>
-                    <a:latin typeface="Lato" panose="020F0502020204030203" pitchFamily="34" charset="0"/>
-                  </a:rPr>
-                  <a:t>Soil Quality Index</a:t>
-                </a:r>
-              </a:p>
-              <a:p>
-                <a:pPr algn="ctr" rtl="0">
-                  <a:spcBef>
-                    <a:spcPts val="0"/>
-                  </a:spcBef>
-                  <a:spcAft>
-                    <a:spcPts val="0"/>
-                  </a:spcAft>
-                </a:pPr>
-                <a:r>
-                  <a:rPr lang="en-SG" dirty="0">
-                    <a:solidFill>
-                      <a:srgbClr val="A61C00"/>
-                    </a:solidFill>
-                    <a:latin typeface="Lato" panose="020F0502020204030203" pitchFamily="34" charset="0"/>
-                  </a:rPr>
-                  <a:t>[SAVI]</a:t>
-                </a:r>
-                <a:endParaRPr lang="en-SG" b="0" dirty="0">
-                  <a:effectLst/>
-                </a:endParaRPr>
-              </a:p>
-            </p:txBody>
-          </p:sp>
-          <p:sp>
-            <p:nvSpPr>
-              <p:cNvPr id="22" name="TextBox 21">
-                <a:extLst>
-                  <a:ext uri="{FF2B5EF4-FFF2-40B4-BE49-F238E27FC236}">
-                    <a16:creationId xmlns:a16="http://schemas.microsoft.com/office/drawing/2014/main" id="{6E676553-3C1E-97BB-7750-4317D0F6F501}"/>
-                  </a:ext>
-                </a:extLst>
-              </p:cNvPr>
-              <p:cNvSpPr txBox="1"/>
-              <p:nvPr/>
-            </p:nvSpPr>
-            <p:spPr>
-              <a:xfrm>
-                <a:off x="9515498" y="3463807"/>
-                <a:ext cx="2302631" cy="646331"/>
-              </a:xfrm>
-              <a:prstGeom prst="rect">
-                <a:avLst/>
-              </a:prstGeom>
-              <a:noFill/>
-            </p:spPr>
-            <p:txBody>
-              <a:bodyPr wrap="square">
-                <a:spAutoFit/>
-              </a:bodyPr>
-              <a:lstStyle/>
-              <a:p>
-                <a:pPr algn="ctr" rtl="0">
-                  <a:spcBef>
-                    <a:spcPts val="0"/>
-                  </a:spcBef>
-                  <a:spcAft>
-                    <a:spcPts val="0"/>
-                  </a:spcAft>
-                </a:pPr>
-                <a:r>
-                  <a:rPr lang="en-SG" sz="1800" b="0" i="0" u="none" strike="noStrike" dirty="0">
-                    <a:solidFill>
-                      <a:srgbClr val="A61C00"/>
-                    </a:solidFill>
-                    <a:effectLst/>
-                    <a:latin typeface="Lato" panose="020F0502020204030203" pitchFamily="34" charset="0"/>
-                  </a:rPr>
-                  <a:t>Climate Index</a:t>
-                </a:r>
-              </a:p>
-              <a:p>
-                <a:pPr algn="ctr" rtl="0">
-                  <a:spcBef>
-                    <a:spcPts val="0"/>
-                  </a:spcBef>
-                  <a:spcAft>
-                    <a:spcPts val="0"/>
-                  </a:spcAft>
-                </a:pPr>
-                <a:r>
-                  <a:rPr lang="en-SG" dirty="0">
-                    <a:solidFill>
-                      <a:srgbClr val="A61C00"/>
-                    </a:solidFill>
-                    <a:latin typeface="Lato" panose="020F0502020204030203" pitchFamily="34" charset="0"/>
-                  </a:rPr>
-                  <a:t>[NDWI]</a:t>
-                </a:r>
-                <a:endParaRPr lang="en-SG" b="0" dirty="0">
-                  <a:effectLst/>
-                </a:endParaRPr>
-              </a:p>
-            </p:txBody>
-          </p:sp>
-        </p:grpSp>
-        <p:cxnSp>
-          <p:nvCxnSpPr>
-            <p:cNvPr id="24" name="Straight Connector 23">
+            </a:blip>
+            <a:srcRect/>
+            <a:stretch>
+              <a:fillRect/>
+            </a:stretch>
+          </p:blipFill>
+          <p:spPr bwMode="auto">
+            <a:xfrm>
+              <a:off x="2286954" y="2379615"/>
+              <a:ext cx="775542" cy="775542"/>
+            </a:xfrm>
+            <a:prstGeom prst="rect">
+              <a:avLst/>
+            </a:prstGeom>
+            <a:noFill/>
+            <a:extLst>
+              <a:ext uri="{909E8E84-426E-40DD-AFC4-6F175D3DCCD1}">
+                <a14:hiddenFill xmlns:a14="http://schemas.microsoft.com/office/drawing/2010/main">
+                  <a:solidFill>
+                    <a:srgbClr val="FFFFFF"/>
+                  </a:solidFill>
+                </a14:hiddenFill>
+              </a:ext>
+            </a:extLst>
+          </p:spPr>
+        </p:pic>
+        <p:pic>
+          <p:nvPicPr>
+            <p:cNvPr id="1074" name="Picture 50">
               <a:extLst>
                 <a:ext uri="{FF2B5EF4-FFF2-40B4-BE49-F238E27FC236}">
-                  <a16:creationId xmlns:a16="http://schemas.microsoft.com/office/drawing/2014/main" id="{F18056AB-C1C4-0450-B062-E8AC46CAF7A9}"/>
+                  <a16:creationId xmlns:a16="http://schemas.microsoft.com/office/drawing/2014/main" id="{9AAFB2B9-1FEE-F60E-AD6D-7EEC09AD0B4C}"/>
                 </a:ext>
               </a:extLst>
             </p:cNvPr>
-            <p:cNvCxnSpPr>
-              <a:cxnSpLocks/>
-            </p:cNvCxnSpPr>
+            <p:cNvPicPr>
+              <a:picLocks noChangeAspect="1" noChangeArrowheads="1"/>
+            </p:cNvPicPr>
             <p:nvPr/>
-          </p:nvCxnSpPr>
-          <p:spPr>
+          </p:nvPicPr>
+          <p:blipFill>
+            <a:blip r:embed="rId8">
+              <a:extLst>
+                <a:ext uri="{28A0092B-C50C-407E-A947-70E740481C1C}">
+                  <a14:useLocalDpi xmlns:a14="http://schemas.microsoft.com/office/drawing/2010/main" val="0"/>
+                </a:ext>
+              </a:extLst>
+            </a:blip>
+            <a:srcRect/>
+            <a:stretch>
+              <a:fillRect/>
+            </a:stretch>
+          </p:blipFill>
+          <p:spPr bwMode="auto">
             <a:xfrm>
-              <a:off x="332510" y="4123174"/>
-              <a:ext cx="11021290" cy="27089"/>
+              <a:off x="3582531" y="1858063"/>
+              <a:ext cx="1489912" cy="1489912"/>
             </a:xfrm>
-            <a:prstGeom prst="line">
+            <a:prstGeom prst="rect">
               <a:avLst/>
             </a:prstGeom>
-            <a:ln>
-              <a:solidFill>
-                <a:schemeClr val="tx1"/>
-              </a:solidFill>
-              <a:prstDash val="lgDash"/>
-            </a:ln>
+            <a:noFill/>
+            <a:extLst>
+              <a:ext uri="{909E8E84-426E-40DD-AFC4-6F175D3DCCD1}">
+                <a14:hiddenFill xmlns:a14="http://schemas.microsoft.com/office/drawing/2010/main">
+                  <a:solidFill>
+                    <a:srgbClr val="FFFFFF"/>
+                  </a:solidFill>
+                </a14:hiddenFill>
+              </a:ext>
+            </a:extLst>
           </p:spPr>
-          <p:style>
-            <a:lnRef idx="1">
-              <a:schemeClr val="accent1"/>
-            </a:lnRef>
-            <a:fillRef idx="0">
-              <a:schemeClr val="accent1"/>
-            </a:fillRef>
-            <a:effectRef idx="0">
-              <a:schemeClr val="accent1"/>
-            </a:effectRef>
-            <a:fontRef idx="minor">
-              <a:schemeClr val="tx1"/>
-            </a:fontRef>
-          </p:style>
-        </p:cxnSp>
-        <p:cxnSp>
-          <p:nvCxnSpPr>
-            <p:cNvPr id="27" name="Straight Connector 26">
+        </p:pic>
+        <p:pic>
+          <p:nvPicPr>
+            <p:cNvPr id="1076" name="Picture 52">
               <a:extLst>
                 <a:ext uri="{FF2B5EF4-FFF2-40B4-BE49-F238E27FC236}">
-                  <a16:creationId xmlns:a16="http://schemas.microsoft.com/office/drawing/2014/main" id="{07386E0E-5E71-811D-DEF5-86A48404F454}"/>
+                  <a16:creationId xmlns:a16="http://schemas.microsoft.com/office/drawing/2014/main" id="{A7996E96-3033-4D08-8985-B2407BE60C53}"/>
                 </a:ext>
               </a:extLst>
             </p:cNvPr>
-            <p:cNvCxnSpPr>
-              <a:cxnSpLocks/>
-            </p:cNvCxnSpPr>
+            <p:cNvPicPr>
+              <a:picLocks noChangeAspect="1" noChangeArrowheads="1"/>
+            </p:cNvPicPr>
             <p:nvPr/>
-          </p:nvCxnSpPr>
+          </p:nvPicPr>
+          <p:blipFill>
+            <a:blip r:embed="rId9">
+              <a:extLst>
+                <a:ext uri="{28A0092B-C50C-407E-A947-70E740481C1C}">
+                  <a14:useLocalDpi xmlns:a14="http://schemas.microsoft.com/office/drawing/2010/main" val="0"/>
+                </a:ext>
+              </a:extLst>
+            </a:blip>
+            <a:srcRect/>
+            <a:stretch>
+              <a:fillRect/>
+            </a:stretch>
+          </p:blipFill>
+          <p:spPr bwMode="auto">
+            <a:xfrm>
+              <a:off x="5447735" y="2374782"/>
+              <a:ext cx="775542" cy="775542"/>
+            </a:xfrm>
+            <a:prstGeom prst="rect">
+              <a:avLst/>
+            </a:prstGeom>
+            <a:noFill/>
+            <a:extLst>
+              <a:ext uri="{909E8E84-426E-40DD-AFC4-6F175D3DCCD1}">
+                <a14:hiddenFill xmlns:a14="http://schemas.microsoft.com/office/drawing/2010/main">
+                  <a:solidFill>
+                    <a:srgbClr val="FFFFFF"/>
+                  </a:solidFill>
+                </a14:hiddenFill>
+              </a:ext>
+            </a:extLst>
+          </p:spPr>
+        </p:pic>
+        <p:pic>
+          <p:nvPicPr>
+            <p:cNvPr id="1078" name="Picture 54">
+              <a:extLst>
+                <a:ext uri="{FF2B5EF4-FFF2-40B4-BE49-F238E27FC236}">
+                  <a16:creationId xmlns:a16="http://schemas.microsoft.com/office/drawing/2014/main" id="{EBD2B4A1-977E-F23D-535D-8C988DCE1B7E}"/>
+                </a:ext>
+              </a:extLst>
+            </p:cNvPr>
+            <p:cNvPicPr>
+              <a:picLocks noChangeAspect="1" noChangeArrowheads="1"/>
+            </p:cNvPicPr>
+            <p:nvPr/>
+          </p:nvPicPr>
+          <p:blipFill>
+            <a:blip r:embed="rId10">
+              <a:extLst>
+                <a:ext uri="{28A0092B-C50C-407E-A947-70E740481C1C}">
+                  <a14:useLocalDpi xmlns:a14="http://schemas.microsoft.com/office/drawing/2010/main" val="0"/>
+                </a:ext>
+              </a:extLst>
+            </a:blip>
+            <a:srcRect/>
+            <a:stretch>
+              <a:fillRect/>
+            </a:stretch>
+          </p:blipFill>
+          <p:spPr bwMode="auto">
+            <a:xfrm>
+              <a:off x="6744266" y="1940665"/>
+              <a:ext cx="1489912" cy="1489912"/>
+            </a:xfrm>
+            <a:prstGeom prst="rect">
+              <a:avLst/>
+            </a:prstGeom>
+            <a:noFill/>
+            <a:extLst>
+              <a:ext uri="{909E8E84-426E-40DD-AFC4-6F175D3DCCD1}">
+                <a14:hiddenFill xmlns:a14="http://schemas.microsoft.com/office/drawing/2010/main">
+                  <a:solidFill>
+                    <a:srgbClr val="FFFFFF"/>
+                  </a:solidFill>
+                </a14:hiddenFill>
+              </a:ext>
+            </a:extLst>
+          </p:spPr>
+        </p:pic>
+        <p:pic>
+          <p:nvPicPr>
+            <p:cNvPr id="1080" name="Picture 56">
+              <a:extLst>
+                <a:ext uri="{FF2B5EF4-FFF2-40B4-BE49-F238E27FC236}">
+                  <a16:creationId xmlns:a16="http://schemas.microsoft.com/office/drawing/2014/main" id="{380C40A0-8701-BE91-A29A-8EBA3203E275}"/>
+                </a:ext>
+              </a:extLst>
+            </p:cNvPr>
+            <p:cNvPicPr>
+              <a:picLocks noChangeAspect="1" noChangeArrowheads="1"/>
+            </p:cNvPicPr>
+            <p:nvPr/>
+          </p:nvPicPr>
+          <p:blipFill>
+            <a:blip r:embed="rId11">
+              <a:extLst>
+                <a:ext uri="{28A0092B-C50C-407E-A947-70E740481C1C}">
+                  <a14:useLocalDpi xmlns:a14="http://schemas.microsoft.com/office/drawing/2010/main" val="0"/>
+                </a:ext>
+              </a:extLst>
+            </a:blip>
+            <a:srcRect/>
+            <a:stretch>
+              <a:fillRect/>
+            </a:stretch>
+          </p:blipFill>
+          <p:spPr bwMode="auto">
+            <a:xfrm>
+              <a:off x="9691020" y="1903489"/>
+              <a:ext cx="1489912" cy="1489912"/>
+            </a:xfrm>
+            <a:prstGeom prst="rect">
+              <a:avLst/>
+            </a:prstGeom>
+            <a:noFill/>
+            <a:extLst>
+              <a:ext uri="{909E8E84-426E-40DD-AFC4-6F175D3DCCD1}">
+                <a14:hiddenFill xmlns:a14="http://schemas.microsoft.com/office/drawing/2010/main">
+                  <a:solidFill>
+                    <a:srgbClr val="FFFFFF"/>
+                  </a:solidFill>
+                </a14:hiddenFill>
+              </a:ext>
+            </a:extLst>
+          </p:spPr>
+        </p:pic>
+        <p:pic>
+          <p:nvPicPr>
+            <p:cNvPr id="16" name="Picture 52">
+              <a:extLst>
+                <a:ext uri="{FF2B5EF4-FFF2-40B4-BE49-F238E27FC236}">
+                  <a16:creationId xmlns:a16="http://schemas.microsoft.com/office/drawing/2014/main" id="{92144483-86BC-19E5-B643-87E60F73045A}"/>
+                </a:ext>
+              </a:extLst>
+            </p:cNvPr>
+            <p:cNvPicPr>
+              <a:picLocks noChangeAspect="1" noChangeArrowheads="1"/>
+            </p:cNvPicPr>
+            <p:nvPr/>
+          </p:nvPicPr>
+          <p:blipFill>
+            <a:blip r:embed="rId9">
+              <a:extLst>
+                <a:ext uri="{28A0092B-C50C-407E-A947-70E740481C1C}">
+                  <a14:useLocalDpi xmlns:a14="http://schemas.microsoft.com/office/drawing/2010/main" val="0"/>
+                </a:ext>
+              </a:extLst>
+            </a:blip>
+            <a:srcRect/>
+            <a:stretch>
+              <a:fillRect/>
+            </a:stretch>
+          </p:blipFill>
+          <p:spPr bwMode="auto">
+            <a:xfrm>
+              <a:off x="8574828" y="2374782"/>
+              <a:ext cx="775542" cy="775542"/>
+            </a:xfrm>
+            <a:prstGeom prst="rect">
+              <a:avLst/>
+            </a:prstGeom>
+            <a:noFill/>
+            <a:extLst>
+              <a:ext uri="{909E8E84-426E-40DD-AFC4-6F175D3DCCD1}">
+                <a14:hiddenFill xmlns:a14="http://schemas.microsoft.com/office/drawing/2010/main">
+                  <a:solidFill>
+                    <a:srgbClr val="FFFFFF"/>
+                  </a:solidFill>
+                </a14:hiddenFill>
+              </a:ext>
+            </a:extLst>
+          </p:spPr>
+        </p:pic>
+        <p:sp>
+          <p:nvSpPr>
+            <p:cNvPr id="19" name="TextBox 18">
+              <a:extLst>
+                <a:ext uri="{FF2B5EF4-FFF2-40B4-BE49-F238E27FC236}">
+                  <a16:creationId xmlns:a16="http://schemas.microsoft.com/office/drawing/2014/main" id="{DF68AA0D-A867-0772-29BD-82A6B8A0075A}"/>
+                </a:ext>
+              </a:extLst>
+            </p:cNvPr>
+            <p:cNvSpPr txBox="1"/>
+            <p:nvPr/>
+          </p:nvSpPr>
           <p:spPr>
             <a:xfrm>
-              <a:off x="5912605" y="4134749"/>
-              <a:ext cx="0" cy="1771200"/>
+              <a:off x="197681" y="3470325"/>
+              <a:ext cx="2302631" cy="646331"/>
             </a:xfrm>
-            <a:prstGeom prst="line">
+            <a:prstGeom prst="rect">
               <a:avLst/>
             </a:prstGeom>
-            <a:ln>
-              <a:solidFill>
-                <a:schemeClr val="tx1"/>
-              </a:solidFill>
-              <a:prstDash val="lgDash"/>
-            </a:ln>
+            <a:noFill/>
           </p:spPr>
-          <p:style>
-            <a:lnRef idx="1">
-              <a:schemeClr val="accent1"/>
-            </a:lnRef>
-            <a:fillRef idx="0">
-              <a:schemeClr val="accent1"/>
-            </a:fillRef>
-            <a:effectRef idx="0">
-              <a:schemeClr val="accent1"/>
-            </a:effectRef>
-            <a:fontRef idx="minor">
+          <p:txBody>
+            <a:bodyPr wrap="square">
+              <a:spAutoFit/>
+            </a:bodyPr>
+            <a:lstStyle/>
+            <a:p>
+              <a:pPr algn="ctr" rtl="0">
+                <a:spcBef>
+                  <a:spcPts val="0"/>
+                </a:spcBef>
+                <a:spcAft>
+                  <a:spcPts val="0"/>
+                </a:spcAft>
+              </a:pPr>
+              <a:r>
+                <a:rPr lang="en-SG" sz="1800" b="0" i="0" u="none" strike="noStrike" dirty="0">
+                  <a:solidFill>
+                    <a:srgbClr val="A61C00"/>
+                  </a:solidFill>
+                  <a:effectLst/>
+                  <a:latin typeface="Lato" panose="020F0502020204030203" pitchFamily="34" charset="0"/>
+                </a:rPr>
+                <a:t>Desertification Index</a:t>
+              </a:r>
+            </a:p>
+            <a:p>
+              <a:pPr algn="ctr" rtl="0">
+                <a:spcBef>
+                  <a:spcPts val="0"/>
+                </a:spcBef>
+                <a:spcAft>
+                  <a:spcPts val="0"/>
+                </a:spcAft>
+              </a:pPr>
+              <a:r>
+                <a:rPr lang="en-SG" dirty="0">
+                  <a:solidFill>
+                    <a:srgbClr val="A61C00"/>
+                  </a:solidFill>
+                  <a:latin typeface="Lato" panose="020F0502020204030203" pitchFamily="34" charset="0"/>
+                </a:rPr>
+                <a:t>[DI]</a:t>
+              </a:r>
+              <a:endParaRPr lang="en-SG" b="0" dirty="0">
+                <a:effectLst/>
+              </a:endParaRPr>
+            </a:p>
+          </p:txBody>
+        </p:sp>
+        <p:sp>
+          <p:nvSpPr>
+            <p:cNvPr id="20" name="TextBox 19">
+              <a:extLst>
+                <a:ext uri="{FF2B5EF4-FFF2-40B4-BE49-F238E27FC236}">
+                  <a16:creationId xmlns:a16="http://schemas.microsoft.com/office/drawing/2014/main" id="{B2DF385C-4565-A87C-7FEE-0769C0E9FE25}"/>
+                </a:ext>
+              </a:extLst>
+            </p:cNvPr>
+            <p:cNvSpPr txBox="1"/>
+            <p:nvPr/>
+          </p:nvSpPr>
+          <p:spPr>
+            <a:xfrm>
+              <a:off x="3241771" y="3470166"/>
+              <a:ext cx="2302631" cy="646331"/>
+            </a:xfrm>
+            <a:prstGeom prst="rect">
+              <a:avLst/>
+            </a:prstGeom>
+            <a:noFill/>
+          </p:spPr>
+          <p:txBody>
+            <a:bodyPr wrap="square">
+              <a:spAutoFit/>
+            </a:bodyPr>
+            <a:lstStyle/>
+            <a:p>
+              <a:pPr algn="ctr" rtl="0">
+                <a:spcBef>
+                  <a:spcPts val="0"/>
+                </a:spcBef>
+                <a:spcAft>
+                  <a:spcPts val="0"/>
+                </a:spcAft>
+              </a:pPr>
+              <a:r>
+                <a:rPr lang="en-SG" sz="1800" b="0" i="0" u="none" strike="noStrike" dirty="0">
+                  <a:solidFill>
+                    <a:srgbClr val="A61C00"/>
+                  </a:solidFill>
+                  <a:effectLst/>
+                  <a:latin typeface="Lato" panose="020F0502020204030203" pitchFamily="34" charset="0"/>
+                </a:rPr>
+                <a:t>Vegetation Index</a:t>
+              </a:r>
+            </a:p>
+            <a:p>
+              <a:pPr algn="ctr" rtl="0">
+                <a:spcBef>
+                  <a:spcPts val="0"/>
+                </a:spcBef>
+                <a:spcAft>
+                  <a:spcPts val="0"/>
+                </a:spcAft>
+              </a:pPr>
+              <a:r>
+                <a:rPr lang="en-SG" dirty="0">
+                  <a:solidFill>
+                    <a:srgbClr val="A61C00"/>
+                  </a:solidFill>
+                  <a:latin typeface="Lato" panose="020F0502020204030203" pitchFamily="34" charset="0"/>
+                </a:rPr>
+                <a:t>[NDVI]</a:t>
+              </a:r>
+              <a:endParaRPr lang="en-SG" b="0" dirty="0">
+                <a:effectLst/>
+              </a:endParaRPr>
+            </a:p>
+          </p:txBody>
+        </p:sp>
+        <p:sp>
+          <p:nvSpPr>
+            <p:cNvPr id="21" name="TextBox 20">
+              <a:extLst>
+                <a:ext uri="{FF2B5EF4-FFF2-40B4-BE49-F238E27FC236}">
+                  <a16:creationId xmlns:a16="http://schemas.microsoft.com/office/drawing/2014/main" id="{F9938B34-7B44-8193-8AD1-B925E2B0C8C7}"/>
+                </a:ext>
+              </a:extLst>
+            </p:cNvPr>
+            <p:cNvSpPr txBox="1"/>
+            <p:nvPr/>
+          </p:nvSpPr>
+          <p:spPr>
+            <a:xfrm>
+              <a:off x="6378634" y="3453710"/>
+              <a:ext cx="2302631" cy="646331"/>
+            </a:xfrm>
+            <a:prstGeom prst="rect">
+              <a:avLst/>
+            </a:prstGeom>
+            <a:noFill/>
+          </p:spPr>
+          <p:txBody>
+            <a:bodyPr wrap="square">
+              <a:spAutoFit/>
+            </a:bodyPr>
+            <a:lstStyle/>
+            <a:p>
+              <a:pPr algn="ctr" rtl="0">
+                <a:spcBef>
+                  <a:spcPts val="0"/>
+                </a:spcBef>
+                <a:spcAft>
+                  <a:spcPts val="0"/>
+                </a:spcAft>
+              </a:pPr>
+              <a:r>
+                <a:rPr lang="en-SG" sz="1800" b="0" i="0" u="none" strike="noStrike" dirty="0">
+                  <a:solidFill>
+                    <a:srgbClr val="A61C00"/>
+                  </a:solidFill>
+                  <a:effectLst/>
+                  <a:latin typeface="Lato" panose="020F0502020204030203" pitchFamily="34" charset="0"/>
+                </a:rPr>
+                <a:t>Soil Quality Index</a:t>
+              </a:r>
+            </a:p>
+            <a:p>
+              <a:pPr algn="ctr" rtl="0">
+                <a:spcBef>
+                  <a:spcPts val="0"/>
+                </a:spcBef>
+                <a:spcAft>
+                  <a:spcPts val="0"/>
+                </a:spcAft>
+              </a:pPr>
+              <a:r>
+                <a:rPr lang="en-SG" dirty="0">
+                  <a:solidFill>
+                    <a:srgbClr val="A61C00"/>
+                  </a:solidFill>
+                  <a:latin typeface="Lato" panose="020F0502020204030203" pitchFamily="34" charset="0"/>
+                </a:rPr>
+                <a:t>[SAVI]</a:t>
+              </a:r>
+              <a:endParaRPr lang="en-SG" b="0" dirty="0">
+                <a:effectLst/>
+              </a:endParaRPr>
+            </a:p>
+          </p:txBody>
+        </p:sp>
+        <p:sp>
+          <p:nvSpPr>
+            <p:cNvPr id="22" name="TextBox 21">
+              <a:extLst>
+                <a:ext uri="{FF2B5EF4-FFF2-40B4-BE49-F238E27FC236}">
+                  <a16:creationId xmlns:a16="http://schemas.microsoft.com/office/drawing/2014/main" id="{6E676553-3C1E-97BB-7750-4317D0F6F501}"/>
+                </a:ext>
+              </a:extLst>
+            </p:cNvPr>
+            <p:cNvSpPr txBox="1"/>
+            <p:nvPr/>
+          </p:nvSpPr>
+          <p:spPr>
+            <a:xfrm>
+              <a:off x="9446262" y="3454598"/>
+              <a:ext cx="2302631" cy="646331"/>
+            </a:xfrm>
+            <a:prstGeom prst="rect">
+              <a:avLst/>
+            </a:prstGeom>
+            <a:noFill/>
+          </p:spPr>
+          <p:txBody>
+            <a:bodyPr wrap="square">
+              <a:spAutoFit/>
+            </a:bodyPr>
+            <a:lstStyle/>
+            <a:p>
+              <a:pPr algn="ctr" rtl="0">
+                <a:spcBef>
+                  <a:spcPts val="0"/>
+                </a:spcBef>
+                <a:spcAft>
+                  <a:spcPts val="0"/>
+                </a:spcAft>
+              </a:pPr>
+              <a:r>
+                <a:rPr lang="en-SG" sz="1800" b="0" i="0" u="none" strike="noStrike" dirty="0">
+                  <a:solidFill>
+                    <a:srgbClr val="A61C00"/>
+                  </a:solidFill>
+                  <a:effectLst/>
+                  <a:latin typeface="Lato" panose="020F0502020204030203" pitchFamily="34" charset="0"/>
+                </a:rPr>
+                <a:t>Climate Index</a:t>
+              </a:r>
+            </a:p>
+            <a:p>
+              <a:pPr algn="ctr" rtl="0">
+                <a:spcBef>
+                  <a:spcPts val="0"/>
+                </a:spcBef>
+                <a:spcAft>
+                  <a:spcPts val="0"/>
+                </a:spcAft>
+              </a:pPr>
+              <a:r>
+                <a:rPr lang="en-SG" dirty="0">
+                  <a:solidFill>
+                    <a:srgbClr val="A61C00"/>
+                  </a:solidFill>
+                  <a:latin typeface="Lato" panose="020F0502020204030203" pitchFamily="34" charset="0"/>
+                </a:rPr>
+                <a:t>[NDWI]</a:t>
+              </a:r>
+              <a:endParaRPr lang="en-SG" b="0" dirty="0">
+                <a:effectLst/>
+              </a:endParaRPr>
+            </a:p>
+          </p:txBody>
+        </p:sp>
+      </p:grpSp>
+      <p:cxnSp>
+        <p:nvCxnSpPr>
+          <p:cNvPr id="24" name="Straight Connector 23">
+            <a:extLst>
+              <a:ext uri="{FF2B5EF4-FFF2-40B4-BE49-F238E27FC236}">
+                <a16:creationId xmlns:a16="http://schemas.microsoft.com/office/drawing/2014/main" id="{F18056AB-C1C4-0450-B062-E8AC46CAF7A9}"/>
+              </a:ext>
+            </a:extLst>
+          </p:cNvPr>
+          <p:cNvCxnSpPr>
+            <a:cxnSpLocks/>
+          </p:cNvCxnSpPr>
+          <p:nvPr/>
+        </p:nvCxnSpPr>
+        <p:spPr>
+          <a:xfrm>
+            <a:off x="332510" y="4123174"/>
+            <a:ext cx="11021290" cy="27089"/>
+          </a:xfrm>
+          <a:prstGeom prst="line">
+            <a:avLst/>
+          </a:prstGeom>
+          <a:ln>
+            <a:solidFill>
               <a:schemeClr val="tx1"/>
-            </a:fontRef>
-          </p:style>
-        </p:cxnSp>
-      </p:grpSp>
+            </a:solidFill>
+            <a:prstDash val="lgDash"/>
+          </a:ln>
+        </p:spPr>
+        <p:style>
+          <a:lnRef idx="1">
+            <a:schemeClr val="accent1"/>
+          </a:lnRef>
+          <a:fillRef idx="0">
+            <a:schemeClr val="accent1"/>
+          </a:fillRef>
+          <a:effectRef idx="0">
+            <a:schemeClr val="accent1"/>
+          </a:effectRef>
+          <a:fontRef idx="minor">
+            <a:schemeClr val="tx1"/>
+          </a:fontRef>
+        </p:style>
+      </p:cxnSp>
+      <p:cxnSp>
+        <p:nvCxnSpPr>
+          <p:cNvPr id="27" name="Straight Connector 26">
+            <a:extLst>
+              <a:ext uri="{FF2B5EF4-FFF2-40B4-BE49-F238E27FC236}">
+                <a16:creationId xmlns:a16="http://schemas.microsoft.com/office/drawing/2014/main" id="{07386E0E-5E71-811D-DEF5-86A48404F454}"/>
+              </a:ext>
+            </a:extLst>
+          </p:cNvPr>
+          <p:cNvCxnSpPr>
+            <a:cxnSpLocks/>
+          </p:cNvCxnSpPr>
+          <p:nvPr/>
+        </p:nvCxnSpPr>
+        <p:spPr>
+          <a:xfrm>
+            <a:off x="5912605" y="4134749"/>
+            <a:ext cx="0" cy="1771200"/>
+          </a:xfrm>
+          <a:prstGeom prst="line">
+            <a:avLst/>
+          </a:prstGeom>
+          <a:ln>
+            <a:solidFill>
+              <a:schemeClr val="tx1"/>
+            </a:solidFill>
+            <a:prstDash val="lgDash"/>
+          </a:ln>
+        </p:spPr>
+        <p:style>
+          <a:lnRef idx="1">
+            <a:schemeClr val="accent1"/>
+          </a:lnRef>
+          <a:fillRef idx="0">
+            <a:schemeClr val="accent1"/>
+          </a:fillRef>
+          <a:effectRef idx="0">
+            <a:schemeClr val="accent1"/>
+          </a:effectRef>
+          <a:fontRef idx="minor">
+            <a:schemeClr val="tx1"/>
+          </a:fontRef>
+        </p:style>
+      </p:cxnSp>
       <p:sp>
         <p:nvSpPr>
           <p:cNvPr id="31" name="TextBox 30">
